--- a/Presentation.pptx
+++ b/Presentation.pptx
@@ -7,7 +7,9 @@
   <p:sldIdLst>
     <p:sldId id="257" r:id="rId2"/>
     <p:sldId id="258" r:id="rId3"/>
-    <p:sldId id="256" r:id="rId4"/>
+    <p:sldId id="259" r:id="rId4"/>
+    <p:sldId id="260" r:id="rId5"/>
+    <p:sldId id="256" r:id="rId6"/>
   </p:sldIdLst>
   <p:sldSz cx="12192000" cy="6858000"/>
   <p:notesSz cx="6858000" cy="9144000"/>
@@ -123,6 +125,6239 @@
     </p:ext>
   </p:extLst>
 </p:presentation>
+</file>
+
+<file path=ppt/charts/chart1.xml><?xml version="1.0" encoding="utf-8"?>
+<c:chartSpace xmlns:c="http://schemas.openxmlformats.org/drawingml/2006/chart" xmlns:a="http://schemas.openxmlformats.org/drawingml/2006/main" xmlns:r="http://schemas.openxmlformats.org/officeDocument/2006/relationships" xmlns:c16r2="http://schemas.microsoft.com/office/drawing/2015/06/chart">
+  <c:date1904 val="0"/>
+  <c:lang val="en-US"/>
+  <c:roundedCorners val="0"/>
+  <mc:AlternateContent xmlns:mc="http://schemas.openxmlformats.org/markup-compatibility/2006">
+    <mc:Choice xmlns:c14="http://schemas.microsoft.com/office/drawing/2007/8/2/chart" Requires="c14">
+      <c14:style val="102"/>
+    </mc:Choice>
+    <mc:Fallback>
+      <c:style val="2"/>
+    </mc:Fallback>
+  </mc:AlternateContent>
+  <c:chart>
+    <c:autoTitleDeleted val="1"/>
+    <c:plotArea>
+      <c:layout>
+        <c:manualLayout>
+          <c:layoutTarget val="inner"/>
+          <c:xMode val="edge"/>
+          <c:yMode val="edge"/>
+          <c:x val="2.4868093547248862E-2"/>
+          <c:y val="5.0925925925925923E-2"/>
+          <c:w val="0.96718414134446351"/>
+          <c:h val="0.59418671624380281"/>
+        </c:manualLayout>
+      </c:layout>
+      <c:barChart>
+        <c:barDir val="col"/>
+        <c:grouping val="clustered"/>
+        <c:varyColors val="0"/>
+        <c:ser>
+          <c:idx val="0"/>
+          <c:order val="0"/>
+          <c:tx>
+            <c:strRef>
+              <c:f>Summary!$B$1</c:f>
+              <c:strCache>
+                <c:ptCount val="1"/>
+                <c:pt idx="0">
+                  <c:v>Average Happiness Index</c:v>
+                </c:pt>
+              </c:strCache>
+            </c:strRef>
+          </c:tx>
+          <c:spPr>
+            <a:solidFill>
+              <a:schemeClr val="accent1"/>
+            </a:solidFill>
+            <a:ln>
+              <a:noFill/>
+            </a:ln>
+            <a:effectLst/>
+          </c:spPr>
+          <c:invertIfNegative val="0"/>
+          <c:cat>
+            <c:strRef>
+              <c:f>Summary!$A$2:$A$153</c:f>
+              <c:strCache>
+                <c:ptCount val="152"/>
+                <c:pt idx="0">
+                  <c:v>Burundi</c:v>
+                </c:pt>
+                <c:pt idx="1">
+                  <c:v>Central African Republic</c:v>
+                </c:pt>
+                <c:pt idx="2">
+                  <c:v>Syria</c:v>
+                </c:pt>
+                <c:pt idx="3">
+                  <c:v>Rwanda</c:v>
+                </c:pt>
+                <c:pt idx="4">
+                  <c:v>Tanzania</c:v>
+                </c:pt>
+                <c:pt idx="5">
+                  <c:v>Afghanistan</c:v>
+                </c:pt>
+                <c:pt idx="6">
+                  <c:v>Togo</c:v>
+                </c:pt>
+                <c:pt idx="7">
+                  <c:v>Yemen</c:v>
+                </c:pt>
+                <c:pt idx="8">
+                  <c:v>Madagascar</c:v>
+                </c:pt>
+                <c:pt idx="9">
+                  <c:v>Botswana</c:v>
+                </c:pt>
+                <c:pt idx="10">
+                  <c:v>Liberia</c:v>
+                </c:pt>
+                <c:pt idx="11">
+                  <c:v>Angola</c:v>
+                </c:pt>
+                <c:pt idx="12">
+                  <c:v>Guinea</c:v>
+                </c:pt>
+                <c:pt idx="13">
+                  <c:v>Haiti</c:v>
+                </c:pt>
+                <c:pt idx="14">
+                  <c:v>Malawi</c:v>
+                </c:pt>
+                <c:pt idx="15">
+                  <c:v>Benin</c:v>
+                </c:pt>
+                <c:pt idx="16">
+                  <c:v>Chad</c:v>
+                </c:pt>
+                <c:pt idx="17">
+                  <c:v>Zimbabwe</c:v>
+                </c:pt>
+                <c:pt idx="18">
+                  <c:v>Uganda</c:v>
+                </c:pt>
+                <c:pt idx="19">
+                  <c:v>Burkina Faso</c:v>
+                </c:pt>
+                <c:pt idx="20">
+                  <c:v>Niger</c:v>
+                </c:pt>
+                <c:pt idx="21">
+                  <c:v>Lesotho</c:v>
+                </c:pt>
+                <c:pt idx="22">
+                  <c:v>Sudan</c:v>
+                </c:pt>
+                <c:pt idx="23">
+                  <c:v>Cambodia</c:v>
+                </c:pt>
+                <c:pt idx="24">
+                  <c:v>Mali</c:v>
+                </c:pt>
+                <c:pt idx="25">
+                  <c:v>Ivory Coast</c:v>
+                </c:pt>
+                <c:pt idx="26">
+                  <c:v>India</c:v>
+                </c:pt>
+                <c:pt idx="27">
+                  <c:v>Congo (Kinshasa)</c:v>
+                </c:pt>
+                <c:pt idx="28">
+                  <c:v>Ukraine</c:v>
+                </c:pt>
+                <c:pt idx="29">
+                  <c:v>Georgia</c:v>
+                </c:pt>
+                <c:pt idx="30">
+                  <c:v>Mauritania</c:v>
+                </c:pt>
+                <c:pt idx="31">
+                  <c:v>Congo (Brazzaville)</c:v>
+                </c:pt>
+                <c:pt idx="32">
+                  <c:v>Myanmar</c:v>
+                </c:pt>
+                <c:pt idx="33">
+                  <c:v>Egypt</c:v>
+                </c:pt>
+                <c:pt idx="34">
+                  <c:v>Sri Lanka</c:v>
+                </c:pt>
+                <c:pt idx="35">
+                  <c:v>Armenia</c:v>
+                </c:pt>
+                <c:pt idx="36">
+                  <c:v>Senegal</c:v>
+                </c:pt>
+                <c:pt idx="37">
+                  <c:v>Gabon</c:v>
+                </c:pt>
+                <c:pt idx="38">
+                  <c:v>Ethiopia</c:v>
+                </c:pt>
+                <c:pt idx="39">
+                  <c:v>Kenya</c:v>
+                </c:pt>
+                <c:pt idx="40">
+                  <c:v>Iraq</c:v>
+                </c:pt>
+                <c:pt idx="41">
+                  <c:v>Ghana</c:v>
+                </c:pt>
+                <c:pt idx="42">
+                  <c:v>Sierra Leone</c:v>
+                </c:pt>
+                <c:pt idx="43">
+                  <c:v>Bangladesh</c:v>
+                </c:pt>
+                <c:pt idx="44">
+                  <c:v>Zambia</c:v>
+                </c:pt>
+                <c:pt idx="45">
+                  <c:v>Bulgaria</c:v>
+                </c:pt>
+                <c:pt idx="46">
+                  <c:v>Mozambique</c:v>
+                </c:pt>
+                <c:pt idx="47">
+                  <c:v>South Africa</c:v>
+                </c:pt>
+                <c:pt idx="48">
+                  <c:v>Iran</c:v>
+                </c:pt>
+                <c:pt idx="49">
+                  <c:v>Cameroon</c:v>
+                </c:pt>
+                <c:pt idx="50">
+                  <c:v>Albania</c:v>
+                </c:pt>
+                <c:pt idx="51">
+                  <c:v>Tunisia</c:v>
+                </c:pt>
+                <c:pt idx="52">
+                  <c:v>Palestinian Territories</c:v>
+                </c:pt>
+                <c:pt idx="53">
+                  <c:v>Laos</c:v>
+                </c:pt>
+                <c:pt idx="54">
+                  <c:v>Nepal</c:v>
+                </c:pt>
+                <c:pt idx="55">
+                  <c:v>Mongolia</c:v>
+                </c:pt>
+                <c:pt idx="56">
+                  <c:v>Tajikistan</c:v>
+                </c:pt>
+                <c:pt idx="57">
+                  <c:v>Bhutan</c:v>
+                </c:pt>
+                <c:pt idx="58">
+                  <c:v>Nigeria</c:v>
+                </c:pt>
+                <c:pt idx="59">
+                  <c:v>Macedonia</c:v>
+                </c:pt>
+                <c:pt idx="60">
+                  <c:v>Lebanon</c:v>
+                </c:pt>
+                <c:pt idx="61">
+                  <c:v>Greece</c:v>
+                </c:pt>
+                <c:pt idx="62">
+                  <c:v>Vietnam</c:v>
+                </c:pt>
+                <c:pt idx="63">
+                  <c:v>Bosnia and Herzegovina</c:v>
+                </c:pt>
+                <c:pt idx="64">
+                  <c:v>Morocco</c:v>
+                </c:pt>
+                <c:pt idx="65">
+                  <c:v>Kyrgyzstan</c:v>
+                </c:pt>
+                <c:pt idx="66">
+                  <c:v>Jordan</c:v>
+                </c:pt>
+                <c:pt idx="67">
+                  <c:v>Dominican Republic</c:v>
+                </c:pt>
+                <c:pt idx="68">
+                  <c:v>China</c:v>
+                </c:pt>
+                <c:pt idx="69">
+                  <c:v>Azerbaijan</c:v>
+                </c:pt>
+                <c:pt idx="70">
+                  <c:v>Honduras</c:v>
+                </c:pt>
+                <c:pt idx="71">
+                  <c:v>Indonesia</c:v>
+                </c:pt>
+                <c:pt idx="72">
+                  <c:v>Montenegro</c:v>
+                </c:pt>
+                <c:pt idx="73">
+                  <c:v>Portugal</c:v>
+                </c:pt>
+                <c:pt idx="74">
+                  <c:v>Hungary</c:v>
+                </c:pt>
+                <c:pt idx="75">
+                  <c:v>Serbia</c:v>
+                </c:pt>
+                <c:pt idx="76">
+                  <c:v>Pakistan</c:v>
+                </c:pt>
+                <c:pt idx="77">
+                  <c:v>Philippines</c:v>
+                </c:pt>
+                <c:pt idx="78">
+                  <c:v>Turkey</c:v>
+                </c:pt>
+                <c:pt idx="79">
+                  <c:v>Hong Kong</c:v>
+                </c:pt>
+                <c:pt idx="80">
+                  <c:v>Croatia</c:v>
+                </c:pt>
+                <c:pt idx="81">
+                  <c:v>Kosovo</c:v>
+                </c:pt>
+                <c:pt idx="82">
+                  <c:v>Venezuela</c:v>
+                </c:pt>
+                <c:pt idx="83">
+                  <c:v>Turkmenistan</c:v>
+                </c:pt>
+                <c:pt idx="84">
+                  <c:v>Libya</c:v>
+                </c:pt>
+                <c:pt idx="85">
+                  <c:v>Belarus</c:v>
+                </c:pt>
+                <c:pt idx="86">
+                  <c:v>Estonia</c:v>
+                </c:pt>
+                <c:pt idx="87">
+                  <c:v>Jamaica</c:v>
+                </c:pt>
+                <c:pt idx="88">
+                  <c:v>Paraguay</c:v>
+                </c:pt>
+                <c:pt idx="89">
+                  <c:v>Algeria</c:v>
+                </c:pt>
+                <c:pt idx="90">
+                  <c:v>Latvia</c:v>
+                </c:pt>
+                <c:pt idx="91">
+                  <c:v>Romania</c:v>
+                </c:pt>
+                <c:pt idx="92">
+                  <c:v>Mauritius</c:v>
+                </c:pt>
+                <c:pt idx="93">
+                  <c:v>Peru</c:v>
+                </c:pt>
+                <c:pt idx="94">
+                  <c:v>Cyprus</c:v>
+                </c:pt>
+                <c:pt idx="95">
+                  <c:v>Moldova</c:v>
+                </c:pt>
+                <c:pt idx="96">
+                  <c:v>Russia</c:v>
+                </c:pt>
+                <c:pt idx="97">
+                  <c:v>North Cyprus</c:v>
+                </c:pt>
+                <c:pt idx="98">
+                  <c:v>Bolivia</c:v>
+                </c:pt>
+                <c:pt idx="99">
+                  <c:v>Kazakhstan</c:v>
+                </c:pt>
+                <c:pt idx="100">
+                  <c:v>South Korea</c:v>
+                </c:pt>
+                <c:pt idx="101">
+                  <c:v>Slovenia</c:v>
+                </c:pt>
+                <c:pt idx="102">
+                  <c:v>Malaysia</c:v>
+                </c:pt>
+                <c:pt idx="103">
+                  <c:v>Japan</c:v>
+                </c:pt>
+                <c:pt idx="104">
+                  <c:v>Lithuania</c:v>
+                </c:pt>
+                <c:pt idx="105">
+                  <c:v>Poland</c:v>
+                </c:pt>
+                <c:pt idx="106">
+                  <c:v>Ecuador</c:v>
+                </c:pt>
+                <c:pt idx="107">
+                  <c:v>Italy</c:v>
+                </c:pt>
+                <c:pt idx="108">
+                  <c:v>Nicaragua</c:v>
+                </c:pt>
+                <c:pt idx="109">
+                  <c:v>Uzbekistan</c:v>
+                </c:pt>
+                <c:pt idx="110">
+                  <c:v>Slovakia</c:v>
+                </c:pt>
+                <c:pt idx="111">
+                  <c:v>Bahrain</c:v>
+                </c:pt>
+                <c:pt idx="112">
+                  <c:v>El Salvador</c:v>
+                </c:pt>
+                <c:pt idx="113">
+                  <c:v>Kuwait</c:v>
+                </c:pt>
+                <c:pt idx="114">
+                  <c:v>Trinidad and Tobago</c:v>
+                </c:pt>
+                <c:pt idx="115">
+                  <c:v>Thailand</c:v>
+                </c:pt>
+                <c:pt idx="116">
+                  <c:v>Colombia</c:v>
+                </c:pt>
+                <c:pt idx="117">
+                  <c:v>Guatemala</c:v>
+                </c:pt>
+                <c:pt idx="118">
+                  <c:v>Spain</c:v>
+                </c:pt>
+                <c:pt idx="119">
+                  <c:v>Saudi Arabia</c:v>
+                </c:pt>
+                <c:pt idx="120">
+                  <c:v>Taiwan</c:v>
+                </c:pt>
+                <c:pt idx="121">
+                  <c:v>Qatar</c:v>
+                </c:pt>
+                <c:pt idx="122">
+                  <c:v>Uruguay</c:v>
+                </c:pt>
+                <c:pt idx="123">
+                  <c:v>Argentina</c:v>
+                </c:pt>
+                <c:pt idx="124">
+                  <c:v>France</c:v>
+                </c:pt>
+                <c:pt idx="125">
+                  <c:v>Malta</c:v>
+                </c:pt>
+                <c:pt idx="126">
+                  <c:v>Panama</c:v>
+                </c:pt>
+                <c:pt idx="127">
+                  <c:v>Singapore</c:v>
+                </c:pt>
+                <c:pt idx="128">
+                  <c:v>Chile</c:v>
+                </c:pt>
+                <c:pt idx="129">
+                  <c:v>Czech Republic</c:v>
+                </c:pt>
+                <c:pt idx="130">
+                  <c:v>Brazil</c:v>
+                </c:pt>
+                <c:pt idx="131">
+                  <c:v>Mexico</c:v>
+                </c:pt>
+                <c:pt idx="132">
+                  <c:v>United Arab Emirates</c:v>
+                </c:pt>
+                <c:pt idx="133">
+                  <c:v>United Kingdom</c:v>
+                </c:pt>
+                <c:pt idx="134">
+                  <c:v>Belgium</c:v>
+                </c:pt>
+                <c:pt idx="135">
+                  <c:v>Germany</c:v>
+                </c:pt>
+                <c:pt idx="136">
+                  <c:v>Luxembourg</c:v>
+                </c:pt>
+                <c:pt idx="137">
+                  <c:v>Ireland</c:v>
+                </c:pt>
+                <c:pt idx="138">
+                  <c:v>United States</c:v>
+                </c:pt>
+                <c:pt idx="139">
+                  <c:v>Costa Rica</c:v>
+                </c:pt>
+                <c:pt idx="140">
+                  <c:v>Austria</c:v>
+                </c:pt>
+                <c:pt idx="141">
+                  <c:v>Israel</c:v>
+                </c:pt>
+                <c:pt idx="142">
+                  <c:v>Australia</c:v>
+                </c:pt>
+                <c:pt idx="143">
+                  <c:v>New Zealand</c:v>
+                </c:pt>
+                <c:pt idx="144">
+                  <c:v>Sweden</c:v>
+                </c:pt>
+                <c:pt idx="145">
+                  <c:v>Canada</c:v>
+                </c:pt>
+                <c:pt idx="146">
+                  <c:v>Netherlands</c:v>
+                </c:pt>
+                <c:pt idx="147">
+                  <c:v>Iceland</c:v>
+                </c:pt>
+                <c:pt idx="148">
+                  <c:v>Switzerland</c:v>
+                </c:pt>
+                <c:pt idx="149">
+                  <c:v>Finland</c:v>
+                </c:pt>
+                <c:pt idx="150">
+                  <c:v>Norway</c:v>
+                </c:pt>
+                <c:pt idx="151">
+                  <c:v>Denmark</c:v>
+                </c:pt>
+              </c:strCache>
+            </c:strRef>
+          </c:cat>
+          <c:val>
+            <c:numRef>
+              <c:f>Summary!$B$2:$B$153</c:f>
+              <c:numCache>
+                <c:formatCode>0.00</c:formatCode>
+                <c:ptCount val="152"/>
+                <c:pt idx="0">
+                  <c:v>3.0789999941999997</c:v>
+                </c:pt>
+                <c:pt idx="1">
+                  <c:v>3.211253347026124</c:v>
+                </c:pt>
+                <c:pt idx="2">
+                  <c:v>3.2921999785999958</c:v>
+                </c:pt>
+                <c:pt idx="3">
+                  <c:v>3.438599991199998</c:v>
+                </c:pt>
+                <c:pt idx="4">
+                  <c:v>3.4659999953999998</c:v>
+                </c:pt>
+                <c:pt idx="5">
+                  <c:v>3.512799981999998</c:v>
+                </c:pt>
+                <c:pt idx="6">
+                  <c:v>3.5441999771999981</c:v>
+                </c:pt>
+                <c:pt idx="7">
+                  <c:v>3.6257999869999979</c:v>
+                </c:pt>
+                <c:pt idx="8">
+                  <c:v>3.7454000105999983</c:v>
+                </c:pt>
+                <c:pt idx="9">
+                  <c:v>3.8300000063999979</c:v>
+                </c:pt>
+                <c:pt idx="10">
+                  <c:v>3.839199998399998</c:v>
+                </c:pt>
+                <c:pt idx="11">
+                  <c:v>3.8453455736260196</c:v>
+                </c:pt>
+                <c:pt idx="12">
+                  <c:v>3.8535999937999961</c:v>
+                </c:pt>
+                <c:pt idx="13">
+                  <c:v>3.8655999852000003</c:v>
+                </c:pt>
+                <c:pt idx="14">
+                  <c:v>3.8830000057999983</c:v>
+                </c:pt>
+                <c:pt idx="15">
+                  <c:v>3.901000013</c:v>
+                </c:pt>
+                <c:pt idx="16">
+                  <c:v>4.0034000217999974</c:v>
+                </c:pt>
+                <c:pt idx="17">
+                  <c:v>4.0065999999999979</c:v>
+                </c:pt>
+                <c:pt idx="18">
+                  <c:v>4.0201999701999993</c:v>
+                </c:pt>
+                <c:pt idx="19">
+                  <c:v>4.0738000129999961</c:v>
+                </c:pt>
+                <c:pt idx="20">
+                  <c:v>4.1045999756000002</c:v>
+                </c:pt>
+                <c:pt idx="21">
+                  <c:v>4.1826902272001991</c:v>
+                </c:pt>
+                <c:pt idx="22">
+                  <c:v>4.2018374489022001</c:v>
+                </c:pt>
+                <c:pt idx="23">
+                  <c:v>4.2054000441999992</c:v>
+                </c:pt>
+                <c:pt idx="24">
+                  <c:v>4.2190000114000004</c:v>
+                </c:pt>
+                <c:pt idx="25">
+                  <c:v>4.2731999655999999</c:v>
+                </c:pt>
+                <c:pt idx="26">
+                  <c:v>4.2978000114000006</c:v>
+                </c:pt>
+                <c:pt idx="27">
+                  <c:v>4.298719801554503</c:v>
+                </c:pt>
+                <c:pt idx="28">
+                  <c:v>4.3072000389999996</c:v>
+                </c:pt>
+                <c:pt idx="29">
+                  <c:v>4.3387999550000007</c:v>
+                </c:pt>
+                <c:pt idx="30">
+                  <c:v>4.3549999634000001</c:v>
+                </c:pt>
+                <c:pt idx="31">
+                  <c:v>4.3577596068317082</c:v>
+                </c:pt>
+                <c:pt idx="32">
+                  <c:v>4.3726500224552076</c:v>
+                </c:pt>
+                <c:pt idx="33">
+                  <c:v>4.3752000268</c:v>
+                </c:pt>
+                <c:pt idx="34">
+                  <c:v>4.3926000113999999</c:v>
+                </c:pt>
+                <c:pt idx="35">
+                  <c:v>4.3931999855999999</c:v>
+                </c:pt>
+                <c:pt idx="36">
+                  <c:v>4.3939999693999985</c:v>
+                </c:pt>
+                <c:pt idx="37">
+                  <c:v>4.407800030599998</c:v>
+                </c:pt>
+                <c:pt idx="38">
+                  <c:v>4.4232000076000002</c:v>
+                </c:pt>
+                <c:pt idx="39">
+                  <c:v>4.4493999945999985</c:v>
+                </c:pt>
+                <c:pt idx="40">
+                  <c:v>4.5284000433999996</c:v>
+                </c:pt>
+                <c:pt idx="41">
+                  <c:v>4.5363999772000003</c:v>
+                </c:pt>
+                <c:pt idx="42">
+                  <c:v>4.5592000221999998</c:v>
+                </c:pt>
+                <c:pt idx="43">
+                  <c:v>4.5801999603999999</c:v>
+                </c:pt>
+                <c:pt idx="44">
+                  <c:v>4.5843999877999995</c:v>
+                </c:pt>
+                <c:pt idx="45">
+                  <c:v>4.6186000449999991</c:v>
+                </c:pt>
+                <c:pt idx="46">
+                  <c:v>4.6487268001163287</c:v>
+                </c:pt>
+                <c:pt idx="47">
+                  <c:v>4.6751999991999957</c:v>
+                </c:pt>
+                <c:pt idx="48">
+                  <c:v>4.6891999823999999</c:v>
+                </c:pt>
+                <c:pt idx="49">
+                  <c:v>4.6958000344000004</c:v>
+                </c:pt>
+                <c:pt idx="50">
+                  <c:v>4.7126000105999983</c:v>
+                </c:pt>
+                <c:pt idx="51">
+                  <c:v>4.7283999655999995</c:v>
+                </c:pt>
+                <c:pt idx="52">
+                  <c:v>4.7474052074879989</c:v>
+                </c:pt>
+                <c:pt idx="53">
+                  <c:v>4.8053751514359213</c:v>
+                </c:pt>
+                <c:pt idx="54">
+                  <c:v>4.8123999785999976</c:v>
+                </c:pt>
+                <c:pt idx="55">
+                  <c:v>5.0291999848</c:v>
+                </c:pt>
+                <c:pt idx="56">
+                  <c:v>5.0977999777999994</c:v>
+                </c:pt>
+                <c:pt idx="57">
+                  <c:v>5.1248000311999977</c:v>
+                </c:pt>
+                <c:pt idx="58">
+                  <c:v>5.1273999764000004</c:v>
+                </c:pt>
+                <c:pt idx="59">
+                  <c:v>5.1436960556664184</c:v>
+                </c:pt>
+                <c:pt idx="60">
+                  <c:v>5.1495999809999979</c:v>
+                </c:pt>
+                <c:pt idx="61">
+                  <c:v>5.1524000473999978</c:v>
+                </c:pt>
+                <c:pt idx="62">
+                  <c:v>5.1545999763999992</c:v>
+                </c:pt>
+                <c:pt idx="63">
+                  <c:v>5.1618000319999968</c:v>
+                </c:pt>
+                <c:pt idx="64">
+                  <c:v>5.1722000267999979</c:v>
+                </c:pt>
+                <c:pt idx="65">
+                  <c:v>5.1734000373999995</c:v>
+                </c:pt>
+                <c:pt idx="66">
+                  <c:v>5.1795999932000001</c:v>
+                </c:pt>
+                <c:pt idx="67">
+                  <c:v>5.1994000037999974</c:v>
+                </c:pt>
+                <c:pt idx="68">
+                  <c:v>5.2189999525999999</c:v>
+                </c:pt>
+                <c:pt idx="69">
+                  <c:v>5.2292000411999986</c:v>
+                </c:pt>
+                <c:pt idx="70">
+                  <c:v>5.2408000466000004</c:v>
+                </c:pt>
+                <c:pt idx="71">
+                  <c:v>5.2520000167999985</c:v>
+                </c:pt>
+                <c:pt idx="72">
+                  <c:v>5.2919999977999996</c:v>
+                </c:pt>
+                <c:pt idx="73">
+                  <c:v>5.3046000343999982</c:v>
+                </c:pt>
+                <c:pt idx="74">
+                  <c:v>5.3293999763999977</c:v>
+                </c:pt>
+                <c:pt idx="75">
+                  <c:v>5.3391999961999987</c:v>
+                </c:pt>
+                <c:pt idx="76">
+                  <c:v>5.3440000106000003</c:v>
+                </c:pt>
+                <c:pt idx="77">
+                  <c:v>5.3873999656000002</c:v>
+                </c:pt>
+                <c:pt idx="78">
+                  <c:v>5.4153999999999964</c:v>
+                </c:pt>
+                <c:pt idx="79">
+                  <c:v>5.4477997872581163</c:v>
+                </c:pt>
+                <c:pt idx="80">
+                  <c:v>5.4586000441999953</c:v>
+                </c:pt>
+                <c:pt idx="81">
+                  <c:v>5.5222796605086089</c:v>
+                </c:pt>
+                <c:pt idx="82">
+                  <c:v>5.5313999999999997</c:v>
+                </c:pt>
+                <c:pt idx="83">
+                  <c:v>5.5822000053999954</c:v>
+                </c:pt>
+                <c:pt idx="84">
+                  <c:v>5.5970000189999993</c:v>
+                </c:pt>
+                <c:pt idx="85">
+                  <c:v>5.5979999533999978</c:v>
+                </c:pt>
+                <c:pt idx="86">
+                  <c:v>5.6378000121999978</c:v>
+                </c:pt>
+                <c:pt idx="87">
+                  <c:v>5.6619999739999995</c:v>
+                </c:pt>
+                <c:pt idx="88">
+                  <c:v>5.6666000061999942</c:v>
+                </c:pt>
+                <c:pt idx="89">
+                  <c:v>5.6676000434000002</c:v>
+                </c:pt>
+                <c:pt idx="90">
+                  <c:v>5.6761999809999999</c:v>
+                </c:pt>
+                <c:pt idx="91">
+                  <c:v>5.6983999617999981</c:v>
+                </c:pt>
+                <c:pt idx="92">
+                  <c:v>5.7066000373999994</c:v>
+                </c:pt>
+                <c:pt idx="93">
+                  <c:v>5.7284000305999943</c:v>
+                </c:pt>
+                <c:pt idx="94">
+                  <c:v>5.7327999625999979</c:v>
+                </c:pt>
+                <c:pt idx="95">
+                  <c:v>5.7585999641999983</c:v>
+                </c:pt>
+                <c:pt idx="96">
+                  <c:v>5.7985999641999992</c:v>
+                </c:pt>
+                <c:pt idx="97">
+                  <c:v>5.8025601527476436</c:v>
+                </c:pt>
+                <c:pt idx="98">
+                  <c:v>5.8131999907999994</c:v>
+                </c:pt>
+                <c:pt idx="99">
+                  <c:v>5.8383999534000006</c:v>
+                </c:pt>
+                <c:pt idx="100">
+                  <c:v>5.8853999641999994</c:v>
+                </c:pt>
+                <c:pt idx="101">
+                  <c:v>5.8879999793999955</c:v>
+                </c:pt>
+                <c:pt idx="102">
+                  <c:v>5.9040000221999973</c:v>
+                </c:pt>
+                <c:pt idx="103">
+                  <c:v>5.9258000152000001</c:v>
+                </c:pt>
+                <c:pt idx="104">
+                  <c:v>5.9297999899999976</c:v>
+                </c:pt>
+                <c:pt idx="105">
+                  <c:v>5.9808000099999985</c:v>
+                </c:pt>
+                <c:pt idx="106">
+                  <c:v>5.9919999794000001</c:v>
+                </c:pt>
+                <c:pt idx="107">
+                  <c:v>6.0224000449999977</c:v>
+                </c:pt>
+                <c:pt idx="108">
+                  <c:v>6.0274000197999973</c:v>
+                </c:pt>
+                <c:pt idx="109">
+                  <c:v>6.0462000389999959</c:v>
+                </c:pt>
+                <c:pt idx="110">
+                  <c:v>6.1084000099999942</c:v>
+                </c:pt>
+                <c:pt idx="111">
+                  <c:v>6.1137999786000012</c:v>
+                </c:pt>
+                <c:pt idx="112">
+                  <c:v>6.1241999565999983</c:v>
+                </c:pt>
+                <c:pt idx="113">
+                  <c:v>6.1486000037999959</c:v>
+                </c:pt>
+                <c:pt idx="114">
+                  <c:v>6.1739983414338884</c:v>
+                </c:pt>
+                <c:pt idx="115">
+                  <c:v>6.2865999571999982</c:v>
+                </c:pt>
+                <c:pt idx="116">
+                  <c:v>6.3399999747999987</c:v>
+                </c:pt>
+                <c:pt idx="117">
+                  <c:v>6.3437999991999972</c:v>
+                </c:pt>
+                <c:pt idx="118">
+                  <c:v>6.3513999755999979</c:v>
+                </c:pt>
+                <c:pt idx="119">
+                  <c:v>6.3759999726000007</c:v>
+                </c:pt>
+                <c:pt idx="120">
+                  <c:v>6.3960300142375957</c:v>
+                </c:pt>
+                <c:pt idx="121">
+                  <c:v>6.4218000000000002</c:v>
+                </c:pt>
+                <c:pt idx="122">
+                  <c:v>6.4311999991999986</c:v>
+                </c:pt>
+                <c:pt idx="123">
+                  <c:v>6.4593999954000001</c:v>
+                </c:pt>
+                <c:pt idx="124">
+                  <c:v>6.5151999824000004</c:v>
+                </c:pt>
+                <c:pt idx="125">
+                  <c:v>6.5339999899999981</c:v>
+                </c:pt>
+                <c:pt idx="126">
+                  <c:v>6.5380000281999999</c:v>
+                </c:pt>
+                <c:pt idx="127">
+                  <c:v>6.5428000053999984</c:v>
+                </c:pt>
+                <c:pt idx="128">
+                  <c:v>6.5893999899999995</c:v>
+                </c:pt>
+                <c:pt idx="129">
+                  <c:v>6.654600041200001</c:v>
+                </c:pt>
+                <c:pt idx="130">
+                  <c:v>6.6578000457999993</c:v>
+                </c:pt>
+                <c:pt idx="131">
+                  <c:v>6.7252000137999985</c:v>
+                </c:pt>
+                <c:pt idx="132">
+                  <c:v>6.7441999525999989</c:v>
+                </c:pt>
+                <c:pt idx="133">
+                  <c:v>6.9100000449999985</c:v>
+                </c:pt>
+                <c:pt idx="134">
+                  <c:v>6.921399958799995</c:v>
+                </c:pt>
+                <c:pt idx="135">
+                  <c:v>6.9290000428000003</c:v>
+                </c:pt>
+                <c:pt idx="136">
+                  <c:v>6.9359999832000003</c:v>
+                </c:pt>
+                <c:pt idx="137">
+                  <c:v>6.9644000473999998</c:v>
+                </c:pt>
+                <c:pt idx="138">
+                  <c:v>6.9988000061999998</c:v>
+                </c:pt>
+                <c:pt idx="139">
+                  <c:v>7.1261999991999998</c:v>
+                </c:pt>
+                <c:pt idx="140">
+                  <c:v>7.1420000083999984</c:v>
+                </c:pt>
+                <c:pt idx="141">
+                  <c:v>7.1421999641999978</c:v>
+                </c:pt>
+                <c:pt idx="142">
+                  <c:v>7.2761999839999998</c:v>
+                </c:pt>
+                <c:pt idx="143">
+                  <c:v>7.3130000260000001</c:v>
+                </c:pt>
+                <c:pt idx="144">
+                  <c:v>7.319199983999999</c:v>
+                </c:pt>
+                <c:pt idx="145">
+                  <c:v>7.350599996999998</c:v>
+                </c:pt>
+                <c:pt idx="146">
+                  <c:v>7.4045999709999943</c:v>
+                </c:pt>
+                <c:pt idx="147">
+                  <c:v>7.5110000374000006</c:v>
+                </c:pt>
+                <c:pt idx="148">
+                  <c:v>7.5113999915999985</c:v>
+                </c:pt>
+                <c:pt idx="149">
+                  <c:v>7.5377999725999967</c:v>
+                </c:pt>
+                <c:pt idx="150">
+                  <c:v>7.5410000357999936</c:v>
+                </c:pt>
+                <c:pt idx="151">
+                  <c:v>7.5459999671999993</c:v>
+                </c:pt>
+              </c:numCache>
+            </c:numRef>
+          </c:val>
+          <c:extLst>
+            <c:ext xmlns:c16="http://schemas.microsoft.com/office/drawing/2014/chart" uri="{C3380CC4-5D6E-409C-BE32-E72D297353CC}">
+              <c16:uniqueId val="{00000000-41B9-4F3B-8DC0-B8A339E3E42A}"/>
+            </c:ext>
+          </c:extLst>
+        </c:ser>
+        <c:dLbls>
+          <c:showLegendKey val="0"/>
+          <c:showVal val="0"/>
+          <c:showCatName val="0"/>
+          <c:showSerName val="0"/>
+          <c:showPercent val="0"/>
+          <c:showBubbleSize val="0"/>
+        </c:dLbls>
+        <c:gapWidth val="219"/>
+        <c:overlap val="-27"/>
+        <c:axId val="725703792"/>
+        <c:axId val="705221128"/>
+      </c:barChart>
+      <c:catAx>
+        <c:axId val="725703792"/>
+        <c:scaling>
+          <c:orientation val="minMax"/>
+        </c:scaling>
+        <c:delete val="0"/>
+        <c:axPos val="b"/>
+        <c:numFmt formatCode="General" sourceLinked="1"/>
+        <c:majorTickMark val="none"/>
+        <c:minorTickMark val="none"/>
+        <c:tickLblPos val="nextTo"/>
+        <c:spPr>
+          <a:noFill/>
+          <a:ln w="9525" cap="flat" cmpd="sng" algn="ctr">
+            <a:solidFill>
+              <a:schemeClr val="accent1">
+                <a:alpha val="99000"/>
+              </a:schemeClr>
+            </a:solidFill>
+            <a:round/>
+          </a:ln>
+          <a:effectLst/>
+        </c:spPr>
+        <c:txPr>
+          <a:bodyPr rot="-60000000" spcFirstLastPara="1" vertOverflow="ellipsis" vert="horz" wrap="square" anchor="ctr" anchorCtr="1"/>
+          <a:lstStyle/>
+          <a:p>
+            <a:pPr>
+              <a:defRPr sz="600" b="0" i="0" u="none" strike="noStrike" kern="1200" baseline="0">
+                <a:solidFill>
+                  <a:schemeClr val="tx1">
+                    <a:lumMod val="65000"/>
+                    <a:lumOff val="35000"/>
+                  </a:schemeClr>
+                </a:solidFill>
+                <a:latin typeface="+mn-lt"/>
+                <a:ea typeface="+mn-ea"/>
+                <a:cs typeface="+mn-cs"/>
+              </a:defRPr>
+            </a:pPr>
+            <a:endParaRPr lang="en-US"/>
+          </a:p>
+        </c:txPr>
+        <c:crossAx val="705221128"/>
+        <c:crosses val="autoZero"/>
+        <c:auto val="1"/>
+        <c:lblAlgn val="ctr"/>
+        <c:lblOffset val="100"/>
+        <c:noMultiLvlLbl val="0"/>
+      </c:catAx>
+      <c:valAx>
+        <c:axId val="705221128"/>
+        <c:scaling>
+          <c:orientation val="minMax"/>
+        </c:scaling>
+        <c:delete val="0"/>
+        <c:axPos val="l"/>
+        <c:majorGridlines>
+          <c:spPr>
+            <a:ln w="9525" cap="flat" cmpd="sng" algn="ctr">
+              <a:solidFill>
+                <a:schemeClr val="tx1">
+                  <a:lumMod val="15000"/>
+                  <a:lumOff val="85000"/>
+                </a:schemeClr>
+              </a:solidFill>
+              <a:round/>
+            </a:ln>
+            <a:effectLst/>
+          </c:spPr>
+        </c:majorGridlines>
+        <c:numFmt formatCode="0.00" sourceLinked="1"/>
+        <c:majorTickMark val="none"/>
+        <c:minorTickMark val="none"/>
+        <c:tickLblPos val="nextTo"/>
+        <c:spPr>
+          <a:noFill/>
+          <a:ln>
+            <a:noFill/>
+          </a:ln>
+          <a:effectLst/>
+        </c:spPr>
+        <c:txPr>
+          <a:bodyPr rot="-60000000" spcFirstLastPara="1" vertOverflow="ellipsis" vert="horz" wrap="square" anchor="ctr" anchorCtr="1"/>
+          <a:lstStyle/>
+          <a:p>
+            <a:pPr>
+              <a:defRPr sz="900" b="0" i="0" u="none" strike="noStrike" kern="1200" baseline="0">
+                <a:solidFill>
+                  <a:schemeClr val="tx1">
+                    <a:lumMod val="65000"/>
+                    <a:lumOff val="35000"/>
+                  </a:schemeClr>
+                </a:solidFill>
+                <a:latin typeface="+mn-lt"/>
+                <a:ea typeface="+mn-ea"/>
+                <a:cs typeface="+mn-cs"/>
+              </a:defRPr>
+            </a:pPr>
+            <a:endParaRPr lang="en-US"/>
+          </a:p>
+        </c:txPr>
+        <c:crossAx val="725703792"/>
+        <c:crosses val="autoZero"/>
+        <c:crossBetween val="between"/>
+      </c:valAx>
+      <c:spPr>
+        <a:noFill/>
+        <a:ln>
+          <a:noFill/>
+        </a:ln>
+        <a:effectLst/>
+      </c:spPr>
+    </c:plotArea>
+    <c:plotVisOnly val="1"/>
+    <c:dispBlanksAs val="gap"/>
+    <c:extLst>
+      <c:ext xmlns:c16r3="http://schemas.microsoft.com/office/drawing/2017/03/chart" uri="{56B9EC1D-385E-4148-901F-78D8002777C0}">
+        <c16r3:dataDisplayOptions16>
+          <c16r3:dispNaAsBlank val="1"/>
+        </c16r3:dataDisplayOptions16>
+      </c:ext>
+    </c:extLst>
+    <c:showDLblsOverMax val="0"/>
+  </c:chart>
+  <c:spPr>
+    <a:noFill/>
+    <a:ln>
+      <a:noFill/>
+    </a:ln>
+    <a:effectLst/>
+  </c:spPr>
+  <c:txPr>
+    <a:bodyPr/>
+    <a:lstStyle/>
+    <a:p>
+      <a:pPr>
+        <a:defRPr/>
+      </a:pPr>
+      <a:endParaRPr lang="en-US"/>
+    </a:p>
+  </c:txPr>
+  <c:externalData r:id="rId3">
+    <c:autoUpdate val="0"/>
+  </c:externalData>
+</c:chartSpace>
+</file>
+
+<file path=ppt/charts/chart2.xml><?xml version="1.0" encoding="utf-8"?>
+<c:chartSpace xmlns:c="http://schemas.openxmlformats.org/drawingml/2006/chart" xmlns:a="http://schemas.openxmlformats.org/drawingml/2006/main" xmlns:r="http://schemas.openxmlformats.org/officeDocument/2006/relationships" xmlns:c16r2="http://schemas.microsoft.com/office/drawing/2015/06/chart">
+  <c:date1904 val="0"/>
+  <c:lang val="en-US"/>
+  <c:roundedCorners val="0"/>
+  <mc:AlternateContent xmlns:mc="http://schemas.openxmlformats.org/markup-compatibility/2006">
+    <mc:Choice xmlns:c14="http://schemas.microsoft.com/office/drawing/2007/8/2/chart" Requires="c14">
+      <c14:style val="102"/>
+    </mc:Choice>
+    <mc:Fallback>
+      <c:style val="2"/>
+    </mc:Fallback>
+  </mc:AlternateContent>
+  <c:chart>
+    <c:title>
+      <c:overlay val="0"/>
+      <c:spPr>
+        <a:noFill/>
+        <a:ln>
+          <a:noFill/>
+        </a:ln>
+        <a:effectLst/>
+      </c:spPr>
+      <c:txPr>
+        <a:bodyPr rot="0" spcFirstLastPara="1" vertOverflow="ellipsis" vert="horz" wrap="square" anchor="ctr" anchorCtr="1"/>
+        <a:lstStyle/>
+        <a:p>
+          <a:pPr>
+            <a:defRPr sz="1400" b="0" i="0" u="none" strike="noStrike" kern="1200" spc="0" baseline="0">
+              <a:solidFill>
+                <a:schemeClr val="tx1">
+                  <a:lumMod val="65000"/>
+                  <a:lumOff val="35000"/>
+                </a:schemeClr>
+              </a:solidFill>
+              <a:latin typeface="+mn-lt"/>
+              <a:ea typeface="+mn-ea"/>
+              <a:cs typeface="+mn-cs"/>
+            </a:defRPr>
+          </a:pPr>
+          <a:endParaRPr lang="en-US"/>
+        </a:p>
+      </c:txPr>
+    </c:title>
+    <c:autoTitleDeleted val="0"/>
+    <c:plotArea>
+      <c:layout/>
+      <c:barChart>
+        <c:barDir val="col"/>
+        <c:grouping val="clustered"/>
+        <c:varyColors val="0"/>
+        <c:ser>
+          <c:idx val="1"/>
+          <c:order val="0"/>
+          <c:tx>
+            <c:strRef>
+              <c:f>Sheet1!$C$1</c:f>
+              <c:strCache>
+                <c:ptCount val="1"/>
+                <c:pt idx="0">
+                  <c:v>Average Crime Index</c:v>
+                </c:pt>
+              </c:strCache>
+            </c:strRef>
+          </c:tx>
+          <c:spPr>
+            <a:solidFill>
+              <a:schemeClr val="bg1">
+                <a:lumMod val="85000"/>
+              </a:schemeClr>
+            </a:solidFill>
+            <a:ln>
+              <a:noFill/>
+            </a:ln>
+            <a:effectLst/>
+          </c:spPr>
+          <c:invertIfNegative val="0"/>
+          <c:dPt>
+            <c:idx val="2"/>
+            <c:invertIfNegative val="0"/>
+            <c:bubble3D val="0"/>
+            <c:spPr>
+              <a:solidFill>
+                <a:srgbClr val="92D050"/>
+              </a:solidFill>
+              <a:ln>
+                <a:noFill/>
+              </a:ln>
+              <a:effectLst/>
+            </c:spPr>
+            <c:extLst>
+              <c:ext xmlns:c16="http://schemas.microsoft.com/office/drawing/2014/chart" uri="{C3380CC4-5D6E-409C-BE32-E72D297353CC}">
+                <c16:uniqueId val="{00000001-DB41-437E-BA73-9DC354540653}"/>
+              </c:ext>
+            </c:extLst>
+          </c:dPt>
+          <c:dPt>
+            <c:idx val="5"/>
+            <c:invertIfNegative val="0"/>
+            <c:bubble3D val="0"/>
+            <c:spPr>
+              <a:solidFill>
+                <a:srgbClr val="92D050"/>
+              </a:solidFill>
+              <a:ln>
+                <a:noFill/>
+              </a:ln>
+              <a:effectLst/>
+            </c:spPr>
+            <c:extLst>
+              <c:ext xmlns:c16="http://schemas.microsoft.com/office/drawing/2014/chart" uri="{C3380CC4-5D6E-409C-BE32-E72D297353CC}">
+                <c16:uniqueId val="{00000003-DB41-437E-BA73-9DC354540653}"/>
+              </c:ext>
+            </c:extLst>
+          </c:dPt>
+          <c:dPt>
+            <c:idx val="6"/>
+            <c:invertIfNegative val="0"/>
+            <c:bubble3D val="0"/>
+            <c:spPr>
+              <a:solidFill>
+                <a:srgbClr val="92D050"/>
+              </a:solidFill>
+              <a:ln>
+                <a:noFill/>
+              </a:ln>
+              <a:effectLst/>
+            </c:spPr>
+            <c:extLst>
+              <c:ext xmlns:c16="http://schemas.microsoft.com/office/drawing/2014/chart" uri="{C3380CC4-5D6E-409C-BE32-E72D297353CC}">
+                <c16:uniqueId val="{00000005-DB41-437E-BA73-9DC354540653}"/>
+              </c:ext>
+            </c:extLst>
+          </c:dPt>
+          <c:dPt>
+            <c:idx val="7"/>
+            <c:invertIfNegative val="0"/>
+            <c:bubble3D val="0"/>
+            <c:spPr>
+              <a:solidFill>
+                <a:srgbClr val="92D050"/>
+              </a:solidFill>
+              <a:ln>
+                <a:noFill/>
+              </a:ln>
+              <a:effectLst/>
+            </c:spPr>
+            <c:extLst>
+              <c:ext xmlns:c16="http://schemas.microsoft.com/office/drawing/2014/chart" uri="{C3380CC4-5D6E-409C-BE32-E72D297353CC}">
+                <c16:uniqueId val="{00000007-DB41-437E-BA73-9DC354540653}"/>
+              </c:ext>
+            </c:extLst>
+          </c:dPt>
+          <c:dPt>
+            <c:idx val="9"/>
+            <c:invertIfNegative val="0"/>
+            <c:bubble3D val="0"/>
+            <c:spPr>
+              <a:solidFill>
+                <a:srgbClr val="92D050"/>
+              </a:solidFill>
+              <a:ln>
+                <a:noFill/>
+              </a:ln>
+              <a:effectLst/>
+            </c:spPr>
+            <c:extLst>
+              <c:ext xmlns:c16="http://schemas.microsoft.com/office/drawing/2014/chart" uri="{C3380CC4-5D6E-409C-BE32-E72D297353CC}">
+                <c16:uniqueId val="{00000009-DB41-437E-BA73-9DC354540653}"/>
+              </c:ext>
+            </c:extLst>
+          </c:dPt>
+          <c:dLbls>
+            <c:spPr>
+              <a:noFill/>
+              <a:ln>
+                <a:noFill/>
+              </a:ln>
+              <a:effectLst/>
+            </c:spPr>
+            <c:txPr>
+              <a:bodyPr rot="0" spcFirstLastPara="1" vertOverflow="ellipsis" vert="horz" wrap="square" lIns="38100" tIns="19050" rIns="38100" bIns="19050" anchor="ctr" anchorCtr="1">
+                <a:spAutoFit/>
+              </a:bodyPr>
+              <a:lstStyle/>
+              <a:p>
+                <a:pPr>
+                  <a:defRPr sz="900" b="0" i="0" u="none" strike="noStrike" kern="1200" baseline="0">
+                    <a:solidFill>
+                      <a:schemeClr val="tx1">
+                        <a:lumMod val="75000"/>
+                        <a:lumOff val="25000"/>
+                      </a:schemeClr>
+                    </a:solidFill>
+                    <a:latin typeface="+mn-lt"/>
+                    <a:ea typeface="+mn-ea"/>
+                    <a:cs typeface="+mn-cs"/>
+                  </a:defRPr>
+                </a:pPr>
+                <a:endParaRPr lang="en-US"/>
+              </a:p>
+            </c:txPr>
+            <c:showLegendKey val="0"/>
+            <c:showVal val="1"/>
+            <c:showCatName val="0"/>
+            <c:showSerName val="0"/>
+            <c:showPercent val="0"/>
+            <c:showBubbleSize val="0"/>
+            <c:showLeaderLines val="0"/>
+            <c:extLst>
+              <c:ext xmlns:c15="http://schemas.microsoft.com/office/drawing/2012/chart" uri="{CE6537A1-D6FC-4f65-9D91-7224C49458BB}">
+                <c15:showLeaderLines val="1"/>
+                <c15:leaderLines>
+                  <c:spPr>
+                    <a:ln w="9525" cap="flat" cmpd="sng" algn="ctr">
+                      <a:solidFill>
+                        <a:schemeClr val="tx1">
+                          <a:lumMod val="35000"/>
+                          <a:lumOff val="65000"/>
+                        </a:schemeClr>
+                      </a:solidFill>
+                      <a:round/>
+                    </a:ln>
+                    <a:effectLst/>
+                  </c:spPr>
+                </c15:leaderLines>
+              </c:ext>
+            </c:extLst>
+          </c:dLbls>
+          <c:cat>
+            <c:strRef>
+              <c:f>Sheet1!$A$2:$A$12</c:f>
+              <c:strCache>
+                <c:ptCount val="11"/>
+                <c:pt idx="0">
+                  <c:v>Max</c:v>
+                </c:pt>
+                <c:pt idx="1">
+                  <c:v>75th Percentile</c:v>
+                </c:pt>
+                <c:pt idx="2">
+                  <c:v>Finland</c:v>
+                </c:pt>
+                <c:pt idx="3">
+                  <c:v>Avg</c:v>
+                </c:pt>
+                <c:pt idx="4">
+                  <c:v>50th Percentile</c:v>
+                </c:pt>
+                <c:pt idx="5">
+                  <c:v>Denmark</c:v>
+                </c:pt>
+                <c:pt idx="6">
+                  <c:v>Norway</c:v>
+                </c:pt>
+                <c:pt idx="7">
+                  <c:v>Switzerland</c:v>
+                </c:pt>
+                <c:pt idx="8">
+                  <c:v>25th Percentile</c:v>
+                </c:pt>
+                <c:pt idx="9">
+                  <c:v>Iceland</c:v>
+                </c:pt>
+                <c:pt idx="10">
+                  <c:v>Min</c:v>
+                </c:pt>
+              </c:strCache>
+            </c:strRef>
+          </c:cat>
+          <c:val>
+            <c:numRef>
+              <c:f>Sheet1!$C$2:$C$12</c:f>
+              <c:numCache>
+                <c:formatCode>0.0</c:formatCode>
+                <c:ptCount val="11"/>
+                <c:pt idx="0">
+                  <c:v>84.016666666666666</c:v>
+                </c:pt>
+                <c:pt idx="1">
+                  <c:v>52.350833333333334</c:v>
+                </c:pt>
+                <c:pt idx="2">
+                  <c:v>46.256666666666668</c:v>
+                </c:pt>
+                <c:pt idx="3">
+                  <c:v>44.337689442684919</c:v>
+                </c:pt>
+                <c:pt idx="4">
+                  <c:v>43.857500000000002</c:v>
+                </c:pt>
+                <c:pt idx="5">
+                  <c:v>42.395000000000003</c:v>
+                </c:pt>
+                <c:pt idx="6">
+                  <c:v>39.090000000000003</c:v>
+                </c:pt>
+                <c:pt idx="7">
+                  <c:v>39.061666666666667</c:v>
+                </c:pt>
+                <c:pt idx="8">
+                  <c:v>31.984999999999999</c:v>
+                </c:pt>
+                <c:pt idx="9">
+                  <c:v>30.316666666666666</c:v>
+                </c:pt>
+                <c:pt idx="10">
+                  <c:v>16.883333333333336</c:v>
+                </c:pt>
+              </c:numCache>
+            </c:numRef>
+          </c:val>
+          <c:extLst>
+            <c:ext xmlns:c16="http://schemas.microsoft.com/office/drawing/2014/chart" uri="{C3380CC4-5D6E-409C-BE32-E72D297353CC}">
+              <c16:uniqueId val="{0000000A-DB41-437E-BA73-9DC354540653}"/>
+            </c:ext>
+          </c:extLst>
+        </c:ser>
+        <c:dLbls>
+          <c:showLegendKey val="0"/>
+          <c:showVal val="0"/>
+          <c:showCatName val="0"/>
+          <c:showSerName val="0"/>
+          <c:showPercent val="0"/>
+          <c:showBubbleSize val="0"/>
+        </c:dLbls>
+        <c:gapWidth val="50"/>
+        <c:overlap val="-27"/>
+        <c:axId val="753572568"/>
+        <c:axId val="753578144"/>
+      </c:barChart>
+      <c:catAx>
+        <c:axId val="753572568"/>
+        <c:scaling>
+          <c:orientation val="minMax"/>
+        </c:scaling>
+        <c:delete val="0"/>
+        <c:axPos val="b"/>
+        <c:numFmt formatCode="General" sourceLinked="1"/>
+        <c:majorTickMark val="none"/>
+        <c:minorTickMark val="none"/>
+        <c:tickLblPos val="nextTo"/>
+        <c:spPr>
+          <a:noFill/>
+          <a:ln w="9525" cap="flat" cmpd="sng" algn="ctr">
+            <a:solidFill>
+              <a:schemeClr val="tx1">
+                <a:lumMod val="15000"/>
+                <a:lumOff val="85000"/>
+              </a:schemeClr>
+            </a:solidFill>
+            <a:round/>
+          </a:ln>
+          <a:effectLst/>
+        </c:spPr>
+        <c:txPr>
+          <a:bodyPr rot="-60000000" spcFirstLastPara="1" vertOverflow="ellipsis" vert="horz" wrap="square" anchor="ctr" anchorCtr="1"/>
+          <a:lstStyle/>
+          <a:p>
+            <a:pPr>
+              <a:defRPr sz="900" b="0" i="0" u="none" strike="noStrike" kern="1200" baseline="0">
+                <a:solidFill>
+                  <a:schemeClr val="tx1">
+                    <a:lumMod val="65000"/>
+                    <a:lumOff val="35000"/>
+                  </a:schemeClr>
+                </a:solidFill>
+                <a:latin typeface="+mn-lt"/>
+                <a:ea typeface="+mn-ea"/>
+                <a:cs typeface="+mn-cs"/>
+              </a:defRPr>
+            </a:pPr>
+            <a:endParaRPr lang="en-US"/>
+          </a:p>
+        </c:txPr>
+        <c:crossAx val="753578144"/>
+        <c:crosses val="autoZero"/>
+        <c:auto val="1"/>
+        <c:lblAlgn val="ctr"/>
+        <c:lblOffset val="100"/>
+        <c:noMultiLvlLbl val="0"/>
+      </c:catAx>
+      <c:valAx>
+        <c:axId val="753578144"/>
+        <c:scaling>
+          <c:orientation val="minMax"/>
+        </c:scaling>
+        <c:delete val="1"/>
+        <c:axPos val="l"/>
+        <c:majorGridlines>
+          <c:spPr>
+            <a:ln w="9525" cap="flat" cmpd="sng" algn="ctr">
+              <a:solidFill>
+                <a:schemeClr val="tx1">
+                  <a:lumMod val="15000"/>
+                  <a:lumOff val="85000"/>
+                </a:schemeClr>
+              </a:solidFill>
+              <a:round/>
+            </a:ln>
+            <a:effectLst/>
+          </c:spPr>
+        </c:majorGridlines>
+        <c:numFmt formatCode="0.0" sourceLinked="1"/>
+        <c:majorTickMark val="none"/>
+        <c:minorTickMark val="none"/>
+        <c:tickLblPos val="nextTo"/>
+        <c:crossAx val="753572568"/>
+        <c:crosses val="autoZero"/>
+        <c:crossBetween val="between"/>
+      </c:valAx>
+      <c:spPr>
+        <a:noFill/>
+        <a:ln>
+          <a:noFill/>
+        </a:ln>
+        <a:effectLst/>
+      </c:spPr>
+    </c:plotArea>
+    <c:plotVisOnly val="1"/>
+    <c:dispBlanksAs val="gap"/>
+    <c:showDLblsOverMax val="0"/>
+  </c:chart>
+  <c:spPr>
+    <a:noFill/>
+    <a:ln>
+      <a:noFill/>
+    </a:ln>
+    <a:effectLst/>
+  </c:spPr>
+  <c:txPr>
+    <a:bodyPr/>
+    <a:lstStyle/>
+    <a:p>
+      <a:pPr>
+        <a:defRPr/>
+      </a:pPr>
+      <a:endParaRPr lang="en-US"/>
+    </a:p>
+  </c:txPr>
+  <c:externalData r:id="rId3">
+    <c:autoUpdate val="0"/>
+  </c:externalData>
+</c:chartSpace>
+</file>
+
+<file path=ppt/charts/chart3.xml><?xml version="1.0" encoding="utf-8"?>
+<c:chartSpace xmlns:c="http://schemas.openxmlformats.org/drawingml/2006/chart" xmlns:a="http://schemas.openxmlformats.org/drawingml/2006/main" xmlns:r="http://schemas.openxmlformats.org/officeDocument/2006/relationships" xmlns:c16r2="http://schemas.microsoft.com/office/drawing/2015/06/chart">
+  <c:date1904 val="0"/>
+  <c:lang val="en-US"/>
+  <c:roundedCorners val="0"/>
+  <mc:AlternateContent xmlns:mc="http://schemas.openxmlformats.org/markup-compatibility/2006">
+    <mc:Choice xmlns:c14="http://schemas.microsoft.com/office/drawing/2007/8/2/chart" Requires="c14">
+      <c14:style val="102"/>
+    </mc:Choice>
+    <mc:Fallback>
+      <c:style val="2"/>
+    </mc:Fallback>
+  </mc:AlternateContent>
+  <c:chart>
+    <c:title>
+      <c:overlay val="0"/>
+      <c:spPr>
+        <a:noFill/>
+        <a:ln>
+          <a:noFill/>
+        </a:ln>
+        <a:effectLst/>
+      </c:spPr>
+      <c:txPr>
+        <a:bodyPr rot="0" spcFirstLastPara="1" vertOverflow="ellipsis" vert="horz" wrap="square" anchor="ctr" anchorCtr="1"/>
+        <a:lstStyle/>
+        <a:p>
+          <a:pPr>
+            <a:defRPr sz="1400" b="0" i="0" u="none" strike="noStrike" kern="1200" spc="0" baseline="0">
+              <a:solidFill>
+                <a:schemeClr val="tx1">
+                  <a:lumMod val="65000"/>
+                  <a:lumOff val="35000"/>
+                </a:schemeClr>
+              </a:solidFill>
+              <a:latin typeface="+mn-lt"/>
+              <a:ea typeface="+mn-ea"/>
+              <a:cs typeface="+mn-cs"/>
+            </a:defRPr>
+          </a:pPr>
+          <a:endParaRPr lang="en-US"/>
+        </a:p>
+      </c:txPr>
+    </c:title>
+    <c:autoTitleDeleted val="0"/>
+    <c:plotArea>
+      <c:layout/>
+      <c:barChart>
+        <c:barDir val="col"/>
+        <c:grouping val="clustered"/>
+        <c:varyColors val="0"/>
+        <c:ser>
+          <c:idx val="0"/>
+          <c:order val="0"/>
+          <c:tx>
+            <c:strRef>
+              <c:f>Sheet1!$B$17</c:f>
+              <c:strCache>
+                <c:ptCount val="1"/>
+                <c:pt idx="0">
+                  <c:v>Births per Woman</c:v>
+                </c:pt>
+              </c:strCache>
+            </c:strRef>
+          </c:tx>
+          <c:spPr>
+            <a:solidFill>
+              <a:schemeClr val="bg1">
+                <a:lumMod val="85000"/>
+              </a:schemeClr>
+            </a:solidFill>
+            <a:ln>
+              <a:noFill/>
+            </a:ln>
+            <a:effectLst/>
+          </c:spPr>
+          <c:invertIfNegative val="0"/>
+          <c:dPt>
+            <c:idx val="2"/>
+            <c:invertIfNegative val="0"/>
+            <c:bubble3D val="0"/>
+            <c:spPr>
+              <a:solidFill>
+                <a:srgbClr val="92D050"/>
+              </a:solidFill>
+              <a:ln>
+                <a:noFill/>
+              </a:ln>
+              <a:effectLst/>
+            </c:spPr>
+            <c:extLst>
+              <c:ext xmlns:c16="http://schemas.microsoft.com/office/drawing/2014/chart" uri="{C3380CC4-5D6E-409C-BE32-E72D297353CC}">
+                <c16:uniqueId val="{00000001-F921-401F-ABC4-7E77DDD038D0}"/>
+              </c:ext>
+            </c:extLst>
+          </c:dPt>
+          <c:dPt>
+            <c:idx val="5"/>
+            <c:invertIfNegative val="0"/>
+            <c:bubble3D val="0"/>
+            <c:spPr>
+              <a:solidFill>
+                <a:srgbClr val="92D050"/>
+              </a:solidFill>
+              <a:ln>
+                <a:noFill/>
+              </a:ln>
+              <a:effectLst/>
+            </c:spPr>
+            <c:extLst>
+              <c:ext xmlns:c16="http://schemas.microsoft.com/office/drawing/2014/chart" uri="{C3380CC4-5D6E-409C-BE32-E72D297353CC}">
+                <c16:uniqueId val="{00000003-F921-401F-ABC4-7E77DDD038D0}"/>
+              </c:ext>
+            </c:extLst>
+          </c:dPt>
+          <c:dPt>
+            <c:idx val="6"/>
+            <c:invertIfNegative val="0"/>
+            <c:bubble3D val="0"/>
+            <c:spPr>
+              <a:solidFill>
+                <a:srgbClr val="92D050"/>
+              </a:solidFill>
+              <a:ln>
+                <a:noFill/>
+              </a:ln>
+              <a:effectLst/>
+            </c:spPr>
+            <c:extLst>
+              <c:ext xmlns:c16="http://schemas.microsoft.com/office/drawing/2014/chart" uri="{C3380CC4-5D6E-409C-BE32-E72D297353CC}">
+                <c16:uniqueId val="{00000005-F921-401F-ABC4-7E77DDD038D0}"/>
+              </c:ext>
+            </c:extLst>
+          </c:dPt>
+          <c:dPt>
+            <c:idx val="7"/>
+            <c:invertIfNegative val="0"/>
+            <c:bubble3D val="0"/>
+            <c:spPr>
+              <a:solidFill>
+                <a:srgbClr val="92D050"/>
+              </a:solidFill>
+              <a:ln>
+                <a:noFill/>
+              </a:ln>
+              <a:effectLst/>
+            </c:spPr>
+            <c:extLst>
+              <c:ext xmlns:c16="http://schemas.microsoft.com/office/drawing/2014/chart" uri="{C3380CC4-5D6E-409C-BE32-E72D297353CC}">
+                <c16:uniqueId val="{00000007-F921-401F-ABC4-7E77DDD038D0}"/>
+              </c:ext>
+            </c:extLst>
+          </c:dPt>
+          <c:dPt>
+            <c:idx val="9"/>
+            <c:invertIfNegative val="0"/>
+            <c:bubble3D val="0"/>
+            <c:spPr>
+              <a:solidFill>
+                <a:srgbClr val="92D050"/>
+              </a:solidFill>
+              <a:ln>
+                <a:noFill/>
+              </a:ln>
+              <a:effectLst/>
+            </c:spPr>
+            <c:extLst>
+              <c:ext xmlns:c16="http://schemas.microsoft.com/office/drawing/2014/chart" uri="{C3380CC4-5D6E-409C-BE32-E72D297353CC}">
+                <c16:uniqueId val="{00000009-F921-401F-ABC4-7E77DDD038D0}"/>
+              </c:ext>
+            </c:extLst>
+          </c:dPt>
+          <c:dLbls>
+            <c:spPr>
+              <a:noFill/>
+              <a:ln>
+                <a:noFill/>
+              </a:ln>
+              <a:effectLst/>
+            </c:spPr>
+            <c:txPr>
+              <a:bodyPr rot="0" spcFirstLastPara="1" vertOverflow="ellipsis" vert="horz" wrap="square" lIns="38100" tIns="19050" rIns="38100" bIns="19050" anchor="ctr" anchorCtr="1">
+                <a:spAutoFit/>
+              </a:bodyPr>
+              <a:lstStyle/>
+              <a:p>
+                <a:pPr>
+                  <a:defRPr sz="900" b="0" i="0" u="none" strike="noStrike" kern="1200" baseline="0">
+                    <a:solidFill>
+                      <a:schemeClr val="tx1">
+                        <a:lumMod val="75000"/>
+                        <a:lumOff val="25000"/>
+                      </a:schemeClr>
+                    </a:solidFill>
+                    <a:latin typeface="+mn-lt"/>
+                    <a:ea typeface="+mn-ea"/>
+                    <a:cs typeface="+mn-cs"/>
+                  </a:defRPr>
+                </a:pPr>
+                <a:endParaRPr lang="en-US"/>
+              </a:p>
+            </c:txPr>
+            <c:showLegendKey val="0"/>
+            <c:showVal val="1"/>
+            <c:showCatName val="0"/>
+            <c:showSerName val="0"/>
+            <c:showPercent val="0"/>
+            <c:showBubbleSize val="0"/>
+            <c:showLeaderLines val="0"/>
+            <c:extLst>
+              <c:ext xmlns:c15="http://schemas.microsoft.com/office/drawing/2012/chart" uri="{CE6537A1-D6FC-4f65-9D91-7224C49458BB}">
+                <c15:showLeaderLines val="1"/>
+                <c15:leaderLines>
+                  <c:spPr>
+                    <a:ln w="9525" cap="flat" cmpd="sng" algn="ctr">
+                      <a:solidFill>
+                        <a:schemeClr val="tx1">
+                          <a:lumMod val="35000"/>
+                          <a:lumOff val="65000"/>
+                        </a:schemeClr>
+                      </a:solidFill>
+                      <a:round/>
+                    </a:ln>
+                    <a:effectLst/>
+                  </c:spPr>
+                </c15:leaderLines>
+              </c:ext>
+            </c:extLst>
+          </c:dLbls>
+          <c:cat>
+            <c:strRef>
+              <c:f>Sheet1!$A$18:$A$28</c:f>
+              <c:strCache>
+                <c:ptCount val="11"/>
+                <c:pt idx="0">
+                  <c:v>Max</c:v>
+                </c:pt>
+                <c:pt idx="1">
+                  <c:v>75th Percentile</c:v>
+                </c:pt>
+                <c:pt idx="2">
+                  <c:v>Finland</c:v>
+                </c:pt>
+                <c:pt idx="3">
+                  <c:v>Avg</c:v>
+                </c:pt>
+                <c:pt idx="4">
+                  <c:v>50th Percentile</c:v>
+                </c:pt>
+                <c:pt idx="5">
+                  <c:v>Denmark</c:v>
+                </c:pt>
+                <c:pt idx="6">
+                  <c:v>Norway</c:v>
+                </c:pt>
+                <c:pt idx="7">
+                  <c:v>Switzerland</c:v>
+                </c:pt>
+                <c:pt idx="8">
+                  <c:v>25th Percentile</c:v>
+                </c:pt>
+                <c:pt idx="9">
+                  <c:v>Iceland</c:v>
+                </c:pt>
+                <c:pt idx="10">
+                  <c:v>Min</c:v>
+                </c:pt>
+              </c:strCache>
+            </c:strRef>
+          </c:cat>
+          <c:val>
+            <c:numRef>
+              <c:f>Sheet1!$B$18:$B$28</c:f>
+              <c:numCache>
+                <c:formatCode>0.00</c:formatCode>
+                <c:ptCount val="11"/>
+                <c:pt idx="0">
+                  <c:v>7.0039999999999996</c:v>
+                </c:pt>
+                <c:pt idx="1">
+                  <c:v>3.1700000000000004</c:v>
+                </c:pt>
+                <c:pt idx="2">
+                  <c:v>1.796</c:v>
+                </c:pt>
+                <c:pt idx="3">
+                  <c:v>2.5946293706293706</c:v>
+                </c:pt>
+                <c:pt idx="4">
+                  <c:v>2.08</c:v>
+                </c:pt>
+                <c:pt idx="5">
+                  <c:v>1.752</c:v>
+                </c:pt>
+                <c:pt idx="6">
+                  <c:v>1.81</c:v>
+                </c:pt>
+                <c:pt idx="7">
+                  <c:v>1.516</c:v>
+                </c:pt>
+                <c:pt idx="8">
+                  <c:v>1.65</c:v>
+                </c:pt>
+                <c:pt idx="9">
+                  <c:v>1.6199999999999999</c:v>
+                </c:pt>
+                <c:pt idx="10">
+                  <c:v>1.0759999999999998</c:v>
+                </c:pt>
+              </c:numCache>
+            </c:numRef>
+          </c:val>
+          <c:extLst>
+            <c:ext xmlns:c16="http://schemas.microsoft.com/office/drawing/2014/chart" uri="{C3380CC4-5D6E-409C-BE32-E72D297353CC}">
+              <c16:uniqueId val="{0000000A-F921-401F-ABC4-7E77DDD038D0}"/>
+            </c:ext>
+          </c:extLst>
+        </c:ser>
+        <c:dLbls>
+          <c:showLegendKey val="0"/>
+          <c:showVal val="0"/>
+          <c:showCatName val="0"/>
+          <c:showSerName val="0"/>
+          <c:showPercent val="0"/>
+          <c:showBubbleSize val="0"/>
+        </c:dLbls>
+        <c:gapWidth val="50"/>
+        <c:overlap val="-27"/>
+        <c:axId val="861808776"/>
+        <c:axId val="861810088"/>
+      </c:barChart>
+      <c:catAx>
+        <c:axId val="861808776"/>
+        <c:scaling>
+          <c:orientation val="minMax"/>
+        </c:scaling>
+        <c:delete val="0"/>
+        <c:axPos val="b"/>
+        <c:numFmt formatCode="General" sourceLinked="1"/>
+        <c:majorTickMark val="none"/>
+        <c:minorTickMark val="none"/>
+        <c:tickLblPos val="nextTo"/>
+        <c:spPr>
+          <a:noFill/>
+          <a:ln w="9525" cap="flat" cmpd="sng" algn="ctr">
+            <a:solidFill>
+              <a:schemeClr val="tx1">
+                <a:lumMod val="15000"/>
+                <a:lumOff val="85000"/>
+              </a:schemeClr>
+            </a:solidFill>
+            <a:round/>
+          </a:ln>
+          <a:effectLst/>
+        </c:spPr>
+        <c:txPr>
+          <a:bodyPr rot="-60000000" spcFirstLastPara="1" vertOverflow="ellipsis" vert="horz" wrap="square" anchor="ctr" anchorCtr="1"/>
+          <a:lstStyle/>
+          <a:p>
+            <a:pPr>
+              <a:defRPr sz="900" b="0" i="0" u="none" strike="noStrike" kern="1200" baseline="0">
+                <a:solidFill>
+                  <a:schemeClr val="tx1">
+                    <a:lumMod val="65000"/>
+                    <a:lumOff val="35000"/>
+                  </a:schemeClr>
+                </a:solidFill>
+                <a:latin typeface="+mn-lt"/>
+                <a:ea typeface="+mn-ea"/>
+                <a:cs typeface="+mn-cs"/>
+              </a:defRPr>
+            </a:pPr>
+            <a:endParaRPr lang="en-US"/>
+          </a:p>
+        </c:txPr>
+        <c:crossAx val="861810088"/>
+        <c:crosses val="autoZero"/>
+        <c:auto val="1"/>
+        <c:lblAlgn val="ctr"/>
+        <c:lblOffset val="100"/>
+        <c:noMultiLvlLbl val="0"/>
+      </c:catAx>
+      <c:valAx>
+        <c:axId val="861810088"/>
+        <c:scaling>
+          <c:orientation val="minMax"/>
+        </c:scaling>
+        <c:delete val="1"/>
+        <c:axPos val="l"/>
+        <c:majorGridlines>
+          <c:spPr>
+            <a:ln w="9525" cap="flat" cmpd="sng" algn="ctr">
+              <a:solidFill>
+                <a:schemeClr val="tx1">
+                  <a:lumMod val="15000"/>
+                  <a:lumOff val="85000"/>
+                </a:schemeClr>
+              </a:solidFill>
+              <a:round/>
+            </a:ln>
+            <a:effectLst/>
+          </c:spPr>
+        </c:majorGridlines>
+        <c:numFmt formatCode="0.00" sourceLinked="1"/>
+        <c:majorTickMark val="none"/>
+        <c:minorTickMark val="none"/>
+        <c:tickLblPos val="nextTo"/>
+        <c:crossAx val="861808776"/>
+        <c:crosses val="autoZero"/>
+        <c:crossBetween val="between"/>
+      </c:valAx>
+      <c:spPr>
+        <a:noFill/>
+        <a:ln>
+          <a:noFill/>
+        </a:ln>
+        <a:effectLst/>
+      </c:spPr>
+    </c:plotArea>
+    <c:plotVisOnly val="1"/>
+    <c:dispBlanksAs val="gap"/>
+    <c:showDLblsOverMax val="0"/>
+  </c:chart>
+  <c:spPr>
+    <a:noFill/>
+    <a:ln>
+      <a:noFill/>
+    </a:ln>
+    <a:effectLst/>
+  </c:spPr>
+  <c:txPr>
+    <a:bodyPr/>
+    <a:lstStyle/>
+    <a:p>
+      <a:pPr>
+        <a:defRPr/>
+      </a:pPr>
+      <a:endParaRPr lang="en-US"/>
+    </a:p>
+  </c:txPr>
+  <c:externalData r:id="rId3">
+    <c:autoUpdate val="0"/>
+  </c:externalData>
+</c:chartSpace>
+</file>
+
+<file path=ppt/charts/chart4.xml><?xml version="1.0" encoding="utf-8"?>
+<c:chartSpace xmlns:c="http://schemas.openxmlformats.org/drawingml/2006/chart" xmlns:a="http://schemas.openxmlformats.org/drawingml/2006/main" xmlns:r="http://schemas.openxmlformats.org/officeDocument/2006/relationships" xmlns:c16r2="http://schemas.microsoft.com/office/drawing/2015/06/chart">
+  <c:date1904 val="0"/>
+  <c:lang val="en-US"/>
+  <c:roundedCorners val="0"/>
+  <mc:AlternateContent xmlns:mc="http://schemas.openxmlformats.org/markup-compatibility/2006">
+    <mc:Choice xmlns:c14="http://schemas.microsoft.com/office/drawing/2007/8/2/chart" Requires="c14">
+      <c14:style val="102"/>
+    </mc:Choice>
+    <mc:Fallback>
+      <c:style val="2"/>
+    </mc:Fallback>
+  </mc:AlternateContent>
+  <c:chart>
+    <c:title>
+      <c:tx>
+        <c:rich>
+          <a:bodyPr rot="0" spcFirstLastPara="1" vertOverflow="ellipsis" vert="horz" wrap="square" anchor="ctr" anchorCtr="1"/>
+          <a:lstStyle/>
+          <a:p>
+            <a:pPr>
+              <a:defRPr sz="1400" b="0" i="0" u="none" strike="noStrike" kern="1200" spc="0" baseline="0">
+                <a:solidFill>
+                  <a:schemeClr val="tx1">
+                    <a:lumMod val="65000"/>
+                    <a:lumOff val="35000"/>
+                  </a:schemeClr>
+                </a:solidFill>
+                <a:latin typeface="+mn-lt"/>
+                <a:ea typeface="+mn-ea"/>
+                <a:cs typeface="+mn-cs"/>
+              </a:defRPr>
+            </a:pPr>
+            <a:r>
+              <a:rPr lang="en-US"/>
+              <a:t>Freedom Index</a:t>
+            </a:r>
+          </a:p>
+        </c:rich>
+      </c:tx>
+      <c:overlay val="0"/>
+      <c:spPr>
+        <a:noFill/>
+        <a:ln>
+          <a:noFill/>
+        </a:ln>
+        <a:effectLst/>
+      </c:spPr>
+      <c:txPr>
+        <a:bodyPr rot="0" spcFirstLastPara="1" vertOverflow="ellipsis" vert="horz" wrap="square" anchor="ctr" anchorCtr="1"/>
+        <a:lstStyle/>
+        <a:p>
+          <a:pPr>
+            <a:defRPr sz="1400" b="0" i="0" u="none" strike="noStrike" kern="1200" spc="0" baseline="0">
+              <a:solidFill>
+                <a:schemeClr val="tx1">
+                  <a:lumMod val="65000"/>
+                  <a:lumOff val="35000"/>
+                </a:schemeClr>
+              </a:solidFill>
+              <a:latin typeface="+mn-lt"/>
+              <a:ea typeface="+mn-ea"/>
+              <a:cs typeface="+mn-cs"/>
+            </a:defRPr>
+          </a:pPr>
+          <a:endParaRPr lang="en-US"/>
+        </a:p>
+      </c:txPr>
+    </c:title>
+    <c:autoTitleDeleted val="0"/>
+    <c:plotArea>
+      <c:layout/>
+      <c:barChart>
+        <c:barDir val="col"/>
+        <c:grouping val="clustered"/>
+        <c:varyColors val="0"/>
+        <c:ser>
+          <c:idx val="0"/>
+          <c:order val="0"/>
+          <c:tx>
+            <c:strRef>
+              <c:f>Sheet1!$B$31</c:f>
+              <c:strCache>
+                <c:ptCount val="1"/>
+                <c:pt idx="0">
+                  <c:v>Freedom</c:v>
+                </c:pt>
+              </c:strCache>
+            </c:strRef>
+          </c:tx>
+          <c:spPr>
+            <a:solidFill>
+              <a:schemeClr val="bg1">
+                <a:lumMod val="85000"/>
+              </a:schemeClr>
+            </a:solidFill>
+            <a:ln>
+              <a:noFill/>
+            </a:ln>
+            <a:effectLst/>
+          </c:spPr>
+          <c:invertIfNegative val="0"/>
+          <c:dPt>
+            <c:idx val="1"/>
+            <c:invertIfNegative val="0"/>
+            <c:bubble3D val="0"/>
+            <c:spPr>
+              <a:solidFill>
+                <a:srgbClr val="92D050"/>
+              </a:solidFill>
+              <a:ln>
+                <a:noFill/>
+              </a:ln>
+              <a:effectLst/>
+            </c:spPr>
+            <c:extLst>
+              <c:ext xmlns:c16="http://schemas.microsoft.com/office/drawing/2014/chart" uri="{C3380CC4-5D6E-409C-BE32-E72D297353CC}">
+                <c16:uniqueId val="{00000001-EC6D-461A-A60A-B2BD2CE08732}"/>
+              </c:ext>
+            </c:extLst>
+          </c:dPt>
+          <c:dPt>
+            <c:idx val="2"/>
+            <c:invertIfNegative val="0"/>
+            <c:bubble3D val="0"/>
+            <c:spPr>
+              <a:solidFill>
+                <a:srgbClr val="92D050"/>
+              </a:solidFill>
+              <a:ln>
+                <a:noFill/>
+              </a:ln>
+              <a:effectLst/>
+            </c:spPr>
+            <c:extLst>
+              <c:ext xmlns:c16="http://schemas.microsoft.com/office/drawing/2014/chart" uri="{C3380CC4-5D6E-409C-BE32-E72D297353CC}">
+                <c16:uniqueId val="{00000003-EC6D-461A-A60A-B2BD2CE08732}"/>
+              </c:ext>
+            </c:extLst>
+          </c:dPt>
+          <c:dPt>
+            <c:idx val="3"/>
+            <c:invertIfNegative val="0"/>
+            <c:bubble3D val="0"/>
+            <c:spPr>
+              <a:solidFill>
+                <a:srgbClr val="92D050"/>
+              </a:solidFill>
+              <a:ln>
+                <a:noFill/>
+              </a:ln>
+              <a:effectLst/>
+            </c:spPr>
+            <c:extLst>
+              <c:ext xmlns:c16="http://schemas.microsoft.com/office/drawing/2014/chart" uri="{C3380CC4-5D6E-409C-BE32-E72D297353CC}">
+                <c16:uniqueId val="{00000005-EC6D-461A-A60A-B2BD2CE08732}"/>
+              </c:ext>
+            </c:extLst>
+          </c:dPt>
+          <c:dPt>
+            <c:idx val="4"/>
+            <c:invertIfNegative val="0"/>
+            <c:bubble3D val="0"/>
+            <c:spPr>
+              <a:solidFill>
+                <a:srgbClr val="92D050"/>
+              </a:solidFill>
+              <a:ln>
+                <a:noFill/>
+              </a:ln>
+              <a:effectLst/>
+            </c:spPr>
+            <c:extLst>
+              <c:ext xmlns:c16="http://schemas.microsoft.com/office/drawing/2014/chart" uri="{C3380CC4-5D6E-409C-BE32-E72D297353CC}">
+                <c16:uniqueId val="{00000007-EC6D-461A-A60A-B2BD2CE08732}"/>
+              </c:ext>
+            </c:extLst>
+          </c:dPt>
+          <c:dPt>
+            <c:idx val="5"/>
+            <c:invertIfNegative val="0"/>
+            <c:bubble3D val="0"/>
+            <c:spPr>
+              <a:solidFill>
+                <a:srgbClr val="92D050"/>
+              </a:solidFill>
+              <a:ln>
+                <a:noFill/>
+              </a:ln>
+              <a:effectLst/>
+            </c:spPr>
+            <c:extLst>
+              <c:ext xmlns:c16="http://schemas.microsoft.com/office/drawing/2014/chart" uri="{C3380CC4-5D6E-409C-BE32-E72D297353CC}">
+                <c16:uniqueId val="{00000009-EC6D-461A-A60A-B2BD2CE08732}"/>
+              </c:ext>
+            </c:extLst>
+          </c:dPt>
+          <c:dLbls>
+            <c:spPr>
+              <a:noFill/>
+              <a:ln>
+                <a:noFill/>
+              </a:ln>
+              <a:effectLst/>
+            </c:spPr>
+            <c:txPr>
+              <a:bodyPr rot="0" spcFirstLastPara="1" vertOverflow="ellipsis" vert="horz" wrap="square" lIns="38100" tIns="19050" rIns="38100" bIns="19050" anchor="ctr" anchorCtr="1">
+                <a:spAutoFit/>
+              </a:bodyPr>
+              <a:lstStyle/>
+              <a:p>
+                <a:pPr>
+                  <a:defRPr sz="900" b="0" i="0" u="none" strike="noStrike" kern="1200" baseline="0">
+                    <a:solidFill>
+                      <a:schemeClr val="tx1">
+                        <a:lumMod val="75000"/>
+                        <a:lumOff val="25000"/>
+                      </a:schemeClr>
+                    </a:solidFill>
+                    <a:latin typeface="+mn-lt"/>
+                    <a:ea typeface="+mn-ea"/>
+                    <a:cs typeface="+mn-cs"/>
+                  </a:defRPr>
+                </a:pPr>
+                <a:endParaRPr lang="en-US"/>
+              </a:p>
+            </c:txPr>
+            <c:showLegendKey val="0"/>
+            <c:showVal val="1"/>
+            <c:showCatName val="0"/>
+            <c:showSerName val="0"/>
+            <c:showPercent val="0"/>
+            <c:showBubbleSize val="0"/>
+            <c:showLeaderLines val="0"/>
+            <c:extLst>
+              <c:ext xmlns:c15="http://schemas.microsoft.com/office/drawing/2012/chart" uri="{CE6537A1-D6FC-4f65-9D91-7224C49458BB}">
+                <c15:showLeaderLines val="1"/>
+                <c15:leaderLines>
+                  <c:spPr>
+                    <a:ln w="9525" cap="flat" cmpd="sng" algn="ctr">
+                      <a:solidFill>
+                        <a:schemeClr val="tx1">
+                          <a:lumMod val="35000"/>
+                          <a:lumOff val="65000"/>
+                        </a:schemeClr>
+                      </a:solidFill>
+                      <a:round/>
+                    </a:ln>
+                    <a:effectLst/>
+                  </c:spPr>
+                </c15:leaderLines>
+              </c:ext>
+            </c:extLst>
+          </c:dLbls>
+          <c:cat>
+            <c:strRef>
+              <c:f>Sheet1!$A$32:$A$42</c:f>
+              <c:strCache>
+                <c:ptCount val="11"/>
+                <c:pt idx="0">
+                  <c:v>Max</c:v>
+                </c:pt>
+                <c:pt idx="1">
+                  <c:v>Switzerland</c:v>
+                </c:pt>
+                <c:pt idx="2">
+                  <c:v>Denmark</c:v>
+                </c:pt>
+                <c:pt idx="3">
+                  <c:v>Finland</c:v>
+                </c:pt>
+                <c:pt idx="4">
+                  <c:v>Norway</c:v>
+                </c:pt>
+                <c:pt idx="5">
+                  <c:v>Iceland</c:v>
+                </c:pt>
+                <c:pt idx="6">
+                  <c:v>75th Percentile</c:v>
+                </c:pt>
+                <c:pt idx="7">
+                  <c:v>Avg</c:v>
+                </c:pt>
+                <c:pt idx="8">
+                  <c:v>50th Percentile</c:v>
+                </c:pt>
+                <c:pt idx="9">
+                  <c:v>25th Percentile</c:v>
+                </c:pt>
+                <c:pt idx="10">
+                  <c:v>Min</c:v>
+                </c:pt>
+              </c:strCache>
+            </c:strRef>
+          </c:cat>
+          <c:val>
+            <c:numRef>
+              <c:f>Sheet1!$B$32:$B$42</c:f>
+              <c:numCache>
+                <c:formatCode>0.0</c:formatCode>
+                <c:ptCount val="11"/>
+                <c:pt idx="0">
+                  <c:v>8.8800000000000008</c:v>
+                </c:pt>
+                <c:pt idx="1">
+                  <c:v>8.82</c:v>
+                </c:pt>
+                <c:pt idx="2">
+                  <c:v>8.56</c:v>
+                </c:pt>
+                <c:pt idx="3">
+                  <c:v>8.5299999999999994</c:v>
+                </c:pt>
+                <c:pt idx="4">
+                  <c:v>8.44</c:v>
+                </c:pt>
+                <c:pt idx="5">
+                  <c:v>8.41</c:v>
+                </c:pt>
+                <c:pt idx="6">
+                  <c:v>7.8949999999999996</c:v>
+                </c:pt>
+                <c:pt idx="7">
+                  <c:v>6.9020000000000001</c:v>
+                </c:pt>
+                <c:pt idx="8">
+                  <c:v>6.83</c:v>
+                </c:pt>
+                <c:pt idx="9">
+                  <c:v>6.2050000000000001</c:v>
+                </c:pt>
+                <c:pt idx="10">
+                  <c:v>3.79</c:v>
+                </c:pt>
+              </c:numCache>
+            </c:numRef>
+          </c:val>
+          <c:extLst>
+            <c:ext xmlns:c16="http://schemas.microsoft.com/office/drawing/2014/chart" uri="{C3380CC4-5D6E-409C-BE32-E72D297353CC}">
+              <c16:uniqueId val="{0000000A-EC6D-461A-A60A-B2BD2CE08732}"/>
+            </c:ext>
+          </c:extLst>
+        </c:ser>
+        <c:dLbls>
+          <c:showLegendKey val="0"/>
+          <c:showVal val="0"/>
+          <c:showCatName val="0"/>
+          <c:showSerName val="0"/>
+          <c:showPercent val="0"/>
+          <c:showBubbleSize val="0"/>
+        </c:dLbls>
+        <c:gapWidth val="50"/>
+        <c:overlap val="-27"/>
+        <c:axId val="435100504"/>
+        <c:axId val="435105424"/>
+      </c:barChart>
+      <c:catAx>
+        <c:axId val="435100504"/>
+        <c:scaling>
+          <c:orientation val="minMax"/>
+        </c:scaling>
+        <c:delete val="0"/>
+        <c:axPos val="b"/>
+        <c:numFmt formatCode="General" sourceLinked="1"/>
+        <c:majorTickMark val="none"/>
+        <c:minorTickMark val="none"/>
+        <c:tickLblPos val="nextTo"/>
+        <c:spPr>
+          <a:noFill/>
+          <a:ln w="9525" cap="flat" cmpd="sng" algn="ctr">
+            <a:solidFill>
+              <a:schemeClr val="tx1">
+                <a:lumMod val="15000"/>
+                <a:lumOff val="85000"/>
+              </a:schemeClr>
+            </a:solidFill>
+            <a:round/>
+          </a:ln>
+          <a:effectLst/>
+        </c:spPr>
+        <c:txPr>
+          <a:bodyPr rot="-60000000" spcFirstLastPara="1" vertOverflow="ellipsis" vert="horz" wrap="square" anchor="ctr" anchorCtr="1"/>
+          <a:lstStyle/>
+          <a:p>
+            <a:pPr>
+              <a:defRPr sz="900" b="0" i="0" u="none" strike="noStrike" kern="1200" baseline="0">
+                <a:solidFill>
+                  <a:schemeClr val="tx1">
+                    <a:lumMod val="65000"/>
+                    <a:lumOff val="35000"/>
+                  </a:schemeClr>
+                </a:solidFill>
+                <a:latin typeface="+mn-lt"/>
+                <a:ea typeface="+mn-ea"/>
+                <a:cs typeface="+mn-cs"/>
+              </a:defRPr>
+            </a:pPr>
+            <a:endParaRPr lang="en-US"/>
+          </a:p>
+        </c:txPr>
+        <c:crossAx val="435105424"/>
+        <c:crosses val="autoZero"/>
+        <c:auto val="1"/>
+        <c:lblAlgn val="ctr"/>
+        <c:lblOffset val="100"/>
+        <c:noMultiLvlLbl val="0"/>
+      </c:catAx>
+      <c:valAx>
+        <c:axId val="435105424"/>
+        <c:scaling>
+          <c:orientation val="minMax"/>
+        </c:scaling>
+        <c:delete val="1"/>
+        <c:axPos val="l"/>
+        <c:majorGridlines>
+          <c:spPr>
+            <a:ln w="9525" cap="flat" cmpd="sng" algn="ctr">
+              <a:solidFill>
+                <a:schemeClr val="tx1">
+                  <a:lumMod val="15000"/>
+                  <a:lumOff val="85000"/>
+                </a:schemeClr>
+              </a:solidFill>
+              <a:round/>
+            </a:ln>
+            <a:effectLst/>
+          </c:spPr>
+        </c:majorGridlines>
+        <c:numFmt formatCode="0.0" sourceLinked="1"/>
+        <c:majorTickMark val="none"/>
+        <c:minorTickMark val="none"/>
+        <c:tickLblPos val="nextTo"/>
+        <c:crossAx val="435100504"/>
+        <c:crosses val="autoZero"/>
+        <c:crossBetween val="between"/>
+      </c:valAx>
+      <c:spPr>
+        <a:noFill/>
+        <a:ln>
+          <a:noFill/>
+        </a:ln>
+        <a:effectLst/>
+      </c:spPr>
+    </c:plotArea>
+    <c:plotVisOnly val="1"/>
+    <c:dispBlanksAs val="gap"/>
+    <c:showDLblsOverMax val="0"/>
+  </c:chart>
+  <c:spPr>
+    <a:noFill/>
+    <a:ln>
+      <a:noFill/>
+    </a:ln>
+    <a:effectLst/>
+  </c:spPr>
+  <c:txPr>
+    <a:bodyPr/>
+    <a:lstStyle/>
+    <a:p>
+      <a:pPr>
+        <a:defRPr/>
+      </a:pPr>
+      <a:endParaRPr lang="en-US"/>
+    </a:p>
+  </c:txPr>
+  <c:externalData r:id="rId3">
+    <c:autoUpdate val="0"/>
+  </c:externalData>
+</c:chartSpace>
+</file>
+
+<file path=ppt/charts/chart5.xml><?xml version="1.0" encoding="utf-8"?>
+<c:chartSpace xmlns:c="http://schemas.openxmlformats.org/drawingml/2006/chart" xmlns:a="http://schemas.openxmlformats.org/drawingml/2006/main" xmlns:r="http://schemas.openxmlformats.org/officeDocument/2006/relationships" xmlns:c16r2="http://schemas.microsoft.com/office/drawing/2015/06/chart">
+  <c:date1904 val="0"/>
+  <c:lang val="en-US"/>
+  <c:roundedCorners val="0"/>
+  <mc:AlternateContent xmlns:mc="http://schemas.openxmlformats.org/markup-compatibility/2006">
+    <mc:Choice xmlns:c14="http://schemas.microsoft.com/office/drawing/2007/8/2/chart" Requires="c14">
+      <c14:style val="102"/>
+    </mc:Choice>
+    <mc:Fallback>
+      <c:style val="2"/>
+    </mc:Fallback>
+  </mc:AlternateContent>
+  <c:chart>
+    <c:title>
+      <c:overlay val="0"/>
+      <c:spPr>
+        <a:noFill/>
+        <a:ln>
+          <a:noFill/>
+        </a:ln>
+        <a:effectLst/>
+      </c:spPr>
+      <c:txPr>
+        <a:bodyPr rot="0" spcFirstLastPara="1" vertOverflow="ellipsis" vert="horz" wrap="square" anchor="ctr" anchorCtr="1"/>
+        <a:lstStyle/>
+        <a:p>
+          <a:pPr>
+            <a:defRPr sz="1400" b="0" i="0" u="none" strike="noStrike" kern="1200" spc="0" baseline="0">
+              <a:solidFill>
+                <a:schemeClr val="tx1">
+                  <a:lumMod val="65000"/>
+                  <a:lumOff val="35000"/>
+                </a:schemeClr>
+              </a:solidFill>
+              <a:latin typeface="+mn-lt"/>
+              <a:ea typeface="+mn-ea"/>
+              <a:cs typeface="+mn-cs"/>
+            </a:defRPr>
+          </a:pPr>
+          <a:endParaRPr lang="en-US"/>
+        </a:p>
+      </c:txPr>
+    </c:title>
+    <c:autoTitleDeleted val="0"/>
+    <c:plotArea>
+      <c:layout/>
+      <c:barChart>
+        <c:barDir val="col"/>
+        <c:grouping val="clustered"/>
+        <c:varyColors val="0"/>
+        <c:ser>
+          <c:idx val="0"/>
+          <c:order val="0"/>
+          <c:tx>
+            <c:strRef>
+              <c:f>Sheet1!$B$47</c:f>
+              <c:strCache>
+                <c:ptCount val="1"/>
+                <c:pt idx="0">
+                  <c:v>Rainfall Index</c:v>
+                </c:pt>
+              </c:strCache>
+            </c:strRef>
+          </c:tx>
+          <c:spPr>
+            <a:solidFill>
+              <a:schemeClr val="bg1">
+                <a:lumMod val="85000"/>
+              </a:schemeClr>
+            </a:solidFill>
+            <a:ln>
+              <a:noFill/>
+            </a:ln>
+            <a:effectLst/>
+          </c:spPr>
+          <c:invertIfNegative val="0"/>
+          <c:dPt>
+            <c:idx val="2"/>
+            <c:invertIfNegative val="0"/>
+            <c:bubble3D val="0"/>
+            <c:spPr>
+              <a:solidFill>
+                <a:srgbClr val="92D050"/>
+              </a:solidFill>
+              <a:ln>
+                <a:noFill/>
+              </a:ln>
+              <a:effectLst/>
+            </c:spPr>
+            <c:extLst>
+              <c:ext xmlns:c16="http://schemas.microsoft.com/office/drawing/2014/chart" uri="{C3380CC4-5D6E-409C-BE32-E72D297353CC}">
+                <c16:uniqueId val="{00000001-DEB3-43CA-9E15-B561527C5D81}"/>
+              </c:ext>
+            </c:extLst>
+          </c:dPt>
+          <c:dPt>
+            <c:idx val="3"/>
+            <c:invertIfNegative val="0"/>
+            <c:bubble3D val="0"/>
+            <c:spPr>
+              <a:solidFill>
+                <a:srgbClr val="92D050"/>
+              </a:solidFill>
+              <a:ln>
+                <a:noFill/>
+              </a:ln>
+              <a:effectLst/>
+            </c:spPr>
+            <c:extLst>
+              <c:ext xmlns:c16="http://schemas.microsoft.com/office/drawing/2014/chart" uri="{C3380CC4-5D6E-409C-BE32-E72D297353CC}">
+                <c16:uniqueId val="{00000003-DEB3-43CA-9E15-B561527C5D81}"/>
+              </c:ext>
+            </c:extLst>
+          </c:dPt>
+          <c:dPt>
+            <c:idx val="6"/>
+            <c:invertIfNegative val="0"/>
+            <c:bubble3D val="0"/>
+            <c:spPr>
+              <a:solidFill>
+                <a:srgbClr val="92D050"/>
+              </a:solidFill>
+              <a:ln>
+                <a:noFill/>
+              </a:ln>
+              <a:effectLst/>
+            </c:spPr>
+            <c:extLst>
+              <c:ext xmlns:c16="http://schemas.microsoft.com/office/drawing/2014/chart" uri="{C3380CC4-5D6E-409C-BE32-E72D297353CC}">
+                <c16:uniqueId val="{00000005-DEB3-43CA-9E15-B561527C5D81}"/>
+              </c:ext>
+            </c:extLst>
+          </c:dPt>
+          <c:dPt>
+            <c:idx val="8"/>
+            <c:invertIfNegative val="0"/>
+            <c:bubble3D val="0"/>
+            <c:spPr>
+              <a:solidFill>
+                <a:srgbClr val="92D050"/>
+              </a:solidFill>
+              <a:ln>
+                <a:noFill/>
+              </a:ln>
+              <a:effectLst/>
+            </c:spPr>
+            <c:extLst>
+              <c:ext xmlns:c16="http://schemas.microsoft.com/office/drawing/2014/chart" uri="{C3380CC4-5D6E-409C-BE32-E72D297353CC}">
+                <c16:uniqueId val="{00000007-DEB3-43CA-9E15-B561527C5D81}"/>
+              </c:ext>
+            </c:extLst>
+          </c:dPt>
+          <c:dPt>
+            <c:idx val="9"/>
+            <c:invertIfNegative val="0"/>
+            <c:bubble3D val="0"/>
+            <c:spPr>
+              <a:solidFill>
+                <a:srgbClr val="92D050"/>
+              </a:solidFill>
+              <a:ln>
+                <a:noFill/>
+              </a:ln>
+              <a:effectLst/>
+            </c:spPr>
+            <c:extLst>
+              <c:ext xmlns:c16="http://schemas.microsoft.com/office/drawing/2014/chart" uri="{C3380CC4-5D6E-409C-BE32-E72D297353CC}">
+                <c16:uniqueId val="{00000009-DEB3-43CA-9E15-B561527C5D81}"/>
+              </c:ext>
+            </c:extLst>
+          </c:dPt>
+          <c:dLbls>
+            <c:spPr>
+              <a:noFill/>
+              <a:ln>
+                <a:noFill/>
+              </a:ln>
+              <a:effectLst/>
+            </c:spPr>
+            <c:txPr>
+              <a:bodyPr rot="0" spcFirstLastPara="1" vertOverflow="ellipsis" vert="horz" wrap="square" lIns="38100" tIns="19050" rIns="38100" bIns="19050" anchor="ctr" anchorCtr="1">
+                <a:spAutoFit/>
+              </a:bodyPr>
+              <a:lstStyle/>
+              <a:p>
+                <a:pPr>
+                  <a:defRPr sz="900" b="0" i="0" u="none" strike="noStrike" kern="1200" baseline="0">
+                    <a:solidFill>
+                      <a:schemeClr val="tx1">
+                        <a:lumMod val="75000"/>
+                        <a:lumOff val="25000"/>
+                      </a:schemeClr>
+                    </a:solidFill>
+                    <a:latin typeface="+mn-lt"/>
+                    <a:ea typeface="+mn-ea"/>
+                    <a:cs typeface="+mn-cs"/>
+                  </a:defRPr>
+                </a:pPr>
+                <a:endParaRPr lang="en-US"/>
+              </a:p>
+            </c:txPr>
+            <c:showLegendKey val="0"/>
+            <c:showVal val="1"/>
+            <c:showCatName val="0"/>
+            <c:showSerName val="0"/>
+            <c:showPercent val="0"/>
+            <c:showBubbleSize val="0"/>
+            <c:showLeaderLines val="0"/>
+            <c:extLst>
+              <c:ext xmlns:c15="http://schemas.microsoft.com/office/drawing/2012/chart" uri="{CE6537A1-D6FC-4f65-9D91-7224C49458BB}">
+                <c15:showLeaderLines val="1"/>
+                <c15:leaderLines>
+                  <c:spPr>
+                    <a:ln w="9525" cap="flat" cmpd="sng" algn="ctr">
+                      <a:solidFill>
+                        <a:schemeClr val="tx1">
+                          <a:lumMod val="35000"/>
+                          <a:lumOff val="65000"/>
+                        </a:schemeClr>
+                      </a:solidFill>
+                      <a:round/>
+                    </a:ln>
+                    <a:effectLst/>
+                  </c:spPr>
+                </c15:leaderLines>
+              </c:ext>
+            </c:extLst>
+          </c:dLbls>
+          <c:cat>
+            <c:strRef>
+              <c:f>Sheet1!$A$48:$A$58</c:f>
+              <c:strCache>
+                <c:ptCount val="11"/>
+                <c:pt idx="0">
+                  <c:v>Max</c:v>
+                </c:pt>
+                <c:pt idx="1">
+                  <c:v>75th Percentile</c:v>
+                </c:pt>
+                <c:pt idx="2">
+                  <c:v>Finland</c:v>
+                </c:pt>
+                <c:pt idx="3">
+                  <c:v>Denmark</c:v>
+                </c:pt>
+                <c:pt idx="4">
+                  <c:v>50th Percentile</c:v>
+                </c:pt>
+                <c:pt idx="5">
+                  <c:v>Avg</c:v>
+                </c:pt>
+                <c:pt idx="6">
+                  <c:v>Norway</c:v>
+                </c:pt>
+                <c:pt idx="7">
+                  <c:v>25th Percentile</c:v>
+                </c:pt>
+                <c:pt idx="8">
+                  <c:v>Switzerland</c:v>
+                </c:pt>
+                <c:pt idx="9">
+                  <c:v>Iceland</c:v>
+                </c:pt>
+                <c:pt idx="10">
+                  <c:v>Min</c:v>
+                </c:pt>
+              </c:strCache>
+            </c:strRef>
+          </c:cat>
+          <c:val>
+            <c:numRef>
+              <c:f>Sheet1!$B$48:$B$58</c:f>
+              <c:numCache>
+                <c:formatCode>0</c:formatCode>
+                <c:ptCount val="11"/>
+                <c:pt idx="0">
+                  <c:v>186</c:v>
+                </c:pt>
+                <c:pt idx="1">
+                  <c:v>139.5</c:v>
+                </c:pt>
+                <c:pt idx="2">
+                  <c:v>139</c:v>
+                </c:pt>
+                <c:pt idx="3">
+                  <c:v>110</c:v>
+                </c:pt>
+                <c:pt idx="4">
+                  <c:v>99</c:v>
+                </c:pt>
+                <c:pt idx="5">
+                  <c:v>97.227586206896547</c:v>
+                </c:pt>
+                <c:pt idx="6">
+                  <c:v>63</c:v>
+                </c:pt>
+                <c:pt idx="7">
+                  <c:v>54.5</c:v>
+                </c:pt>
+                <c:pt idx="8">
+                  <c:v>54</c:v>
+                </c:pt>
+                <c:pt idx="9">
+                  <c:v>34</c:v>
+                </c:pt>
+                <c:pt idx="10">
+                  <c:v>1</c:v>
+                </c:pt>
+              </c:numCache>
+            </c:numRef>
+          </c:val>
+          <c:extLst>
+            <c:ext xmlns:c16="http://schemas.microsoft.com/office/drawing/2014/chart" uri="{C3380CC4-5D6E-409C-BE32-E72D297353CC}">
+              <c16:uniqueId val="{0000000A-DEB3-43CA-9E15-B561527C5D81}"/>
+            </c:ext>
+          </c:extLst>
+        </c:ser>
+        <c:dLbls>
+          <c:showLegendKey val="0"/>
+          <c:showVal val="0"/>
+          <c:showCatName val="0"/>
+          <c:showSerName val="0"/>
+          <c:showPercent val="0"/>
+          <c:showBubbleSize val="0"/>
+        </c:dLbls>
+        <c:gapWidth val="50"/>
+        <c:overlap val="-27"/>
+        <c:axId val="861824520"/>
+        <c:axId val="861823536"/>
+      </c:barChart>
+      <c:catAx>
+        <c:axId val="861824520"/>
+        <c:scaling>
+          <c:orientation val="minMax"/>
+        </c:scaling>
+        <c:delete val="0"/>
+        <c:axPos val="b"/>
+        <c:numFmt formatCode="General" sourceLinked="1"/>
+        <c:majorTickMark val="none"/>
+        <c:minorTickMark val="none"/>
+        <c:tickLblPos val="nextTo"/>
+        <c:spPr>
+          <a:noFill/>
+          <a:ln w="9525" cap="flat" cmpd="sng" algn="ctr">
+            <a:solidFill>
+              <a:schemeClr val="tx1">
+                <a:lumMod val="15000"/>
+                <a:lumOff val="85000"/>
+              </a:schemeClr>
+            </a:solidFill>
+            <a:round/>
+          </a:ln>
+          <a:effectLst/>
+        </c:spPr>
+        <c:txPr>
+          <a:bodyPr rot="-60000000" spcFirstLastPara="1" vertOverflow="ellipsis" vert="horz" wrap="square" anchor="ctr" anchorCtr="1"/>
+          <a:lstStyle/>
+          <a:p>
+            <a:pPr>
+              <a:defRPr sz="900" b="0" i="0" u="none" strike="noStrike" kern="1200" baseline="0">
+                <a:solidFill>
+                  <a:schemeClr val="tx1">
+                    <a:lumMod val="65000"/>
+                    <a:lumOff val="35000"/>
+                  </a:schemeClr>
+                </a:solidFill>
+                <a:latin typeface="+mn-lt"/>
+                <a:ea typeface="+mn-ea"/>
+                <a:cs typeface="+mn-cs"/>
+              </a:defRPr>
+            </a:pPr>
+            <a:endParaRPr lang="en-US"/>
+          </a:p>
+        </c:txPr>
+        <c:crossAx val="861823536"/>
+        <c:crosses val="autoZero"/>
+        <c:auto val="1"/>
+        <c:lblAlgn val="ctr"/>
+        <c:lblOffset val="100"/>
+        <c:noMultiLvlLbl val="0"/>
+      </c:catAx>
+      <c:valAx>
+        <c:axId val="861823536"/>
+        <c:scaling>
+          <c:orientation val="minMax"/>
+        </c:scaling>
+        <c:delete val="1"/>
+        <c:axPos val="l"/>
+        <c:majorGridlines>
+          <c:spPr>
+            <a:ln w="9525" cap="flat" cmpd="sng" algn="ctr">
+              <a:solidFill>
+                <a:schemeClr val="tx1">
+                  <a:lumMod val="15000"/>
+                  <a:lumOff val="85000"/>
+                </a:schemeClr>
+              </a:solidFill>
+              <a:round/>
+            </a:ln>
+            <a:effectLst/>
+          </c:spPr>
+        </c:majorGridlines>
+        <c:numFmt formatCode="0" sourceLinked="1"/>
+        <c:majorTickMark val="none"/>
+        <c:minorTickMark val="none"/>
+        <c:tickLblPos val="nextTo"/>
+        <c:crossAx val="861824520"/>
+        <c:crosses val="autoZero"/>
+        <c:crossBetween val="between"/>
+      </c:valAx>
+      <c:spPr>
+        <a:noFill/>
+        <a:ln>
+          <a:noFill/>
+        </a:ln>
+        <a:effectLst/>
+      </c:spPr>
+    </c:plotArea>
+    <c:plotVisOnly val="1"/>
+    <c:dispBlanksAs val="gap"/>
+    <c:showDLblsOverMax val="0"/>
+  </c:chart>
+  <c:spPr>
+    <a:noFill/>
+    <a:ln>
+      <a:noFill/>
+    </a:ln>
+    <a:effectLst/>
+  </c:spPr>
+  <c:txPr>
+    <a:bodyPr/>
+    <a:lstStyle/>
+    <a:p>
+      <a:pPr>
+        <a:defRPr/>
+      </a:pPr>
+      <a:endParaRPr lang="en-US"/>
+    </a:p>
+  </c:txPr>
+  <c:externalData r:id="rId3">
+    <c:autoUpdate val="0"/>
+  </c:externalData>
+</c:chartSpace>
+</file>
+
+<file path=ppt/charts/chartEx1.xml><?xml version="1.0" encoding="utf-8"?>
+<cx:chartSpace xmlns:a="http://schemas.openxmlformats.org/drawingml/2006/main" xmlns:r="http://schemas.openxmlformats.org/officeDocument/2006/relationships" xmlns:cx="http://schemas.microsoft.com/office/drawing/2014/chartex">
+  <cx:chart>
+    <cx:plotArea>
+      <cx:plotAreaRegion/>
+    </cx:plotArea>
+  </cx:chart>
+</cx:chartSpace>
+</file>
+
+<file path=ppt/charts/colors1.xml><?xml version="1.0" encoding="utf-8"?>
+<cs:colorStyle xmlns:cs="http://schemas.microsoft.com/office/drawing/2012/chartStyle" xmlns:a="http://schemas.openxmlformats.org/drawingml/2006/main" meth="cycle" id="10">
+  <a:schemeClr val="accent1"/>
+  <a:schemeClr val="accent2"/>
+  <a:schemeClr val="accent3"/>
+  <a:schemeClr val="accent4"/>
+  <a:schemeClr val="accent5"/>
+  <a:schemeClr val="accent6"/>
+  <cs:variation/>
+  <cs:variation>
+    <a:lumMod val="60000"/>
+  </cs:variation>
+  <cs:variation>
+    <a:lumMod val="80000"/>
+    <a:lumOff val="20000"/>
+  </cs:variation>
+  <cs:variation>
+    <a:lumMod val="80000"/>
+  </cs:variation>
+  <cs:variation>
+    <a:lumMod val="60000"/>
+    <a:lumOff val="40000"/>
+  </cs:variation>
+  <cs:variation>
+    <a:lumMod val="50000"/>
+  </cs:variation>
+  <cs:variation>
+    <a:lumMod val="70000"/>
+    <a:lumOff val="30000"/>
+  </cs:variation>
+  <cs:variation>
+    <a:lumMod val="70000"/>
+  </cs:variation>
+  <cs:variation>
+    <a:lumMod val="50000"/>
+    <a:lumOff val="50000"/>
+  </cs:variation>
+</cs:colorStyle>
+</file>
+
+<file path=ppt/charts/colors2.xml><?xml version="1.0" encoding="utf-8"?>
+<cs:colorStyle xmlns:cs="http://schemas.microsoft.com/office/drawing/2012/chartStyle" xmlns:a="http://schemas.openxmlformats.org/drawingml/2006/main" meth="cycle" id="10">
+  <a:schemeClr val="accent1"/>
+  <a:schemeClr val="accent2"/>
+  <a:schemeClr val="accent3"/>
+  <a:schemeClr val="accent4"/>
+  <a:schemeClr val="accent5"/>
+  <a:schemeClr val="accent6"/>
+  <cs:variation/>
+  <cs:variation>
+    <a:lumMod val="60000"/>
+  </cs:variation>
+  <cs:variation>
+    <a:lumMod val="80000"/>
+    <a:lumOff val="20000"/>
+  </cs:variation>
+  <cs:variation>
+    <a:lumMod val="80000"/>
+  </cs:variation>
+  <cs:variation>
+    <a:lumMod val="60000"/>
+    <a:lumOff val="40000"/>
+  </cs:variation>
+  <cs:variation>
+    <a:lumMod val="50000"/>
+  </cs:variation>
+  <cs:variation>
+    <a:lumMod val="70000"/>
+    <a:lumOff val="30000"/>
+  </cs:variation>
+  <cs:variation>
+    <a:lumMod val="70000"/>
+  </cs:variation>
+  <cs:variation>
+    <a:lumMod val="50000"/>
+    <a:lumOff val="50000"/>
+  </cs:variation>
+</cs:colorStyle>
+</file>
+
+<file path=ppt/charts/colors3.xml><?xml version="1.0" encoding="utf-8"?>
+<cs:colorStyle xmlns:cs="http://schemas.microsoft.com/office/drawing/2012/chartStyle" xmlns:a="http://schemas.openxmlformats.org/drawingml/2006/main" meth="cycle" id="10">
+  <a:schemeClr val="accent1"/>
+  <a:schemeClr val="accent2"/>
+  <a:schemeClr val="accent3"/>
+  <a:schemeClr val="accent4"/>
+  <a:schemeClr val="accent5"/>
+  <a:schemeClr val="accent6"/>
+  <cs:variation/>
+  <cs:variation>
+    <a:lumMod val="60000"/>
+  </cs:variation>
+  <cs:variation>
+    <a:lumMod val="80000"/>
+    <a:lumOff val="20000"/>
+  </cs:variation>
+  <cs:variation>
+    <a:lumMod val="80000"/>
+  </cs:variation>
+  <cs:variation>
+    <a:lumMod val="60000"/>
+    <a:lumOff val="40000"/>
+  </cs:variation>
+  <cs:variation>
+    <a:lumMod val="50000"/>
+  </cs:variation>
+  <cs:variation>
+    <a:lumMod val="70000"/>
+    <a:lumOff val="30000"/>
+  </cs:variation>
+  <cs:variation>
+    <a:lumMod val="70000"/>
+  </cs:variation>
+  <cs:variation>
+    <a:lumMod val="50000"/>
+    <a:lumOff val="50000"/>
+  </cs:variation>
+</cs:colorStyle>
+</file>
+
+<file path=ppt/charts/colors4.xml><?xml version="1.0" encoding="utf-8"?>
+<cs:colorStyle xmlns:cs="http://schemas.microsoft.com/office/drawing/2012/chartStyle" xmlns:a="http://schemas.openxmlformats.org/drawingml/2006/main" meth="cycle" id="10">
+  <a:schemeClr val="accent1"/>
+  <a:schemeClr val="accent2"/>
+  <a:schemeClr val="accent3"/>
+  <a:schemeClr val="accent4"/>
+  <a:schemeClr val="accent5"/>
+  <a:schemeClr val="accent6"/>
+  <cs:variation/>
+  <cs:variation>
+    <a:lumMod val="60000"/>
+  </cs:variation>
+  <cs:variation>
+    <a:lumMod val="80000"/>
+    <a:lumOff val="20000"/>
+  </cs:variation>
+  <cs:variation>
+    <a:lumMod val="80000"/>
+  </cs:variation>
+  <cs:variation>
+    <a:lumMod val="60000"/>
+    <a:lumOff val="40000"/>
+  </cs:variation>
+  <cs:variation>
+    <a:lumMod val="50000"/>
+  </cs:variation>
+  <cs:variation>
+    <a:lumMod val="70000"/>
+    <a:lumOff val="30000"/>
+  </cs:variation>
+  <cs:variation>
+    <a:lumMod val="70000"/>
+  </cs:variation>
+  <cs:variation>
+    <a:lumMod val="50000"/>
+    <a:lumOff val="50000"/>
+  </cs:variation>
+</cs:colorStyle>
+</file>
+
+<file path=ppt/charts/colors5.xml><?xml version="1.0" encoding="utf-8"?>
+<cs:colorStyle xmlns:cs="http://schemas.microsoft.com/office/drawing/2012/chartStyle" xmlns:a="http://schemas.openxmlformats.org/drawingml/2006/main" meth="cycle" id="10">
+  <a:schemeClr val="accent1"/>
+  <a:schemeClr val="accent2"/>
+  <a:schemeClr val="accent3"/>
+  <a:schemeClr val="accent4"/>
+  <a:schemeClr val="accent5"/>
+  <a:schemeClr val="accent6"/>
+  <cs:variation/>
+  <cs:variation>
+    <a:lumMod val="60000"/>
+  </cs:variation>
+  <cs:variation>
+    <a:lumMod val="80000"/>
+    <a:lumOff val="20000"/>
+  </cs:variation>
+  <cs:variation>
+    <a:lumMod val="80000"/>
+  </cs:variation>
+  <cs:variation>
+    <a:lumMod val="60000"/>
+    <a:lumOff val="40000"/>
+  </cs:variation>
+  <cs:variation>
+    <a:lumMod val="50000"/>
+  </cs:variation>
+  <cs:variation>
+    <a:lumMod val="70000"/>
+    <a:lumOff val="30000"/>
+  </cs:variation>
+  <cs:variation>
+    <a:lumMod val="70000"/>
+  </cs:variation>
+  <cs:variation>
+    <a:lumMod val="50000"/>
+    <a:lumOff val="50000"/>
+  </cs:variation>
+</cs:colorStyle>
+</file>
+
+<file path=ppt/charts/colors6.xml><?xml version="1.0" encoding="utf-8"?>
+<cs:colorStyle xmlns:cs="http://schemas.microsoft.com/office/drawing/2012/chartStyle" xmlns:a="http://schemas.openxmlformats.org/drawingml/2006/main" meth="cycle" id="10">
+  <a:schemeClr val="accent1"/>
+  <a:schemeClr val="accent2"/>
+  <a:schemeClr val="accent3"/>
+  <a:schemeClr val="accent4"/>
+  <a:schemeClr val="accent5"/>
+  <a:schemeClr val="accent6"/>
+  <cs:variation/>
+  <cs:variation>
+    <a:lumMod val="60000"/>
+  </cs:variation>
+  <cs:variation>
+    <a:lumMod val="80000"/>
+    <a:lumOff val="20000"/>
+  </cs:variation>
+  <cs:variation>
+    <a:lumMod val="80000"/>
+  </cs:variation>
+  <cs:variation>
+    <a:lumMod val="60000"/>
+    <a:lumOff val="40000"/>
+  </cs:variation>
+  <cs:variation>
+    <a:lumMod val="50000"/>
+  </cs:variation>
+  <cs:variation>
+    <a:lumMod val="70000"/>
+    <a:lumOff val="30000"/>
+  </cs:variation>
+  <cs:variation>
+    <a:lumMod val="70000"/>
+  </cs:variation>
+  <cs:variation>
+    <a:lumMod val="50000"/>
+    <a:lumOff val="50000"/>
+  </cs:variation>
+</cs:colorStyle>
+</file>
+
+<file path=ppt/charts/style1.xml><?xml version="1.0" encoding="utf-8"?>
+<cs:chartStyle xmlns:cs="http://schemas.microsoft.com/office/drawing/2012/chartStyle" xmlns:a="http://schemas.openxmlformats.org/drawingml/2006/main" id="366">
+  <cs:axisTitle>
+    <cs:lnRef idx="0"/>
+    <cs:fillRef idx="0"/>
+    <cs:effectRef idx="0"/>
+    <cs:fontRef idx="minor">
+      <a:schemeClr val="tx1">
+        <a:lumMod val="65000"/>
+        <a:lumOff val="35000"/>
+      </a:schemeClr>
+    </cs:fontRef>
+    <cs:defRPr sz="900"/>
+  </cs:axisTitle>
+  <cs:categoryAxis>
+    <cs:lnRef idx="0"/>
+    <cs:fillRef idx="0"/>
+    <cs:effectRef idx="0"/>
+    <cs:fontRef idx="minor">
+      <a:schemeClr val="tx1">
+        <a:lumMod val="65000"/>
+        <a:lumOff val="35000"/>
+      </a:schemeClr>
+    </cs:fontRef>
+    <cs:spPr>
+      <a:ln w="9525" cap="flat" cmpd="sng" algn="ctr">
+        <a:solidFill>
+          <a:schemeClr val="tx1">
+            <a:lumMod val="15000"/>
+            <a:lumOff val="85000"/>
+          </a:schemeClr>
+        </a:solidFill>
+        <a:round/>
+      </a:ln>
+    </cs:spPr>
+    <cs:defRPr sz="900"/>
+  </cs:categoryAxis>
+  <cs:chartArea mods="allowNoFillOverride allowNoLineOverride">
+    <cs:lnRef idx="0"/>
+    <cs:fillRef idx="0"/>
+    <cs:effectRef idx="0"/>
+    <cs:fontRef idx="minor">
+      <a:schemeClr val="tx1"/>
+    </cs:fontRef>
+    <cs:spPr>
+      <a:solidFill>
+        <a:schemeClr val="bg1"/>
+      </a:solidFill>
+      <a:ln w="9525" cap="flat" cmpd="sng" algn="ctr">
+        <a:solidFill>
+          <a:schemeClr val="tx1">
+            <a:lumMod val="15000"/>
+            <a:lumOff val="85000"/>
+          </a:schemeClr>
+        </a:solidFill>
+        <a:round/>
+      </a:ln>
+    </cs:spPr>
+    <cs:defRPr sz="1000"/>
+  </cs:chartArea>
+  <cs:dataLabel>
+    <cs:lnRef idx="0"/>
+    <cs:fillRef idx="0"/>
+    <cs:effectRef idx="0"/>
+    <cs:fontRef idx="minor">
+      <a:schemeClr val="tx1">
+        <a:lumMod val="65000"/>
+        <a:lumOff val="35000"/>
+      </a:schemeClr>
+    </cs:fontRef>
+    <cs:defRPr sz="900"/>
+  </cs:dataLabel>
+  <cs:dataLabelCallout>
+    <cs:lnRef idx="0"/>
+    <cs:fillRef idx="0"/>
+    <cs:effectRef idx="0"/>
+    <cs:fontRef idx="minor">
+      <a:schemeClr val="dk1">
+        <a:lumMod val="65000"/>
+        <a:lumOff val="35000"/>
+      </a:schemeClr>
+    </cs:fontRef>
+    <cs:spPr>
+      <a:solidFill>
+        <a:schemeClr val="lt1"/>
+      </a:solidFill>
+      <a:ln>
+        <a:solidFill>
+          <a:schemeClr val="dk1">
+            <a:lumMod val="25000"/>
+            <a:lumOff val="75000"/>
+          </a:schemeClr>
+        </a:solidFill>
+      </a:ln>
+    </cs:spPr>
+    <cs:defRPr sz="900"/>
+    <cs:bodyPr rot="0" spcFirstLastPara="1" vertOverflow="clip" horzOverflow="clip" vert="horz" wrap="square" lIns="36576" tIns="18288" rIns="36576" bIns="18288" anchor="ctr" anchorCtr="1">
+      <a:spAutoFit/>
+    </cs:bodyPr>
+  </cs:dataLabelCallout>
+  <cs:dataPoint>
+    <cs:lnRef idx="0"/>
+    <cs:fillRef idx="0">
+      <cs:styleClr val="auto"/>
+    </cs:fillRef>
+    <cs:effectRef idx="0"/>
+    <cs:fontRef idx="minor">
+      <a:schemeClr val="tx1"/>
+    </cs:fontRef>
+    <cs:spPr>
+      <a:solidFill>
+        <a:schemeClr val="phClr"/>
+      </a:solidFill>
+    </cs:spPr>
+  </cs:dataPoint>
+  <cs:dataPoint3D>
+    <cs:lnRef idx="0"/>
+    <cs:fillRef idx="0">
+      <cs:styleClr val="auto"/>
+    </cs:fillRef>
+    <cs:effectRef idx="0"/>
+    <cs:fontRef idx="minor">
+      <a:schemeClr val="tx1"/>
+    </cs:fontRef>
+    <cs:spPr>
+      <a:solidFill>
+        <a:schemeClr val="phClr"/>
+      </a:solidFill>
+    </cs:spPr>
+  </cs:dataPoint3D>
+  <cs:dataPointLine>
+    <cs:lnRef idx="0">
+      <cs:styleClr val="auto"/>
+    </cs:lnRef>
+    <cs:fillRef idx="0"/>
+    <cs:effectRef idx="0"/>
+    <cs:fontRef idx="minor">
+      <a:schemeClr val="tx1"/>
+    </cs:fontRef>
+    <cs:spPr>
+      <a:ln w="28575" cap="rnd">
+        <a:solidFill>
+          <a:schemeClr val="phClr"/>
+        </a:solidFill>
+        <a:round/>
+      </a:ln>
+    </cs:spPr>
+  </cs:dataPointLine>
+  <cs:dataPointMarker>
+    <cs:lnRef idx="0"/>
+    <cs:fillRef idx="0">
+      <cs:styleClr val="auto"/>
+    </cs:fillRef>
+    <cs:effectRef idx="0"/>
+    <cs:fontRef idx="minor">
+      <a:schemeClr val="tx1"/>
+    </cs:fontRef>
+    <cs:spPr>
+      <a:solidFill>
+        <a:schemeClr val="phClr"/>
+      </a:solidFill>
+      <a:ln w="9525">
+        <a:solidFill>
+          <a:schemeClr val="lt1"/>
+        </a:solidFill>
+      </a:ln>
+    </cs:spPr>
+  </cs:dataPointMarker>
+  <cs:dataPointMarkerLayout symbol="circle" size="5"/>
+  <cs:dataPointWireframe>
+    <cs:lnRef idx="0">
+      <cs:styleClr val="auto"/>
+    </cs:lnRef>
+    <cs:fillRef idx="0"/>
+    <cs:effectRef idx="0"/>
+    <cs:fontRef idx="minor">
+      <a:schemeClr val="tx1"/>
+    </cs:fontRef>
+    <cs:spPr>
+      <a:ln w="28575" cap="rnd">
+        <a:solidFill>
+          <a:schemeClr val="phClr"/>
+        </a:solidFill>
+        <a:round/>
+      </a:ln>
+    </cs:spPr>
+  </cs:dataPointWireframe>
+  <cs:dataTable>
+    <cs:lnRef idx="0"/>
+    <cs:fillRef idx="0"/>
+    <cs:effectRef idx="0"/>
+    <cs:fontRef idx="minor">
+      <a:schemeClr val="tx1">
+        <a:lumMod val="65000"/>
+        <a:lumOff val="35000"/>
+      </a:schemeClr>
+    </cs:fontRef>
+    <cs:spPr>
+      <a:ln w="9525">
+        <a:solidFill>
+          <a:schemeClr val="tx1">
+            <a:lumMod val="15000"/>
+            <a:lumOff val="85000"/>
+          </a:schemeClr>
+        </a:solidFill>
+      </a:ln>
+    </cs:spPr>
+    <cs:defRPr sz="900"/>
+  </cs:dataTable>
+  <cs:downBar>
+    <cs:lnRef idx="0"/>
+    <cs:fillRef idx="0"/>
+    <cs:effectRef idx="0"/>
+    <cs:fontRef idx="minor">
+      <a:schemeClr val="dk1"/>
+    </cs:fontRef>
+    <cs:spPr>
+      <a:solidFill>
+        <a:schemeClr val="dk1">
+          <a:lumMod val="65000"/>
+          <a:lumOff val="35000"/>
+        </a:schemeClr>
+      </a:solidFill>
+      <a:ln w="9525">
+        <a:solidFill>
+          <a:schemeClr val="tx1">
+            <a:lumMod val="65000"/>
+            <a:lumOff val="35000"/>
+          </a:schemeClr>
+        </a:solidFill>
+      </a:ln>
+    </cs:spPr>
+  </cs:downBar>
+  <cs:dropLine>
+    <cs:lnRef idx="0"/>
+    <cs:fillRef idx="0"/>
+    <cs:effectRef idx="0"/>
+    <cs:fontRef idx="minor">
+      <a:schemeClr val="tx1"/>
+    </cs:fontRef>
+    <cs:spPr>
+      <a:ln w="9525" cap="flat" cmpd="sng" algn="ctr">
+        <a:solidFill>
+          <a:schemeClr val="tx1">
+            <a:lumMod val="35000"/>
+            <a:lumOff val="65000"/>
+          </a:schemeClr>
+        </a:solidFill>
+        <a:round/>
+      </a:ln>
+    </cs:spPr>
+  </cs:dropLine>
+  <cs:errorBar>
+    <cs:lnRef idx="0"/>
+    <cs:fillRef idx="0"/>
+    <cs:effectRef idx="0"/>
+    <cs:fontRef idx="minor">
+      <a:schemeClr val="tx1"/>
+    </cs:fontRef>
+    <cs:spPr>
+      <a:ln w="9525" cap="flat" cmpd="sng" algn="ctr">
+        <a:solidFill>
+          <a:schemeClr val="tx1">
+            <a:lumMod val="65000"/>
+            <a:lumOff val="35000"/>
+          </a:schemeClr>
+        </a:solidFill>
+        <a:round/>
+      </a:ln>
+    </cs:spPr>
+  </cs:errorBar>
+  <cs:floor>
+    <cs:lnRef idx="0"/>
+    <cs:fillRef idx="0"/>
+    <cs:effectRef idx="0"/>
+    <cs:fontRef idx="minor">
+      <a:schemeClr val="tx1"/>
+    </cs:fontRef>
+  </cs:floor>
+  <cs:gridlineMajor>
+    <cs:lnRef idx="0"/>
+    <cs:fillRef idx="0"/>
+    <cs:effectRef idx="0"/>
+    <cs:fontRef idx="minor">
+      <a:schemeClr val="tx1"/>
+    </cs:fontRef>
+    <cs:spPr>
+      <a:ln w="9525" cap="flat" cmpd="sng" algn="ctr">
+        <a:solidFill>
+          <a:schemeClr val="tx1">
+            <a:lumMod val="15000"/>
+            <a:lumOff val="85000"/>
+          </a:schemeClr>
+        </a:solidFill>
+        <a:round/>
+      </a:ln>
+    </cs:spPr>
+  </cs:gridlineMajor>
+  <cs:gridlineMinor>
+    <cs:lnRef idx="0"/>
+    <cs:fillRef idx="0"/>
+    <cs:effectRef idx="0"/>
+    <cs:fontRef idx="minor">
+      <a:schemeClr val="tx1"/>
+    </cs:fontRef>
+    <cs:spPr>
+      <a:ln w="9525" cap="flat" cmpd="sng" algn="ctr">
+        <a:solidFill>
+          <a:schemeClr val="tx1">
+            <a:lumMod val="15000"/>
+            <a:lumOff val="85000"/>
+          </a:schemeClr>
+        </a:solidFill>
+        <a:round/>
+      </a:ln>
+    </cs:spPr>
+  </cs:gridlineMinor>
+  <cs:hiLoLine>
+    <cs:lnRef idx="0"/>
+    <cs:fillRef idx="0"/>
+    <cs:effectRef idx="0"/>
+    <cs:fontRef idx="minor">
+      <a:schemeClr val="tx1"/>
+    </cs:fontRef>
+    <cs:spPr>
+      <a:ln w="9525" cap="flat" cmpd="sng" algn="ctr">
+        <a:solidFill>
+          <a:schemeClr val="tx1">
+            <a:lumMod val="75000"/>
+            <a:lumOff val="25000"/>
+          </a:schemeClr>
+        </a:solidFill>
+        <a:round/>
+      </a:ln>
+    </cs:spPr>
+  </cs:hiLoLine>
+  <cs:leaderLine>
+    <cs:lnRef idx="0"/>
+    <cs:fillRef idx="0"/>
+    <cs:effectRef idx="0"/>
+    <cs:fontRef idx="minor">
+      <a:schemeClr val="tx1"/>
+    </cs:fontRef>
+    <cs:spPr>
+      <a:ln w="9525" cap="flat" cmpd="sng" algn="ctr">
+        <a:solidFill>
+          <a:schemeClr val="tx1">
+            <a:lumMod val="35000"/>
+            <a:lumOff val="65000"/>
+          </a:schemeClr>
+        </a:solidFill>
+        <a:round/>
+      </a:ln>
+    </cs:spPr>
+  </cs:leaderLine>
+  <cs:legend>
+    <cs:lnRef idx="0"/>
+    <cs:fillRef idx="0"/>
+    <cs:effectRef idx="0"/>
+    <cs:fontRef idx="minor">
+      <a:schemeClr val="tx1">
+        <a:lumMod val="65000"/>
+        <a:lumOff val="35000"/>
+      </a:schemeClr>
+    </cs:fontRef>
+    <cs:defRPr sz="900"/>
+  </cs:legend>
+  <cs:plotArea mods="allowNoFillOverride allowNoLineOverride">
+    <cs:lnRef idx="0"/>
+    <cs:fillRef idx="0"/>
+    <cs:effectRef idx="0"/>
+    <cs:fontRef idx="minor">
+      <a:schemeClr val="tx1"/>
+    </cs:fontRef>
+  </cs:plotArea>
+  <cs:plotArea3D mods="allowNoFillOverride allowNoLineOverride">
+    <cs:lnRef idx="0"/>
+    <cs:fillRef idx="0"/>
+    <cs:effectRef idx="0"/>
+    <cs:fontRef idx="minor">
+      <a:schemeClr val="tx1"/>
+    </cs:fontRef>
+  </cs:plotArea3D>
+  <cs:seriesAxis>
+    <cs:lnRef idx="0"/>
+    <cs:fillRef idx="0"/>
+    <cs:effectRef idx="0"/>
+    <cs:fontRef idx="minor">
+      <a:schemeClr val="tx1">
+        <a:lumMod val="65000"/>
+        <a:lumOff val="35000"/>
+      </a:schemeClr>
+    </cs:fontRef>
+    <cs:spPr>
+      <a:ln w="9525" cap="flat" cmpd="sng" algn="ctr">
+        <a:solidFill>
+          <a:schemeClr val="tx1">
+            <a:lumMod val="15000"/>
+            <a:lumOff val="85000"/>
+          </a:schemeClr>
+        </a:solidFill>
+        <a:round/>
+      </a:ln>
+    </cs:spPr>
+    <cs:defRPr sz="900"/>
+  </cs:seriesAxis>
+  <cs:seriesLine>
+    <cs:lnRef idx="0"/>
+    <cs:fillRef idx="0"/>
+    <cs:effectRef idx="0"/>
+    <cs:fontRef idx="minor">
+      <a:schemeClr val="tx1"/>
+    </cs:fontRef>
+    <cs:spPr>
+      <a:ln w="9525" cap="flat">
+        <a:solidFill>
+          <a:srgbClr val="D9D9D9"/>
+        </a:solidFill>
+        <a:round/>
+      </a:ln>
+    </cs:spPr>
+  </cs:seriesLine>
+  <cs:title>
+    <cs:lnRef idx="0"/>
+    <cs:fillRef idx="0"/>
+    <cs:effectRef idx="0"/>
+    <cs:fontRef idx="minor">
+      <a:schemeClr val="tx1">
+        <a:lumMod val="65000"/>
+        <a:lumOff val="35000"/>
+      </a:schemeClr>
+    </cs:fontRef>
+    <cs:defRPr sz="1400"/>
+  </cs:title>
+  <cs:trendline>
+    <cs:lnRef idx="0">
+      <cs:styleClr val="auto"/>
+    </cs:lnRef>
+    <cs:fillRef idx="0"/>
+    <cs:effectRef idx="0"/>
+    <cs:fontRef idx="minor">
+      <a:schemeClr val="tx1"/>
+    </cs:fontRef>
+    <cs:spPr>
+      <a:ln w="19050" cap="rnd">
+        <a:solidFill>
+          <a:schemeClr val="phClr"/>
+        </a:solidFill>
+        <a:prstDash val="sysDash"/>
+      </a:ln>
+    </cs:spPr>
+  </cs:trendline>
+  <cs:trendlineLabel>
+    <cs:lnRef idx="0"/>
+    <cs:fillRef idx="0"/>
+    <cs:effectRef idx="0"/>
+    <cs:fontRef idx="minor">
+      <a:schemeClr val="tx1">
+        <a:lumMod val="65000"/>
+        <a:lumOff val="35000"/>
+      </a:schemeClr>
+    </cs:fontRef>
+    <cs:defRPr sz="900"/>
+  </cs:trendlineLabel>
+  <cs:upBar>
+    <cs:lnRef idx="0"/>
+    <cs:fillRef idx="0"/>
+    <cs:effectRef idx="0"/>
+    <cs:fontRef idx="minor">
+      <a:schemeClr val="dk1"/>
+    </cs:fontRef>
+    <cs:spPr>
+      <a:solidFill>
+        <a:schemeClr val="lt1"/>
+      </a:solidFill>
+      <a:ln w="9525">
+        <a:solidFill>
+          <a:schemeClr val="tx1">
+            <a:lumMod val="15000"/>
+            <a:lumOff val="85000"/>
+          </a:schemeClr>
+        </a:solidFill>
+      </a:ln>
+    </cs:spPr>
+  </cs:upBar>
+  <cs:valueAxis>
+    <cs:lnRef idx="0"/>
+    <cs:fillRef idx="0"/>
+    <cs:effectRef idx="0"/>
+    <cs:fontRef idx="minor">
+      <a:schemeClr val="tx1">
+        <a:lumMod val="65000"/>
+        <a:lumOff val="35000"/>
+      </a:schemeClr>
+    </cs:fontRef>
+    <cs:defRPr sz="900"/>
+  </cs:valueAxis>
+  <cs:wall>
+    <cs:lnRef idx="0"/>
+    <cs:fillRef idx="0"/>
+    <cs:effectRef idx="0"/>
+    <cs:fontRef idx="minor">
+      <a:schemeClr val="tx1"/>
+    </cs:fontRef>
+  </cs:wall>
+</cs:chartStyle>
+</file>
+
+<file path=ppt/charts/style2.xml><?xml version="1.0" encoding="utf-8"?>
+<cs:chartStyle xmlns:cs="http://schemas.microsoft.com/office/drawing/2012/chartStyle" xmlns:a="http://schemas.openxmlformats.org/drawingml/2006/main" id="201">
+  <cs:axisTitle>
+    <cs:lnRef idx="0"/>
+    <cs:fillRef idx="0"/>
+    <cs:effectRef idx="0"/>
+    <cs:fontRef idx="minor">
+      <a:schemeClr val="tx1">
+        <a:lumMod val="65000"/>
+        <a:lumOff val="35000"/>
+      </a:schemeClr>
+    </cs:fontRef>
+    <cs:defRPr sz="1000" kern="1200"/>
+  </cs:axisTitle>
+  <cs:categoryAxis>
+    <cs:lnRef idx="0"/>
+    <cs:fillRef idx="0"/>
+    <cs:effectRef idx="0"/>
+    <cs:fontRef idx="minor">
+      <a:schemeClr val="tx1">
+        <a:lumMod val="65000"/>
+        <a:lumOff val="35000"/>
+      </a:schemeClr>
+    </cs:fontRef>
+    <cs:spPr>
+      <a:ln w="9525" cap="flat" cmpd="sng" algn="ctr">
+        <a:solidFill>
+          <a:schemeClr val="tx1">
+            <a:lumMod val="15000"/>
+            <a:lumOff val="85000"/>
+          </a:schemeClr>
+        </a:solidFill>
+        <a:round/>
+      </a:ln>
+    </cs:spPr>
+    <cs:defRPr sz="900" kern="1200"/>
+  </cs:categoryAxis>
+  <cs:chartArea mods="allowNoFillOverride allowNoLineOverride">
+    <cs:lnRef idx="0"/>
+    <cs:fillRef idx="0"/>
+    <cs:effectRef idx="0"/>
+    <cs:fontRef idx="minor">
+      <a:schemeClr val="tx1"/>
+    </cs:fontRef>
+    <cs:spPr>
+      <a:solidFill>
+        <a:schemeClr val="bg1"/>
+      </a:solidFill>
+      <a:ln w="9525" cap="flat" cmpd="sng" algn="ctr">
+        <a:solidFill>
+          <a:schemeClr val="tx1">
+            <a:lumMod val="15000"/>
+            <a:lumOff val="85000"/>
+          </a:schemeClr>
+        </a:solidFill>
+        <a:round/>
+      </a:ln>
+    </cs:spPr>
+    <cs:defRPr sz="1000" kern="1200"/>
+  </cs:chartArea>
+  <cs:dataLabel>
+    <cs:lnRef idx="0"/>
+    <cs:fillRef idx="0"/>
+    <cs:effectRef idx="0"/>
+    <cs:fontRef idx="minor">
+      <a:schemeClr val="tx1">
+        <a:lumMod val="75000"/>
+        <a:lumOff val="25000"/>
+      </a:schemeClr>
+    </cs:fontRef>
+    <cs:defRPr sz="900" kern="1200"/>
+  </cs:dataLabel>
+  <cs:dataLabelCallout>
+    <cs:lnRef idx="0"/>
+    <cs:fillRef idx="0"/>
+    <cs:effectRef idx="0"/>
+    <cs:fontRef idx="minor">
+      <a:schemeClr val="dk1">
+        <a:lumMod val="65000"/>
+        <a:lumOff val="35000"/>
+      </a:schemeClr>
+    </cs:fontRef>
+    <cs:spPr>
+      <a:solidFill>
+        <a:schemeClr val="lt1"/>
+      </a:solidFill>
+      <a:ln>
+        <a:solidFill>
+          <a:schemeClr val="dk1">
+            <a:lumMod val="25000"/>
+            <a:lumOff val="75000"/>
+          </a:schemeClr>
+        </a:solidFill>
+      </a:ln>
+    </cs:spPr>
+    <cs:defRPr sz="900" kern="1200"/>
+    <cs:bodyPr rot="0" spcFirstLastPara="1" vertOverflow="clip" horzOverflow="clip" vert="horz" wrap="square" lIns="36576" tIns="18288" rIns="36576" bIns="18288" anchor="ctr" anchorCtr="1">
+      <a:spAutoFit/>
+    </cs:bodyPr>
+  </cs:dataLabelCallout>
+  <cs:dataPoint>
+    <cs:lnRef idx="0"/>
+    <cs:fillRef idx="1">
+      <cs:styleClr val="auto"/>
+    </cs:fillRef>
+    <cs:effectRef idx="0"/>
+    <cs:fontRef idx="minor">
+      <a:schemeClr val="tx1"/>
+    </cs:fontRef>
+  </cs:dataPoint>
+  <cs:dataPoint3D>
+    <cs:lnRef idx="0"/>
+    <cs:fillRef idx="1">
+      <cs:styleClr val="auto"/>
+    </cs:fillRef>
+    <cs:effectRef idx="0"/>
+    <cs:fontRef idx="minor">
+      <a:schemeClr val="tx1"/>
+    </cs:fontRef>
+  </cs:dataPoint3D>
+  <cs:dataPointLine>
+    <cs:lnRef idx="0">
+      <cs:styleClr val="auto"/>
+    </cs:lnRef>
+    <cs:fillRef idx="1"/>
+    <cs:effectRef idx="0"/>
+    <cs:fontRef idx="minor">
+      <a:schemeClr val="tx1"/>
+    </cs:fontRef>
+    <cs:spPr>
+      <a:ln w="28575" cap="rnd">
+        <a:solidFill>
+          <a:schemeClr val="phClr"/>
+        </a:solidFill>
+        <a:round/>
+      </a:ln>
+    </cs:spPr>
+  </cs:dataPointLine>
+  <cs:dataPointMarker>
+    <cs:lnRef idx="0">
+      <cs:styleClr val="auto"/>
+    </cs:lnRef>
+    <cs:fillRef idx="1">
+      <cs:styleClr val="auto"/>
+    </cs:fillRef>
+    <cs:effectRef idx="0"/>
+    <cs:fontRef idx="minor">
+      <a:schemeClr val="tx1"/>
+    </cs:fontRef>
+    <cs:spPr>
+      <a:ln w="9525">
+        <a:solidFill>
+          <a:schemeClr val="phClr"/>
+        </a:solidFill>
+      </a:ln>
+    </cs:spPr>
+  </cs:dataPointMarker>
+  <cs:dataPointMarkerLayout symbol="circle" size="5"/>
+  <cs:dataPointWireframe>
+    <cs:lnRef idx="0">
+      <cs:styleClr val="auto"/>
+    </cs:lnRef>
+    <cs:fillRef idx="1"/>
+    <cs:effectRef idx="0"/>
+    <cs:fontRef idx="minor">
+      <a:schemeClr val="tx1"/>
+    </cs:fontRef>
+    <cs:spPr>
+      <a:ln w="9525" cap="rnd">
+        <a:solidFill>
+          <a:schemeClr val="phClr"/>
+        </a:solidFill>
+        <a:round/>
+      </a:ln>
+    </cs:spPr>
+  </cs:dataPointWireframe>
+  <cs:dataTable>
+    <cs:lnRef idx="0"/>
+    <cs:fillRef idx="0"/>
+    <cs:effectRef idx="0"/>
+    <cs:fontRef idx="minor">
+      <a:schemeClr val="tx1">
+        <a:lumMod val="65000"/>
+        <a:lumOff val="35000"/>
+      </a:schemeClr>
+    </cs:fontRef>
+    <cs:spPr>
+      <a:noFill/>
+      <a:ln w="9525" cap="flat" cmpd="sng" algn="ctr">
+        <a:solidFill>
+          <a:schemeClr val="tx1">
+            <a:lumMod val="15000"/>
+            <a:lumOff val="85000"/>
+          </a:schemeClr>
+        </a:solidFill>
+        <a:round/>
+      </a:ln>
+    </cs:spPr>
+    <cs:defRPr sz="900" kern="1200"/>
+  </cs:dataTable>
+  <cs:downBar>
+    <cs:lnRef idx="0"/>
+    <cs:fillRef idx="0"/>
+    <cs:effectRef idx="0"/>
+    <cs:fontRef idx="minor">
+      <a:schemeClr val="dk1"/>
+    </cs:fontRef>
+    <cs:spPr>
+      <a:solidFill>
+        <a:schemeClr val="dk1">
+          <a:lumMod val="65000"/>
+          <a:lumOff val="35000"/>
+        </a:schemeClr>
+      </a:solidFill>
+      <a:ln w="9525">
+        <a:solidFill>
+          <a:schemeClr val="tx1">
+            <a:lumMod val="65000"/>
+            <a:lumOff val="35000"/>
+          </a:schemeClr>
+        </a:solidFill>
+      </a:ln>
+    </cs:spPr>
+  </cs:downBar>
+  <cs:dropLine>
+    <cs:lnRef idx="0"/>
+    <cs:fillRef idx="0"/>
+    <cs:effectRef idx="0"/>
+    <cs:fontRef idx="minor">
+      <a:schemeClr val="tx1"/>
+    </cs:fontRef>
+    <cs:spPr>
+      <a:ln w="9525" cap="flat" cmpd="sng" algn="ctr">
+        <a:solidFill>
+          <a:schemeClr val="tx1">
+            <a:lumMod val="35000"/>
+            <a:lumOff val="65000"/>
+          </a:schemeClr>
+        </a:solidFill>
+        <a:round/>
+      </a:ln>
+    </cs:spPr>
+  </cs:dropLine>
+  <cs:errorBar>
+    <cs:lnRef idx="0"/>
+    <cs:fillRef idx="0"/>
+    <cs:effectRef idx="0"/>
+    <cs:fontRef idx="minor">
+      <a:schemeClr val="tx1"/>
+    </cs:fontRef>
+    <cs:spPr>
+      <a:ln w="9525" cap="flat" cmpd="sng" algn="ctr">
+        <a:solidFill>
+          <a:schemeClr val="tx1">
+            <a:lumMod val="65000"/>
+            <a:lumOff val="35000"/>
+          </a:schemeClr>
+        </a:solidFill>
+        <a:round/>
+      </a:ln>
+    </cs:spPr>
+  </cs:errorBar>
+  <cs:floor>
+    <cs:lnRef idx="0"/>
+    <cs:fillRef idx="0"/>
+    <cs:effectRef idx="0"/>
+    <cs:fontRef idx="minor">
+      <a:schemeClr val="tx1"/>
+    </cs:fontRef>
+    <cs:spPr>
+      <a:noFill/>
+      <a:ln>
+        <a:noFill/>
+      </a:ln>
+    </cs:spPr>
+  </cs:floor>
+  <cs:gridlineMajor>
+    <cs:lnRef idx="0"/>
+    <cs:fillRef idx="0"/>
+    <cs:effectRef idx="0"/>
+    <cs:fontRef idx="minor">
+      <a:schemeClr val="tx1"/>
+    </cs:fontRef>
+    <cs:spPr>
+      <a:ln w="9525" cap="flat" cmpd="sng" algn="ctr">
+        <a:solidFill>
+          <a:schemeClr val="tx1">
+            <a:lumMod val="15000"/>
+            <a:lumOff val="85000"/>
+          </a:schemeClr>
+        </a:solidFill>
+        <a:round/>
+      </a:ln>
+    </cs:spPr>
+  </cs:gridlineMajor>
+  <cs:gridlineMinor>
+    <cs:lnRef idx="0"/>
+    <cs:fillRef idx="0"/>
+    <cs:effectRef idx="0"/>
+    <cs:fontRef idx="minor">
+      <a:schemeClr val="tx1"/>
+    </cs:fontRef>
+    <cs:spPr>
+      <a:ln w="9525" cap="flat" cmpd="sng" algn="ctr">
+        <a:solidFill>
+          <a:schemeClr val="tx1">
+            <a:lumMod val="5000"/>
+            <a:lumOff val="95000"/>
+          </a:schemeClr>
+        </a:solidFill>
+        <a:round/>
+      </a:ln>
+    </cs:spPr>
+  </cs:gridlineMinor>
+  <cs:hiLoLine>
+    <cs:lnRef idx="0"/>
+    <cs:fillRef idx="0"/>
+    <cs:effectRef idx="0"/>
+    <cs:fontRef idx="minor">
+      <a:schemeClr val="tx1"/>
+    </cs:fontRef>
+    <cs:spPr>
+      <a:ln w="9525" cap="flat" cmpd="sng" algn="ctr">
+        <a:solidFill>
+          <a:schemeClr val="tx1">
+            <a:lumMod val="75000"/>
+            <a:lumOff val="25000"/>
+          </a:schemeClr>
+        </a:solidFill>
+        <a:round/>
+      </a:ln>
+    </cs:spPr>
+  </cs:hiLoLine>
+  <cs:leaderLine>
+    <cs:lnRef idx="0"/>
+    <cs:fillRef idx="0"/>
+    <cs:effectRef idx="0"/>
+    <cs:fontRef idx="minor">
+      <a:schemeClr val="tx1"/>
+    </cs:fontRef>
+    <cs:spPr>
+      <a:ln w="9525" cap="flat" cmpd="sng" algn="ctr">
+        <a:solidFill>
+          <a:schemeClr val="tx1">
+            <a:lumMod val="35000"/>
+            <a:lumOff val="65000"/>
+          </a:schemeClr>
+        </a:solidFill>
+        <a:round/>
+      </a:ln>
+    </cs:spPr>
+  </cs:leaderLine>
+  <cs:legend>
+    <cs:lnRef idx="0"/>
+    <cs:fillRef idx="0"/>
+    <cs:effectRef idx="0"/>
+    <cs:fontRef idx="minor">
+      <a:schemeClr val="tx1">
+        <a:lumMod val="65000"/>
+        <a:lumOff val="35000"/>
+      </a:schemeClr>
+    </cs:fontRef>
+    <cs:defRPr sz="900" kern="1200"/>
+  </cs:legend>
+  <cs:plotArea mods="allowNoFillOverride allowNoLineOverride">
+    <cs:lnRef idx="0"/>
+    <cs:fillRef idx="0"/>
+    <cs:effectRef idx="0"/>
+    <cs:fontRef idx="minor">
+      <a:schemeClr val="tx1"/>
+    </cs:fontRef>
+  </cs:plotArea>
+  <cs:plotArea3D mods="allowNoFillOverride allowNoLineOverride">
+    <cs:lnRef idx="0"/>
+    <cs:fillRef idx="0"/>
+    <cs:effectRef idx="0"/>
+    <cs:fontRef idx="minor">
+      <a:schemeClr val="tx1"/>
+    </cs:fontRef>
+  </cs:plotArea3D>
+  <cs:seriesAxis>
+    <cs:lnRef idx="0"/>
+    <cs:fillRef idx="0"/>
+    <cs:effectRef idx="0"/>
+    <cs:fontRef idx="minor">
+      <a:schemeClr val="tx1">
+        <a:lumMod val="65000"/>
+        <a:lumOff val="35000"/>
+      </a:schemeClr>
+    </cs:fontRef>
+    <cs:defRPr sz="900" kern="1200"/>
+  </cs:seriesAxis>
+  <cs:seriesLine>
+    <cs:lnRef idx="0"/>
+    <cs:fillRef idx="0"/>
+    <cs:effectRef idx="0"/>
+    <cs:fontRef idx="minor">
+      <a:schemeClr val="tx1"/>
+    </cs:fontRef>
+    <cs:spPr>
+      <a:ln w="9525" cap="flat" cmpd="sng" algn="ctr">
+        <a:solidFill>
+          <a:schemeClr val="tx1">
+            <a:lumMod val="35000"/>
+            <a:lumOff val="65000"/>
+          </a:schemeClr>
+        </a:solidFill>
+        <a:round/>
+      </a:ln>
+    </cs:spPr>
+  </cs:seriesLine>
+  <cs:title>
+    <cs:lnRef idx="0"/>
+    <cs:fillRef idx="0"/>
+    <cs:effectRef idx="0"/>
+    <cs:fontRef idx="minor">
+      <a:schemeClr val="tx1">
+        <a:lumMod val="65000"/>
+        <a:lumOff val="35000"/>
+      </a:schemeClr>
+    </cs:fontRef>
+    <cs:defRPr sz="1400" b="0" kern="1200" spc="0" baseline="0"/>
+  </cs:title>
+  <cs:trendline>
+    <cs:lnRef idx="0">
+      <cs:styleClr val="auto"/>
+    </cs:lnRef>
+    <cs:fillRef idx="0"/>
+    <cs:effectRef idx="0"/>
+    <cs:fontRef idx="minor">
+      <a:schemeClr val="tx1"/>
+    </cs:fontRef>
+    <cs:spPr>
+      <a:ln w="19050" cap="rnd">
+        <a:solidFill>
+          <a:schemeClr val="phClr"/>
+        </a:solidFill>
+        <a:prstDash val="sysDot"/>
+      </a:ln>
+    </cs:spPr>
+  </cs:trendline>
+  <cs:trendlineLabel>
+    <cs:lnRef idx="0"/>
+    <cs:fillRef idx="0"/>
+    <cs:effectRef idx="0"/>
+    <cs:fontRef idx="minor">
+      <a:schemeClr val="tx1">
+        <a:lumMod val="65000"/>
+        <a:lumOff val="35000"/>
+      </a:schemeClr>
+    </cs:fontRef>
+    <cs:defRPr sz="900" kern="1200"/>
+  </cs:trendlineLabel>
+  <cs:upBar>
+    <cs:lnRef idx="0"/>
+    <cs:fillRef idx="0"/>
+    <cs:effectRef idx="0"/>
+    <cs:fontRef idx="minor">
+      <a:schemeClr val="dk1"/>
+    </cs:fontRef>
+    <cs:spPr>
+      <a:solidFill>
+        <a:schemeClr val="lt1"/>
+      </a:solidFill>
+      <a:ln w="9525">
+        <a:solidFill>
+          <a:schemeClr val="tx1">
+            <a:lumMod val="15000"/>
+            <a:lumOff val="85000"/>
+          </a:schemeClr>
+        </a:solidFill>
+      </a:ln>
+    </cs:spPr>
+  </cs:upBar>
+  <cs:valueAxis>
+    <cs:lnRef idx="0"/>
+    <cs:fillRef idx="0"/>
+    <cs:effectRef idx="0"/>
+    <cs:fontRef idx="minor">
+      <a:schemeClr val="tx1">
+        <a:lumMod val="65000"/>
+        <a:lumOff val="35000"/>
+      </a:schemeClr>
+    </cs:fontRef>
+    <cs:defRPr sz="900" kern="1200"/>
+  </cs:valueAxis>
+  <cs:wall>
+    <cs:lnRef idx="0"/>
+    <cs:fillRef idx="0"/>
+    <cs:effectRef idx="0"/>
+    <cs:fontRef idx="minor">
+      <a:schemeClr val="tx1"/>
+    </cs:fontRef>
+    <cs:spPr>
+      <a:noFill/>
+      <a:ln>
+        <a:noFill/>
+      </a:ln>
+    </cs:spPr>
+  </cs:wall>
+</cs:chartStyle>
+</file>
+
+<file path=ppt/charts/style3.xml><?xml version="1.0" encoding="utf-8"?>
+<cs:chartStyle xmlns:cs="http://schemas.microsoft.com/office/drawing/2012/chartStyle" xmlns:a="http://schemas.openxmlformats.org/drawingml/2006/main" id="201">
+  <cs:axisTitle>
+    <cs:lnRef idx="0"/>
+    <cs:fillRef idx="0"/>
+    <cs:effectRef idx="0"/>
+    <cs:fontRef idx="minor">
+      <a:schemeClr val="tx1">
+        <a:lumMod val="65000"/>
+        <a:lumOff val="35000"/>
+      </a:schemeClr>
+    </cs:fontRef>
+    <cs:defRPr sz="1000" kern="1200"/>
+  </cs:axisTitle>
+  <cs:categoryAxis>
+    <cs:lnRef idx="0"/>
+    <cs:fillRef idx="0"/>
+    <cs:effectRef idx="0"/>
+    <cs:fontRef idx="minor">
+      <a:schemeClr val="tx1">
+        <a:lumMod val="65000"/>
+        <a:lumOff val="35000"/>
+      </a:schemeClr>
+    </cs:fontRef>
+    <cs:spPr>
+      <a:ln w="9525" cap="flat" cmpd="sng" algn="ctr">
+        <a:solidFill>
+          <a:schemeClr val="tx1">
+            <a:lumMod val="15000"/>
+            <a:lumOff val="85000"/>
+          </a:schemeClr>
+        </a:solidFill>
+        <a:round/>
+      </a:ln>
+    </cs:spPr>
+    <cs:defRPr sz="900" kern="1200"/>
+  </cs:categoryAxis>
+  <cs:chartArea mods="allowNoFillOverride allowNoLineOverride">
+    <cs:lnRef idx="0"/>
+    <cs:fillRef idx="0"/>
+    <cs:effectRef idx="0"/>
+    <cs:fontRef idx="minor">
+      <a:schemeClr val="tx1"/>
+    </cs:fontRef>
+    <cs:spPr>
+      <a:solidFill>
+        <a:schemeClr val="bg1"/>
+      </a:solidFill>
+      <a:ln w="9525" cap="flat" cmpd="sng" algn="ctr">
+        <a:solidFill>
+          <a:schemeClr val="tx1">
+            <a:lumMod val="15000"/>
+            <a:lumOff val="85000"/>
+          </a:schemeClr>
+        </a:solidFill>
+        <a:round/>
+      </a:ln>
+    </cs:spPr>
+    <cs:defRPr sz="1000" kern="1200"/>
+  </cs:chartArea>
+  <cs:dataLabel>
+    <cs:lnRef idx="0"/>
+    <cs:fillRef idx="0"/>
+    <cs:effectRef idx="0"/>
+    <cs:fontRef idx="minor">
+      <a:schemeClr val="tx1">
+        <a:lumMod val="75000"/>
+        <a:lumOff val="25000"/>
+      </a:schemeClr>
+    </cs:fontRef>
+    <cs:defRPr sz="900" kern="1200"/>
+  </cs:dataLabel>
+  <cs:dataLabelCallout>
+    <cs:lnRef idx="0"/>
+    <cs:fillRef idx="0"/>
+    <cs:effectRef idx="0"/>
+    <cs:fontRef idx="minor">
+      <a:schemeClr val="dk1">
+        <a:lumMod val="65000"/>
+        <a:lumOff val="35000"/>
+      </a:schemeClr>
+    </cs:fontRef>
+    <cs:spPr>
+      <a:solidFill>
+        <a:schemeClr val="lt1"/>
+      </a:solidFill>
+      <a:ln>
+        <a:solidFill>
+          <a:schemeClr val="dk1">
+            <a:lumMod val="25000"/>
+            <a:lumOff val="75000"/>
+          </a:schemeClr>
+        </a:solidFill>
+      </a:ln>
+    </cs:spPr>
+    <cs:defRPr sz="900" kern="1200"/>
+    <cs:bodyPr rot="0" spcFirstLastPara="1" vertOverflow="clip" horzOverflow="clip" vert="horz" wrap="square" lIns="36576" tIns="18288" rIns="36576" bIns="18288" anchor="ctr" anchorCtr="1">
+      <a:spAutoFit/>
+    </cs:bodyPr>
+  </cs:dataLabelCallout>
+  <cs:dataPoint>
+    <cs:lnRef idx="0"/>
+    <cs:fillRef idx="1">
+      <cs:styleClr val="auto"/>
+    </cs:fillRef>
+    <cs:effectRef idx="0"/>
+    <cs:fontRef idx="minor">
+      <a:schemeClr val="tx1"/>
+    </cs:fontRef>
+  </cs:dataPoint>
+  <cs:dataPoint3D>
+    <cs:lnRef idx="0"/>
+    <cs:fillRef idx="1">
+      <cs:styleClr val="auto"/>
+    </cs:fillRef>
+    <cs:effectRef idx="0"/>
+    <cs:fontRef idx="minor">
+      <a:schemeClr val="tx1"/>
+    </cs:fontRef>
+  </cs:dataPoint3D>
+  <cs:dataPointLine>
+    <cs:lnRef idx="0">
+      <cs:styleClr val="auto"/>
+    </cs:lnRef>
+    <cs:fillRef idx="1"/>
+    <cs:effectRef idx="0"/>
+    <cs:fontRef idx="minor">
+      <a:schemeClr val="tx1"/>
+    </cs:fontRef>
+    <cs:spPr>
+      <a:ln w="28575" cap="rnd">
+        <a:solidFill>
+          <a:schemeClr val="phClr"/>
+        </a:solidFill>
+        <a:round/>
+      </a:ln>
+    </cs:spPr>
+  </cs:dataPointLine>
+  <cs:dataPointMarker>
+    <cs:lnRef idx="0">
+      <cs:styleClr val="auto"/>
+    </cs:lnRef>
+    <cs:fillRef idx="1">
+      <cs:styleClr val="auto"/>
+    </cs:fillRef>
+    <cs:effectRef idx="0"/>
+    <cs:fontRef idx="minor">
+      <a:schemeClr val="tx1"/>
+    </cs:fontRef>
+    <cs:spPr>
+      <a:ln w="9525">
+        <a:solidFill>
+          <a:schemeClr val="phClr"/>
+        </a:solidFill>
+      </a:ln>
+    </cs:spPr>
+  </cs:dataPointMarker>
+  <cs:dataPointMarkerLayout symbol="circle" size="5"/>
+  <cs:dataPointWireframe>
+    <cs:lnRef idx="0">
+      <cs:styleClr val="auto"/>
+    </cs:lnRef>
+    <cs:fillRef idx="1"/>
+    <cs:effectRef idx="0"/>
+    <cs:fontRef idx="minor">
+      <a:schemeClr val="tx1"/>
+    </cs:fontRef>
+    <cs:spPr>
+      <a:ln w="9525" cap="rnd">
+        <a:solidFill>
+          <a:schemeClr val="phClr"/>
+        </a:solidFill>
+        <a:round/>
+      </a:ln>
+    </cs:spPr>
+  </cs:dataPointWireframe>
+  <cs:dataTable>
+    <cs:lnRef idx="0"/>
+    <cs:fillRef idx="0"/>
+    <cs:effectRef idx="0"/>
+    <cs:fontRef idx="minor">
+      <a:schemeClr val="tx1">
+        <a:lumMod val="65000"/>
+        <a:lumOff val="35000"/>
+      </a:schemeClr>
+    </cs:fontRef>
+    <cs:spPr>
+      <a:noFill/>
+      <a:ln w="9525" cap="flat" cmpd="sng" algn="ctr">
+        <a:solidFill>
+          <a:schemeClr val="tx1">
+            <a:lumMod val="15000"/>
+            <a:lumOff val="85000"/>
+          </a:schemeClr>
+        </a:solidFill>
+        <a:round/>
+      </a:ln>
+    </cs:spPr>
+    <cs:defRPr sz="900" kern="1200"/>
+  </cs:dataTable>
+  <cs:downBar>
+    <cs:lnRef idx="0"/>
+    <cs:fillRef idx="0"/>
+    <cs:effectRef idx="0"/>
+    <cs:fontRef idx="minor">
+      <a:schemeClr val="dk1"/>
+    </cs:fontRef>
+    <cs:spPr>
+      <a:solidFill>
+        <a:schemeClr val="dk1">
+          <a:lumMod val="65000"/>
+          <a:lumOff val="35000"/>
+        </a:schemeClr>
+      </a:solidFill>
+      <a:ln w="9525">
+        <a:solidFill>
+          <a:schemeClr val="tx1">
+            <a:lumMod val="65000"/>
+            <a:lumOff val="35000"/>
+          </a:schemeClr>
+        </a:solidFill>
+      </a:ln>
+    </cs:spPr>
+  </cs:downBar>
+  <cs:dropLine>
+    <cs:lnRef idx="0"/>
+    <cs:fillRef idx="0"/>
+    <cs:effectRef idx="0"/>
+    <cs:fontRef idx="minor">
+      <a:schemeClr val="tx1"/>
+    </cs:fontRef>
+    <cs:spPr>
+      <a:ln w="9525" cap="flat" cmpd="sng" algn="ctr">
+        <a:solidFill>
+          <a:schemeClr val="tx1">
+            <a:lumMod val="35000"/>
+            <a:lumOff val="65000"/>
+          </a:schemeClr>
+        </a:solidFill>
+        <a:round/>
+      </a:ln>
+    </cs:spPr>
+  </cs:dropLine>
+  <cs:errorBar>
+    <cs:lnRef idx="0"/>
+    <cs:fillRef idx="0"/>
+    <cs:effectRef idx="0"/>
+    <cs:fontRef idx="minor">
+      <a:schemeClr val="tx1"/>
+    </cs:fontRef>
+    <cs:spPr>
+      <a:ln w="9525" cap="flat" cmpd="sng" algn="ctr">
+        <a:solidFill>
+          <a:schemeClr val="tx1">
+            <a:lumMod val="65000"/>
+            <a:lumOff val="35000"/>
+          </a:schemeClr>
+        </a:solidFill>
+        <a:round/>
+      </a:ln>
+    </cs:spPr>
+  </cs:errorBar>
+  <cs:floor>
+    <cs:lnRef idx="0"/>
+    <cs:fillRef idx="0"/>
+    <cs:effectRef idx="0"/>
+    <cs:fontRef idx="minor">
+      <a:schemeClr val="tx1"/>
+    </cs:fontRef>
+    <cs:spPr>
+      <a:noFill/>
+      <a:ln>
+        <a:noFill/>
+      </a:ln>
+    </cs:spPr>
+  </cs:floor>
+  <cs:gridlineMajor>
+    <cs:lnRef idx="0"/>
+    <cs:fillRef idx="0"/>
+    <cs:effectRef idx="0"/>
+    <cs:fontRef idx="minor">
+      <a:schemeClr val="tx1"/>
+    </cs:fontRef>
+    <cs:spPr>
+      <a:ln w="9525" cap="flat" cmpd="sng" algn="ctr">
+        <a:solidFill>
+          <a:schemeClr val="tx1">
+            <a:lumMod val="15000"/>
+            <a:lumOff val="85000"/>
+          </a:schemeClr>
+        </a:solidFill>
+        <a:round/>
+      </a:ln>
+    </cs:spPr>
+  </cs:gridlineMajor>
+  <cs:gridlineMinor>
+    <cs:lnRef idx="0"/>
+    <cs:fillRef idx="0"/>
+    <cs:effectRef idx="0"/>
+    <cs:fontRef idx="minor">
+      <a:schemeClr val="tx1"/>
+    </cs:fontRef>
+    <cs:spPr>
+      <a:ln w="9525" cap="flat" cmpd="sng" algn="ctr">
+        <a:solidFill>
+          <a:schemeClr val="tx1">
+            <a:lumMod val="5000"/>
+            <a:lumOff val="95000"/>
+          </a:schemeClr>
+        </a:solidFill>
+        <a:round/>
+      </a:ln>
+    </cs:spPr>
+  </cs:gridlineMinor>
+  <cs:hiLoLine>
+    <cs:lnRef idx="0"/>
+    <cs:fillRef idx="0"/>
+    <cs:effectRef idx="0"/>
+    <cs:fontRef idx="minor">
+      <a:schemeClr val="tx1"/>
+    </cs:fontRef>
+    <cs:spPr>
+      <a:ln w="9525" cap="flat" cmpd="sng" algn="ctr">
+        <a:solidFill>
+          <a:schemeClr val="tx1">
+            <a:lumMod val="75000"/>
+            <a:lumOff val="25000"/>
+          </a:schemeClr>
+        </a:solidFill>
+        <a:round/>
+      </a:ln>
+    </cs:spPr>
+  </cs:hiLoLine>
+  <cs:leaderLine>
+    <cs:lnRef idx="0"/>
+    <cs:fillRef idx="0"/>
+    <cs:effectRef idx="0"/>
+    <cs:fontRef idx="minor">
+      <a:schemeClr val="tx1"/>
+    </cs:fontRef>
+    <cs:spPr>
+      <a:ln w="9525" cap="flat" cmpd="sng" algn="ctr">
+        <a:solidFill>
+          <a:schemeClr val="tx1">
+            <a:lumMod val="35000"/>
+            <a:lumOff val="65000"/>
+          </a:schemeClr>
+        </a:solidFill>
+        <a:round/>
+      </a:ln>
+    </cs:spPr>
+  </cs:leaderLine>
+  <cs:legend>
+    <cs:lnRef idx="0"/>
+    <cs:fillRef idx="0"/>
+    <cs:effectRef idx="0"/>
+    <cs:fontRef idx="minor">
+      <a:schemeClr val="tx1">
+        <a:lumMod val="65000"/>
+        <a:lumOff val="35000"/>
+      </a:schemeClr>
+    </cs:fontRef>
+    <cs:defRPr sz="900" kern="1200"/>
+  </cs:legend>
+  <cs:plotArea mods="allowNoFillOverride allowNoLineOverride">
+    <cs:lnRef idx="0"/>
+    <cs:fillRef idx="0"/>
+    <cs:effectRef idx="0"/>
+    <cs:fontRef idx="minor">
+      <a:schemeClr val="tx1"/>
+    </cs:fontRef>
+  </cs:plotArea>
+  <cs:plotArea3D mods="allowNoFillOverride allowNoLineOverride">
+    <cs:lnRef idx="0"/>
+    <cs:fillRef idx="0"/>
+    <cs:effectRef idx="0"/>
+    <cs:fontRef idx="minor">
+      <a:schemeClr val="tx1"/>
+    </cs:fontRef>
+  </cs:plotArea3D>
+  <cs:seriesAxis>
+    <cs:lnRef idx="0"/>
+    <cs:fillRef idx="0"/>
+    <cs:effectRef idx="0"/>
+    <cs:fontRef idx="minor">
+      <a:schemeClr val="tx1">
+        <a:lumMod val="65000"/>
+        <a:lumOff val="35000"/>
+      </a:schemeClr>
+    </cs:fontRef>
+    <cs:defRPr sz="900" kern="1200"/>
+  </cs:seriesAxis>
+  <cs:seriesLine>
+    <cs:lnRef idx="0"/>
+    <cs:fillRef idx="0"/>
+    <cs:effectRef idx="0"/>
+    <cs:fontRef idx="minor">
+      <a:schemeClr val="tx1"/>
+    </cs:fontRef>
+    <cs:spPr>
+      <a:ln w="9525" cap="flat" cmpd="sng" algn="ctr">
+        <a:solidFill>
+          <a:schemeClr val="tx1">
+            <a:lumMod val="35000"/>
+            <a:lumOff val="65000"/>
+          </a:schemeClr>
+        </a:solidFill>
+        <a:round/>
+      </a:ln>
+    </cs:spPr>
+  </cs:seriesLine>
+  <cs:title>
+    <cs:lnRef idx="0"/>
+    <cs:fillRef idx="0"/>
+    <cs:effectRef idx="0"/>
+    <cs:fontRef idx="minor">
+      <a:schemeClr val="tx1">
+        <a:lumMod val="65000"/>
+        <a:lumOff val="35000"/>
+      </a:schemeClr>
+    </cs:fontRef>
+    <cs:defRPr sz="1400" b="0" kern="1200" spc="0" baseline="0"/>
+  </cs:title>
+  <cs:trendline>
+    <cs:lnRef idx="0">
+      <cs:styleClr val="auto"/>
+    </cs:lnRef>
+    <cs:fillRef idx="0"/>
+    <cs:effectRef idx="0"/>
+    <cs:fontRef idx="minor">
+      <a:schemeClr val="tx1"/>
+    </cs:fontRef>
+    <cs:spPr>
+      <a:ln w="19050" cap="rnd">
+        <a:solidFill>
+          <a:schemeClr val="phClr"/>
+        </a:solidFill>
+        <a:prstDash val="sysDot"/>
+      </a:ln>
+    </cs:spPr>
+  </cs:trendline>
+  <cs:trendlineLabel>
+    <cs:lnRef idx="0"/>
+    <cs:fillRef idx="0"/>
+    <cs:effectRef idx="0"/>
+    <cs:fontRef idx="minor">
+      <a:schemeClr val="tx1">
+        <a:lumMod val="65000"/>
+        <a:lumOff val="35000"/>
+      </a:schemeClr>
+    </cs:fontRef>
+    <cs:defRPr sz="900" kern="1200"/>
+  </cs:trendlineLabel>
+  <cs:upBar>
+    <cs:lnRef idx="0"/>
+    <cs:fillRef idx="0"/>
+    <cs:effectRef idx="0"/>
+    <cs:fontRef idx="minor">
+      <a:schemeClr val="dk1"/>
+    </cs:fontRef>
+    <cs:spPr>
+      <a:solidFill>
+        <a:schemeClr val="lt1"/>
+      </a:solidFill>
+      <a:ln w="9525">
+        <a:solidFill>
+          <a:schemeClr val="tx1">
+            <a:lumMod val="15000"/>
+            <a:lumOff val="85000"/>
+          </a:schemeClr>
+        </a:solidFill>
+      </a:ln>
+    </cs:spPr>
+  </cs:upBar>
+  <cs:valueAxis>
+    <cs:lnRef idx="0"/>
+    <cs:fillRef idx="0"/>
+    <cs:effectRef idx="0"/>
+    <cs:fontRef idx="minor">
+      <a:schemeClr val="tx1">
+        <a:lumMod val="65000"/>
+        <a:lumOff val="35000"/>
+      </a:schemeClr>
+    </cs:fontRef>
+    <cs:defRPr sz="900" kern="1200"/>
+  </cs:valueAxis>
+  <cs:wall>
+    <cs:lnRef idx="0"/>
+    <cs:fillRef idx="0"/>
+    <cs:effectRef idx="0"/>
+    <cs:fontRef idx="minor">
+      <a:schemeClr val="tx1"/>
+    </cs:fontRef>
+    <cs:spPr>
+      <a:noFill/>
+      <a:ln>
+        <a:noFill/>
+      </a:ln>
+    </cs:spPr>
+  </cs:wall>
+</cs:chartStyle>
+</file>
+
+<file path=ppt/charts/style4.xml><?xml version="1.0" encoding="utf-8"?>
+<cs:chartStyle xmlns:cs="http://schemas.microsoft.com/office/drawing/2012/chartStyle" xmlns:a="http://schemas.openxmlformats.org/drawingml/2006/main" id="201">
+  <cs:axisTitle>
+    <cs:lnRef idx="0"/>
+    <cs:fillRef idx="0"/>
+    <cs:effectRef idx="0"/>
+    <cs:fontRef idx="minor">
+      <a:schemeClr val="tx1">
+        <a:lumMod val="65000"/>
+        <a:lumOff val="35000"/>
+      </a:schemeClr>
+    </cs:fontRef>
+    <cs:defRPr sz="1000" kern="1200"/>
+  </cs:axisTitle>
+  <cs:categoryAxis>
+    <cs:lnRef idx="0"/>
+    <cs:fillRef idx="0"/>
+    <cs:effectRef idx="0"/>
+    <cs:fontRef idx="minor">
+      <a:schemeClr val="tx1">
+        <a:lumMod val="65000"/>
+        <a:lumOff val="35000"/>
+      </a:schemeClr>
+    </cs:fontRef>
+    <cs:spPr>
+      <a:ln w="9525" cap="flat" cmpd="sng" algn="ctr">
+        <a:solidFill>
+          <a:schemeClr val="tx1">
+            <a:lumMod val="15000"/>
+            <a:lumOff val="85000"/>
+          </a:schemeClr>
+        </a:solidFill>
+        <a:round/>
+      </a:ln>
+    </cs:spPr>
+    <cs:defRPr sz="900" kern="1200"/>
+  </cs:categoryAxis>
+  <cs:chartArea mods="allowNoFillOverride allowNoLineOverride">
+    <cs:lnRef idx="0"/>
+    <cs:fillRef idx="0"/>
+    <cs:effectRef idx="0"/>
+    <cs:fontRef idx="minor">
+      <a:schemeClr val="tx1"/>
+    </cs:fontRef>
+    <cs:spPr>
+      <a:solidFill>
+        <a:schemeClr val="bg1"/>
+      </a:solidFill>
+      <a:ln w="9525" cap="flat" cmpd="sng" algn="ctr">
+        <a:solidFill>
+          <a:schemeClr val="tx1">
+            <a:lumMod val="15000"/>
+            <a:lumOff val="85000"/>
+          </a:schemeClr>
+        </a:solidFill>
+        <a:round/>
+      </a:ln>
+    </cs:spPr>
+    <cs:defRPr sz="1000" kern="1200"/>
+  </cs:chartArea>
+  <cs:dataLabel>
+    <cs:lnRef idx="0"/>
+    <cs:fillRef idx="0"/>
+    <cs:effectRef idx="0"/>
+    <cs:fontRef idx="minor">
+      <a:schemeClr val="tx1">
+        <a:lumMod val="75000"/>
+        <a:lumOff val="25000"/>
+      </a:schemeClr>
+    </cs:fontRef>
+    <cs:defRPr sz="900" kern="1200"/>
+  </cs:dataLabel>
+  <cs:dataLabelCallout>
+    <cs:lnRef idx="0"/>
+    <cs:fillRef idx="0"/>
+    <cs:effectRef idx="0"/>
+    <cs:fontRef idx="minor">
+      <a:schemeClr val="dk1">
+        <a:lumMod val="65000"/>
+        <a:lumOff val="35000"/>
+      </a:schemeClr>
+    </cs:fontRef>
+    <cs:spPr>
+      <a:solidFill>
+        <a:schemeClr val="lt1"/>
+      </a:solidFill>
+      <a:ln>
+        <a:solidFill>
+          <a:schemeClr val="dk1">
+            <a:lumMod val="25000"/>
+            <a:lumOff val="75000"/>
+          </a:schemeClr>
+        </a:solidFill>
+      </a:ln>
+    </cs:spPr>
+    <cs:defRPr sz="900" kern="1200"/>
+    <cs:bodyPr rot="0" spcFirstLastPara="1" vertOverflow="clip" horzOverflow="clip" vert="horz" wrap="square" lIns="36576" tIns="18288" rIns="36576" bIns="18288" anchor="ctr" anchorCtr="1">
+      <a:spAutoFit/>
+    </cs:bodyPr>
+  </cs:dataLabelCallout>
+  <cs:dataPoint>
+    <cs:lnRef idx="0"/>
+    <cs:fillRef idx="1">
+      <cs:styleClr val="auto"/>
+    </cs:fillRef>
+    <cs:effectRef idx="0"/>
+    <cs:fontRef idx="minor">
+      <a:schemeClr val="tx1"/>
+    </cs:fontRef>
+  </cs:dataPoint>
+  <cs:dataPoint3D>
+    <cs:lnRef idx="0"/>
+    <cs:fillRef idx="1">
+      <cs:styleClr val="auto"/>
+    </cs:fillRef>
+    <cs:effectRef idx="0"/>
+    <cs:fontRef idx="minor">
+      <a:schemeClr val="tx1"/>
+    </cs:fontRef>
+  </cs:dataPoint3D>
+  <cs:dataPointLine>
+    <cs:lnRef idx="0">
+      <cs:styleClr val="auto"/>
+    </cs:lnRef>
+    <cs:fillRef idx="1"/>
+    <cs:effectRef idx="0"/>
+    <cs:fontRef idx="minor">
+      <a:schemeClr val="tx1"/>
+    </cs:fontRef>
+    <cs:spPr>
+      <a:ln w="28575" cap="rnd">
+        <a:solidFill>
+          <a:schemeClr val="phClr"/>
+        </a:solidFill>
+        <a:round/>
+      </a:ln>
+    </cs:spPr>
+  </cs:dataPointLine>
+  <cs:dataPointMarker>
+    <cs:lnRef idx="0">
+      <cs:styleClr val="auto"/>
+    </cs:lnRef>
+    <cs:fillRef idx="1">
+      <cs:styleClr val="auto"/>
+    </cs:fillRef>
+    <cs:effectRef idx="0"/>
+    <cs:fontRef idx="minor">
+      <a:schemeClr val="tx1"/>
+    </cs:fontRef>
+    <cs:spPr>
+      <a:ln w="9525">
+        <a:solidFill>
+          <a:schemeClr val="phClr"/>
+        </a:solidFill>
+      </a:ln>
+    </cs:spPr>
+  </cs:dataPointMarker>
+  <cs:dataPointMarkerLayout symbol="circle" size="5"/>
+  <cs:dataPointWireframe>
+    <cs:lnRef idx="0">
+      <cs:styleClr val="auto"/>
+    </cs:lnRef>
+    <cs:fillRef idx="1"/>
+    <cs:effectRef idx="0"/>
+    <cs:fontRef idx="minor">
+      <a:schemeClr val="tx1"/>
+    </cs:fontRef>
+    <cs:spPr>
+      <a:ln w="9525" cap="rnd">
+        <a:solidFill>
+          <a:schemeClr val="phClr"/>
+        </a:solidFill>
+        <a:round/>
+      </a:ln>
+    </cs:spPr>
+  </cs:dataPointWireframe>
+  <cs:dataTable>
+    <cs:lnRef idx="0"/>
+    <cs:fillRef idx="0"/>
+    <cs:effectRef idx="0"/>
+    <cs:fontRef idx="minor">
+      <a:schemeClr val="tx1">
+        <a:lumMod val="65000"/>
+        <a:lumOff val="35000"/>
+      </a:schemeClr>
+    </cs:fontRef>
+    <cs:spPr>
+      <a:noFill/>
+      <a:ln w="9525" cap="flat" cmpd="sng" algn="ctr">
+        <a:solidFill>
+          <a:schemeClr val="tx1">
+            <a:lumMod val="15000"/>
+            <a:lumOff val="85000"/>
+          </a:schemeClr>
+        </a:solidFill>
+        <a:round/>
+      </a:ln>
+    </cs:spPr>
+    <cs:defRPr sz="900" kern="1200"/>
+  </cs:dataTable>
+  <cs:downBar>
+    <cs:lnRef idx="0"/>
+    <cs:fillRef idx="0"/>
+    <cs:effectRef idx="0"/>
+    <cs:fontRef idx="minor">
+      <a:schemeClr val="dk1"/>
+    </cs:fontRef>
+    <cs:spPr>
+      <a:solidFill>
+        <a:schemeClr val="dk1">
+          <a:lumMod val="65000"/>
+          <a:lumOff val="35000"/>
+        </a:schemeClr>
+      </a:solidFill>
+      <a:ln w="9525">
+        <a:solidFill>
+          <a:schemeClr val="tx1">
+            <a:lumMod val="65000"/>
+            <a:lumOff val="35000"/>
+          </a:schemeClr>
+        </a:solidFill>
+      </a:ln>
+    </cs:spPr>
+  </cs:downBar>
+  <cs:dropLine>
+    <cs:lnRef idx="0"/>
+    <cs:fillRef idx="0"/>
+    <cs:effectRef idx="0"/>
+    <cs:fontRef idx="minor">
+      <a:schemeClr val="tx1"/>
+    </cs:fontRef>
+    <cs:spPr>
+      <a:ln w="9525" cap="flat" cmpd="sng" algn="ctr">
+        <a:solidFill>
+          <a:schemeClr val="tx1">
+            <a:lumMod val="35000"/>
+            <a:lumOff val="65000"/>
+          </a:schemeClr>
+        </a:solidFill>
+        <a:round/>
+      </a:ln>
+    </cs:spPr>
+  </cs:dropLine>
+  <cs:errorBar>
+    <cs:lnRef idx="0"/>
+    <cs:fillRef idx="0"/>
+    <cs:effectRef idx="0"/>
+    <cs:fontRef idx="minor">
+      <a:schemeClr val="tx1"/>
+    </cs:fontRef>
+    <cs:spPr>
+      <a:ln w="9525" cap="flat" cmpd="sng" algn="ctr">
+        <a:solidFill>
+          <a:schemeClr val="tx1">
+            <a:lumMod val="65000"/>
+            <a:lumOff val="35000"/>
+          </a:schemeClr>
+        </a:solidFill>
+        <a:round/>
+      </a:ln>
+    </cs:spPr>
+  </cs:errorBar>
+  <cs:floor>
+    <cs:lnRef idx="0"/>
+    <cs:fillRef idx="0"/>
+    <cs:effectRef idx="0"/>
+    <cs:fontRef idx="minor">
+      <a:schemeClr val="tx1"/>
+    </cs:fontRef>
+    <cs:spPr>
+      <a:noFill/>
+      <a:ln>
+        <a:noFill/>
+      </a:ln>
+    </cs:spPr>
+  </cs:floor>
+  <cs:gridlineMajor>
+    <cs:lnRef idx="0"/>
+    <cs:fillRef idx="0"/>
+    <cs:effectRef idx="0"/>
+    <cs:fontRef idx="minor">
+      <a:schemeClr val="tx1"/>
+    </cs:fontRef>
+    <cs:spPr>
+      <a:ln w="9525" cap="flat" cmpd="sng" algn="ctr">
+        <a:solidFill>
+          <a:schemeClr val="tx1">
+            <a:lumMod val="15000"/>
+            <a:lumOff val="85000"/>
+          </a:schemeClr>
+        </a:solidFill>
+        <a:round/>
+      </a:ln>
+    </cs:spPr>
+  </cs:gridlineMajor>
+  <cs:gridlineMinor>
+    <cs:lnRef idx="0"/>
+    <cs:fillRef idx="0"/>
+    <cs:effectRef idx="0"/>
+    <cs:fontRef idx="minor">
+      <a:schemeClr val="tx1"/>
+    </cs:fontRef>
+    <cs:spPr>
+      <a:ln w="9525" cap="flat" cmpd="sng" algn="ctr">
+        <a:solidFill>
+          <a:schemeClr val="tx1">
+            <a:lumMod val="5000"/>
+            <a:lumOff val="95000"/>
+          </a:schemeClr>
+        </a:solidFill>
+        <a:round/>
+      </a:ln>
+    </cs:spPr>
+  </cs:gridlineMinor>
+  <cs:hiLoLine>
+    <cs:lnRef idx="0"/>
+    <cs:fillRef idx="0"/>
+    <cs:effectRef idx="0"/>
+    <cs:fontRef idx="minor">
+      <a:schemeClr val="tx1"/>
+    </cs:fontRef>
+    <cs:spPr>
+      <a:ln w="9525" cap="flat" cmpd="sng" algn="ctr">
+        <a:solidFill>
+          <a:schemeClr val="tx1">
+            <a:lumMod val="75000"/>
+            <a:lumOff val="25000"/>
+          </a:schemeClr>
+        </a:solidFill>
+        <a:round/>
+      </a:ln>
+    </cs:spPr>
+  </cs:hiLoLine>
+  <cs:leaderLine>
+    <cs:lnRef idx="0"/>
+    <cs:fillRef idx="0"/>
+    <cs:effectRef idx="0"/>
+    <cs:fontRef idx="minor">
+      <a:schemeClr val="tx1"/>
+    </cs:fontRef>
+    <cs:spPr>
+      <a:ln w="9525" cap="flat" cmpd="sng" algn="ctr">
+        <a:solidFill>
+          <a:schemeClr val="tx1">
+            <a:lumMod val="35000"/>
+            <a:lumOff val="65000"/>
+          </a:schemeClr>
+        </a:solidFill>
+        <a:round/>
+      </a:ln>
+    </cs:spPr>
+  </cs:leaderLine>
+  <cs:legend>
+    <cs:lnRef idx="0"/>
+    <cs:fillRef idx="0"/>
+    <cs:effectRef idx="0"/>
+    <cs:fontRef idx="minor">
+      <a:schemeClr val="tx1">
+        <a:lumMod val="65000"/>
+        <a:lumOff val="35000"/>
+      </a:schemeClr>
+    </cs:fontRef>
+    <cs:defRPr sz="900" kern="1200"/>
+  </cs:legend>
+  <cs:plotArea mods="allowNoFillOverride allowNoLineOverride">
+    <cs:lnRef idx="0"/>
+    <cs:fillRef idx="0"/>
+    <cs:effectRef idx="0"/>
+    <cs:fontRef idx="minor">
+      <a:schemeClr val="tx1"/>
+    </cs:fontRef>
+  </cs:plotArea>
+  <cs:plotArea3D mods="allowNoFillOverride allowNoLineOverride">
+    <cs:lnRef idx="0"/>
+    <cs:fillRef idx="0"/>
+    <cs:effectRef idx="0"/>
+    <cs:fontRef idx="minor">
+      <a:schemeClr val="tx1"/>
+    </cs:fontRef>
+  </cs:plotArea3D>
+  <cs:seriesAxis>
+    <cs:lnRef idx="0"/>
+    <cs:fillRef idx="0"/>
+    <cs:effectRef idx="0"/>
+    <cs:fontRef idx="minor">
+      <a:schemeClr val="tx1">
+        <a:lumMod val="65000"/>
+        <a:lumOff val="35000"/>
+      </a:schemeClr>
+    </cs:fontRef>
+    <cs:defRPr sz="900" kern="1200"/>
+  </cs:seriesAxis>
+  <cs:seriesLine>
+    <cs:lnRef idx="0"/>
+    <cs:fillRef idx="0"/>
+    <cs:effectRef idx="0"/>
+    <cs:fontRef idx="minor">
+      <a:schemeClr val="tx1"/>
+    </cs:fontRef>
+    <cs:spPr>
+      <a:ln w="9525" cap="flat" cmpd="sng" algn="ctr">
+        <a:solidFill>
+          <a:schemeClr val="tx1">
+            <a:lumMod val="35000"/>
+            <a:lumOff val="65000"/>
+          </a:schemeClr>
+        </a:solidFill>
+        <a:round/>
+      </a:ln>
+    </cs:spPr>
+  </cs:seriesLine>
+  <cs:title>
+    <cs:lnRef idx="0"/>
+    <cs:fillRef idx="0"/>
+    <cs:effectRef idx="0"/>
+    <cs:fontRef idx="minor">
+      <a:schemeClr val="tx1">
+        <a:lumMod val="65000"/>
+        <a:lumOff val="35000"/>
+      </a:schemeClr>
+    </cs:fontRef>
+    <cs:defRPr sz="1400" b="0" kern="1200" spc="0" baseline="0"/>
+  </cs:title>
+  <cs:trendline>
+    <cs:lnRef idx="0">
+      <cs:styleClr val="auto"/>
+    </cs:lnRef>
+    <cs:fillRef idx="0"/>
+    <cs:effectRef idx="0"/>
+    <cs:fontRef idx="minor">
+      <a:schemeClr val="tx1"/>
+    </cs:fontRef>
+    <cs:spPr>
+      <a:ln w="19050" cap="rnd">
+        <a:solidFill>
+          <a:schemeClr val="phClr"/>
+        </a:solidFill>
+        <a:prstDash val="sysDot"/>
+      </a:ln>
+    </cs:spPr>
+  </cs:trendline>
+  <cs:trendlineLabel>
+    <cs:lnRef idx="0"/>
+    <cs:fillRef idx="0"/>
+    <cs:effectRef idx="0"/>
+    <cs:fontRef idx="minor">
+      <a:schemeClr val="tx1">
+        <a:lumMod val="65000"/>
+        <a:lumOff val="35000"/>
+      </a:schemeClr>
+    </cs:fontRef>
+    <cs:defRPr sz="900" kern="1200"/>
+  </cs:trendlineLabel>
+  <cs:upBar>
+    <cs:lnRef idx="0"/>
+    <cs:fillRef idx="0"/>
+    <cs:effectRef idx="0"/>
+    <cs:fontRef idx="minor">
+      <a:schemeClr val="dk1"/>
+    </cs:fontRef>
+    <cs:spPr>
+      <a:solidFill>
+        <a:schemeClr val="lt1"/>
+      </a:solidFill>
+      <a:ln w="9525">
+        <a:solidFill>
+          <a:schemeClr val="tx1">
+            <a:lumMod val="15000"/>
+            <a:lumOff val="85000"/>
+          </a:schemeClr>
+        </a:solidFill>
+      </a:ln>
+    </cs:spPr>
+  </cs:upBar>
+  <cs:valueAxis>
+    <cs:lnRef idx="0"/>
+    <cs:fillRef idx="0"/>
+    <cs:effectRef idx="0"/>
+    <cs:fontRef idx="minor">
+      <a:schemeClr val="tx1">
+        <a:lumMod val="65000"/>
+        <a:lumOff val="35000"/>
+      </a:schemeClr>
+    </cs:fontRef>
+    <cs:defRPr sz="900" kern="1200"/>
+  </cs:valueAxis>
+  <cs:wall>
+    <cs:lnRef idx="0"/>
+    <cs:fillRef idx="0"/>
+    <cs:effectRef idx="0"/>
+    <cs:fontRef idx="minor">
+      <a:schemeClr val="tx1"/>
+    </cs:fontRef>
+    <cs:spPr>
+      <a:noFill/>
+      <a:ln>
+        <a:noFill/>
+      </a:ln>
+    </cs:spPr>
+  </cs:wall>
+</cs:chartStyle>
+</file>
+
+<file path=ppt/charts/style5.xml><?xml version="1.0" encoding="utf-8"?>
+<cs:chartStyle xmlns:cs="http://schemas.microsoft.com/office/drawing/2012/chartStyle" xmlns:a="http://schemas.openxmlformats.org/drawingml/2006/main" id="201">
+  <cs:axisTitle>
+    <cs:lnRef idx="0"/>
+    <cs:fillRef idx="0"/>
+    <cs:effectRef idx="0"/>
+    <cs:fontRef idx="minor">
+      <a:schemeClr val="tx1">
+        <a:lumMod val="65000"/>
+        <a:lumOff val="35000"/>
+      </a:schemeClr>
+    </cs:fontRef>
+    <cs:defRPr sz="1000" kern="1200"/>
+  </cs:axisTitle>
+  <cs:categoryAxis>
+    <cs:lnRef idx="0"/>
+    <cs:fillRef idx="0"/>
+    <cs:effectRef idx="0"/>
+    <cs:fontRef idx="minor">
+      <a:schemeClr val="tx1">
+        <a:lumMod val="65000"/>
+        <a:lumOff val="35000"/>
+      </a:schemeClr>
+    </cs:fontRef>
+    <cs:spPr>
+      <a:ln w="9525" cap="flat" cmpd="sng" algn="ctr">
+        <a:solidFill>
+          <a:schemeClr val="tx1">
+            <a:lumMod val="15000"/>
+            <a:lumOff val="85000"/>
+          </a:schemeClr>
+        </a:solidFill>
+        <a:round/>
+      </a:ln>
+    </cs:spPr>
+    <cs:defRPr sz="900" kern="1200"/>
+  </cs:categoryAxis>
+  <cs:chartArea mods="allowNoFillOverride allowNoLineOverride">
+    <cs:lnRef idx="0"/>
+    <cs:fillRef idx="0"/>
+    <cs:effectRef idx="0"/>
+    <cs:fontRef idx="minor">
+      <a:schemeClr val="tx1"/>
+    </cs:fontRef>
+    <cs:spPr>
+      <a:solidFill>
+        <a:schemeClr val="bg1"/>
+      </a:solidFill>
+      <a:ln w="9525" cap="flat" cmpd="sng" algn="ctr">
+        <a:solidFill>
+          <a:schemeClr val="tx1">
+            <a:lumMod val="15000"/>
+            <a:lumOff val="85000"/>
+          </a:schemeClr>
+        </a:solidFill>
+        <a:round/>
+      </a:ln>
+    </cs:spPr>
+    <cs:defRPr sz="1000" kern="1200"/>
+  </cs:chartArea>
+  <cs:dataLabel>
+    <cs:lnRef idx="0"/>
+    <cs:fillRef idx="0"/>
+    <cs:effectRef idx="0"/>
+    <cs:fontRef idx="minor">
+      <a:schemeClr val="tx1">
+        <a:lumMod val="75000"/>
+        <a:lumOff val="25000"/>
+      </a:schemeClr>
+    </cs:fontRef>
+    <cs:defRPr sz="900" kern="1200"/>
+  </cs:dataLabel>
+  <cs:dataLabelCallout>
+    <cs:lnRef idx="0"/>
+    <cs:fillRef idx="0"/>
+    <cs:effectRef idx="0"/>
+    <cs:fontRef idx="minor">
+      <a:schemeClr val="dk1">
+        <a:lumMod val="65000"/>
+        <a:lumOff val="35000"/>
+      </a:schemeClr>
+    </cs:fontRef>
+    <cs:spPr>
+      <a:solidFill>
+        <a:schemeClr val="lt1"/>
+      </a:solidFill>
+      <a:ln>
+        <a:solidFill>
+          <a:schemeClr val="dk1">
+            <a:lumMod val="25000"/>
+            <a:lumOff val="75000"/>
+          </a:schemeClr>
+        </a:solidFill>
+      </a:ln>
+    </cs:spPr>
+    <cs:defRPr sz="900" kern="1200"/>
+    <cs:bodyPr rot="0" spcFirstLastPara="1" vertOverflow="clip" horzOverflow="clip" vert="horz" wrap="square" lIns="36576" tIns="18288" rIns="36576" bIns="18288" anchor="ctr" anchorCtr="1">
+      <a:spAutoFit/>
+    </cs:bodyPr>
+  </cs:dataLabelCallout>
+  <cs:dataPoint>
+    <cs:lnRef idx="0"/>
+    <cs:fillRef idx="1">
+      <cs:styleClr val="auto"/>
+    </cs:fillRef>
+    <cs:effectRef idx="0"/>
+    <cs:fontRef idx="minor">
+      <a:schemeClr val="tx1"/>
+    </cs:fontRef>
+  </cs:dataPoint>
+  <cs:dataPoint3D>
+    <cs:lnRef idx="0"/>
+    <cs:fillRef idx="1">
+      <cs:styleClr val="auto"/>
+    </cs:fillRef>
+    <cs:effectRef idx="0"/>
+    <cs:fontRef idx="minor">
+      <a:schemeClr val="tx1"/>
+    </cs:fontRef>
+  </cs:dataPoint3D>
+  <cs:dataPointLine>
+    <cs:lnRef idx="0">
+      <cs:styleClr val="auto"/>
+    </cs:lnRef>
+    <cs:fillRef idx="1"/>
+    <cs:effectRef idx="0"/>
+    <cs:fontRef idx="minor">
+      <a:schemeClr val="tx1"/>
+    </cs:fontRef>
+    <cs:spPr>
+      <a:ln w="28575" cap="rnd">
+        <a:solidFill>
+          <a:schemeClr val="phClr"/>
+        </a:solidFill>
+        <a:round/>
+      </a:ln>
+    </cs:spPr>
+  </cs:dataPointLine>
+  <cs:dataPointMarker>
+    <cs:lnRef idx="0">
+      <cs:styleClr val="auto"/>
+    </cs:lnRef>
+    <cs:fillRef idx="1">
+      <cs:styleClr val="auto"/>
+    </cs:fillRef>
+    <cs:effectRef idx="0"/>
+    <cs:fontRef idx="minor">
+      <a:schemeClr val="tx1"/>
+    </cs:fontRef>
+    <cs:spPr>
+      <a:ln w="9525">
+        <a:solidFill>
+          <a:schemeClr val="phClr"/>
+        </a:solidFill>
+      </a:ln>
+    </cs:spPr>
+  </cs:dataPointMarker>
+  <cs:dataPointMarkerLayout symbol="circle" size="5"/>
+  <cs:dataPointWireframe>
+    <cs:lnRef idx="0">
+      <cs:styleClr val="auto"/>
+    </cs:lnRef>
+    <cs:fillRef idx="1"/>
+    <cs:effectRef idx="0"/>
+    <cs:fontRef idx="minor">
+      <a:schemeClr val="tx1"/>
+    </cs:fontRef>
+    <cs:spPr>
+      <a:ln w="9525" cap="rnd">
+        <a:solidFill>
+          <a:schemeClr val="phClr"/>
+        </a:solidFill>
+        <a:round/>
+      </a:ln>
+    </cs:spPr>
+  </cs:dataPointWireframe>
+  <cs:dataTable>
+    <cs:lnRef idx="0"/>
+    <cs:fillRef idx="0"/>
+    <cs:effectRef idx="0"/>
+    <cs:fontRef idx="minor">
+      <a:schemeClr val="tx1">
+        <a:lumMod val="65000"/>
+        <a:lumOff val="35000"/>
+      </a:schemeClr>
+    </cs:fontRef>
+    <cs:spPr>
+      <a:noFill/>
+      <a:ln w="9525" cap="flat" cmpd="sng" algn="ctr">
+        <a:solidFill>
+          <a:schemeClr val="tx1">
+            <a:lumMod val="15000"/>
+            <a:lumOff val="85000"/>
+          </a:schemeClr>
+        </a:solidFill>
+        <a:round/>
+      </a:ln>
+    </cs:spPr>
+    <cs:defRPr sz="900" kern="1200"/>
+  </cs:dataTable>
+  <cs:downBar>
+    <cs:lnRef idx="0"/>
+    <cs:fillRef idx="0"/>
+    <cs:effectRef idx="0"/>
+    <cs:fontRef idx="minor">
+      <a:schemeClr val="dk1"/>
+    </cs:fontRef>
+    <cs:spPr>
+      <a:solidFill>
+        <a:schemeClr val="dk1">
+          <a:lumMod val="65000"/>
+          <a:lumOff val="35000"/>
+        </a:schemeClr>
+      </a:solidFill>
+      <a:ln w="9525">
+        <a:solidFill>
+          <a:schemeClr val="tx1">
+            <a:lumMod val="65000"/>
+            <a:lumOff val="35000"/>
+          </a:schemeClr>
+        </a:solidFill>
+      </a:ln>
+    </cs:spPr>
+  </cs:downBar>
+  <cs:dropLine>
+    <cs:lnRef idx="0"/>
+    <cs:fillRef idx="0"/>
+    <cs:effectRef idx="0"/>
+    <cs:fontRef idx="minor">
+      <a:schemeClr val="tx1"/>
+    </cs:fontRef>
+    <cs:spPr>
+      <a:ln w="9525" cap="flat" cmpd="sng" algn="ctr">
+        <a:solidFill>
+          <a:schemeClr val="tx1">
+            <a:lumMod val="35000"/>
+            <a:lumOff val="65000"/>
+          </a:schemeClr>
+        </a:solidFill>
+        <a:round/>
+      </a:ln>
+    </cs:spPr>
+  </cs:dropLine>
+  <cs:errorBar>
+    <cs:lnRef idx="0"/>
+    <cs:fillRef idx="0"/>
+    <cs:effectRef idx="0"/>
+    <cs:fontRef idx="minor">
+      <a:schemeClr val="tx1"/>
+    </cs:fontRef>
+    <cs:spPr>
+      <a:ln w="9525" cap="flat" cmpd="sng" algn="ctr">
+        <a:solidFill>
+          <a:schemeClr val="tx1">
+            <a:lumMod val="65000"/>
+            <a:lumOff val="35000"/>
+          </a:schemeClr>
+        </a:solidFill>
+        <a:round/>
+      </a:ln>
+    </cs:spPr>
+  </cs:errorBar>
+  <cs:floor>
+    <cs:lnRef idx="0"/>
+    <cs:fillRef idx="0"/>
+    <cs:effectRef idx="0"/>
+    <cs:fontRef idx="minor">
+      <a:schemeClr val="tx1"/>
+    </cs:fontRef>
+    <cs:spPr>
+      <a:noFill/>
+      <a:ln>
+        <a:noFill/>
+      </a:ln>
+    </cs:spPr>
+  </cs:floor>
+  <cs:gridlineMajor>
+    <cs:lnRef idx="0"/>
+    <cs:fillRef idx="0"/>
+    <cs:effectRef idx="0"/>
+    <cs:fontRef idx="minor">
+      <a:schemeClr val="tx1"/>
+    </cs:fontRef>
+    <cs:spPr>
+      <a:ln w="9525" cap="flat" cmpd="sng" algn="ctr">
+        <a:solidFill>
+          <a:schemeClr val="tx1">
+            <a:lumMod val="15000"/>
+            <a:lumOff val="85000"/>
+          </a:schemeClr>
+        </a:solidFill>
+        <a:round/>
+      </a:ln>
+    </cs:spPr>
+  </cs:gridlineMajor>
+  <cs:gridlineMinor>
+    <cs:lnRef idx="0"/>
+    <cs:fillRef idx="0"/>
+    <cs:effectRef idx="0"/>
+    <cs:fontRef idx="minor">
+      <a:schemeClr val="tx1"/>
+    </cs:fontRef>
+    <cs:spPr>
+      <a:ln w="9525" cap="flat" cmpd="sng" algn="ctr">
+        <a:solidFill>
+          <a:schemeClr val="tx1">
+            <a:lumMod val="5000"/>
+            <a:lumOff val="95000"/>
+          </a:schemeClr>
+        </a:solidFill>
+        <a:round/>
+      </a:ln>
+    </cs:spPr>
+  </cs:gridlineMinor>
+  <cs:hiLoLine>
+    <cs:lnRef idx="0"/>
+    <cs:fillRef idx="0"/>
+    <cs:effectRef idx="0"/>
+    <cs:fontRef idx="minor">
+      <a:schemeClr val="tx1"/>
+    </cs:fontRef>
+    <cs:spPr>
+      <a:ln w="9525" cap="flat" cmpd="sng" algn="ctr">
+        <a:solidFill>
+          <a:schemeClr val="tx1">
+            <a:lumMod val="75000"/>
+            <a:lumOff val="25000"/>
+          </a:schemeClr>
+        </a:solidFill>
+        <a:round/>
+      </a:ln>
+    </cs:spPr>
+  </cs:hiLoLine>
+  <cs:leaderLine>
+    <cs:lnRef idx="0"/>
+    <cs:fillRef idx="0"/>
+    <cs:effectRef idx="0"/>
+    <cs:fontRef idx="minor">
+      <a:schemeClr val="tx1"/>
+    </cs:fontRef>
+    <cs:spPr>
+      <a:ln w="9525" cap="flat" cmpd="sng" algn="ctr">
+        <a:solidFill>
+          <a:schemeClr val="tx1">
+            <a:lumMod val="35000"/>
+            <a:lumOff val="65000"/>
+          </a:schemeClr>
+        </a:solidFill>
+        <a:round/>
+      </a:ln>
+    </cs:spPr>
+  </cs:leaderLine>
+  <cs:legend>
+    <cs:lnRef idx="0"/>
+    <cs:fillRef idx="0"/>
+    <cs:effectRef idx="0"/>
+    <cs:fontRef idx="minor">
+      <a:schemeClr val="tx1">
+        <a:lumMod val="65000"/>
+        <a:lumOff val="35000"/>
+      </a:schemeClr>
+    </cs:fontRef>
+    <cs:defRPr sz="900" kern="1200"/>
+  </cs:legend>
+  <cs:plotArea mods="allowNoFillOverride allowNoLineOverride">
+    <cs:lnRef idx="0"/>
+    <cs:fillRef idx="0"/>
+    <cs:effectRef idx="0"/>
+    <cs:fontRef idx="minor">
+      <a:schemeClr val="tx1"/>
+    </cs:fontRef>
+  </cs:plotArea>
+  <cs:plotArea3D mods="allowNoFillOverride allowNoLineOverride">
+    <cs:lnRef idx="0"/>
+    <cs:fillRef idx="0"/>
+    <cs:effectRef idx="0"/>
+    <cs:fontRef idx="minor">
+      <a:schemeClr val="tx1"/>
+    </cs:fontRef>
+  </cs:plotArea3D>
+  <cs:seriesAxis>
+    <cs:lnRef idx="0"/>
+    <cs:fillRef idx="0"/>
+    <cs:effectRef idx="0"/>
+    <cs:fontRef idx="minor">
+      <a:schemeClr val="tx1">
+        <a:lumMod val="65000"/>
+        <a:lumOff val="35000"/>
+      </a:schemeClr>
+    </cs:fontRef>
+    <cs:defRPr sz="900" kern="1200"/>
+  </cs:seriesAxis>
+  <cs:seriesLine>
+    <cs:lnRef idx="0"/>
+    <cs:fillRef idx="0"/>
+    <cs:effectRef idx="0"/>
+    <cs:fontRef idx="minor">
+      <a:schemeClr val="tx1"/>
+    </cs:fontRef>
+    <cs:spPr>
+      <a:ln w="9525" cap="flat" cmpd="sng" algn="ctr">
+        <a:solidFill>
+          <a:schemeClr val="tx1">
+            <a:lumMod val="35000"/>
+            <a:lumOff val="65000"/>
+          </a:schemeClr>
+        </a:solidFill>
+        <a:round/>
+      </a:ln>
+    </cs:spPr>
+  </cs:seriesLine>
+  <cs:title>
+    <cs:lnRef idx="0"/>
+    <cs:fillRef idx="0"/>
+    <cs:effectRef idx="0"/>
+    <cs:fontRef idx="minor">
+      <a:schemeClr val="tx1">
+        <a:lumMod val="65000"/>
+        <a:lumOff val="35000"/>
+      </a:schemeClr>
+    </cs:fontRef>
+    <cs:defRPr sz="1400" b="0" kern="1200" spc="0" baseline="0"/>
+  </cs:title>
+  <cs:trendline>
+    <cs:lnRef idx="0">
+      <cs:styleClr val="auto"/>
+    </cs:lnRef>
+    <cs:fillRef idx="0"/>
+    <cs:effectRef idx="0"/>
+    <cs:fontRef idx="minor">
+      <a:schemeClr val="tx1"/>
+    </cs:fontRef>
+    <cs:spPr>
+      <a:ln w="19050" cap="rnd">
+        <a:solidFill>
+          <a:schemeClr val="phClr"/>
+        </a:solidFill>
+        <a:prstDash val="sysDot"/>
+      </a:ln>
+    </cs:spPr>
+  </cs:trendline>
+  <cs:trendlineLabel>
+    <cs:lnRef idx="0"/>
+    <cs:fillRef idx="0"/>
+    <cs:effectRef idx="0"/>
+    <cs:fontRef idx="minor">
+      <a:schemeClr val="tx1">
+        <a:lumMod val="65000"/>
+        <a:lumOff val="35000"/>
+      </a:schemeClr>
+    </cs:fontRef>
+    <cs:defRPr sz="900" kern="1200"/>
+  </cs:trendlineLabel>
+  <cs:upBar>
+    <cs:lnRef idx="0"/>
+    <cs:fillRef idx="0"/>
+    <cs:effectRef idx="0"/>
+    <cs:fontRef idx="minor">
+      <a:schemeClr val="dk1"/>
+    </cs:fontRef>
+    <cs:spPr>
+      <a:solidFill>
+        <a:schemeClr val="lt1"/>
+      </a:solidFill>
+      <a:ln w="9525">
+        <a:solidFill>
+          <a:schemeClr val="tx1">
+            <a:lumMod val="15000"/>
+            <a:lumOff val="85000"/>
+          </a:schemeClr>
+        </a:solidFill>
+      </a:ln>
+    </cs:spPr>
+  </cs:upBar>
+  <cs:valueAxis>
+    <cs:lnRef idx="0"/>
+    <cs:fillRef idx="0"/>
+    <cs:effectRef idx="0"/>
+    <cs:fontRef idx="minor">
+      <a:schemeClr val="tx1">
+        <a:lumMod val="65000"/>
+        <a:lumOff val="35000"/>
+      </a:schemeClr>
+    </cs:fontRef>
+    <cs:defRPr sz="900" kern="1200"/>
+  </cs:valueAxis>
+  <cs:wall>
+    <cs:lnRef idx="0"/>
+    <cs:fillRef idx="0"/>
+    <cs:effectRef idx="0"/>
+    <cs:fontRef idx="minor">
+      <a:schemeClr val="tx1"/>
+    </cs:fontRef>
+    <cs:spPr>
+      <a:noFill/>
+      <a:ln>
+        <a:noFill/>
+      </a:ln>
+    </cs:spPr>
+  </cs:wall>
+</cs:chartStyle>
+</file>
+
+<file path=ppt/charts/style6.xml><?xml version="1.0" encoding="utf-8"?>
+<cs:chartStyle xmlns:cs="http://schemas.microsoft.com/office/drawing/2012/chartStyle" xmlns:a="http://schemas.openxmlformats.org/drawingml/2006/main" id="201">
+  <cs:axisTitle>
+    <cs:lnRef idx="0"/>
+    <cs:fillRef idx="0"/>
+    <cs:effectRef idx="0"/>
+    <cs:fontRef idx="minor">
+      <a:schemeClr val="tx1">
+        <a:lumMod val="65000"/>
+        <a:lumOff val="35000"/>
+      </a:schemeClr>
+    </cs:fontRef>
+    <cs:defRPr sz="1000" kern="1200"/>
+  </cs:axisTitle>
+  <cs:categoryAxis>
+    <cs:lnRef idx="0"/>
+    <cs:fillRef idx="0"/>
+    <cs:effectRef idx="0"/>
+    <cs:fontRef idx="minor">
+      <a:schemeClr val="tx1">
+        <a:lumMod val="65000"/>
+        <a:lumOff val="35000"/>
+      </a:schemeClr>
+    </cs:fontRef>
+    <cs:spPr>
+      <a:ln w="9525" cap="flat" cmpd="sng" algn="ctr">
+        <a:solidFill>
+          <a:schemeClr val="tx1">
+            <a:lumMod val="15000"/>
+            <a:lumOff val="85000"/>
+          </a:schemeClr>
+        </a:solidFill>
+        <a:round/>
+      </a:ln>
+    </cs:spPr>
+    <cs:defRPr sz="900" kern="1200"/>
+  </cs:categoryAxis>
+  <cs:chartArea mods="allowNoFillOverride allowNoLineOverride">
+    <cs:lnRef idx="0"/>
+    <cs:fillRef idx="0"/>
+    <cs:effectRef idx="0"/>
+    <cs:fontRef idx="minor">
+      <a:schemeClr val="tx1"/>
+    </cs:fontRef>
+    <cs:spPr>
+      <a:solidFill>
+        <a:schemeClr val="bg1"/>
+      </a:solidFill>
+      <a:ln w="9525" cap="flat" cmpd="sng" algn="ctr">
+        <a:solidFill>
+          <a:schemeClr val="tx1">
+            <a:lumMod val="15000"/>
+            <a:lumOff val="85000"/>
+          </a:schemeClr>
+        </a:solidFill>
+        <a:round/>
+      </a:ln>
+    </cs:spPr>
+    <cs:defRPr sz="1000" kern="1200"/>
+  </cs:chartArea>
+  <cs:dataLabel>
+    <cs:lnRef idx="0"/>
+    <cs:fillRef idx="0"/>
+    <cs:effectRef idx="0"/>
+    <cs:fontRef idx="minor">
+      <a:schemeClr val="tx1">
+        <a:lumMod val="75000"/>
+        <a:lumOff val="25000"/>
+      </a:schemeClr>
+    </cs:fontRef>
+    <cs:defRPr sz="900" kern="1200"/>
+  </cs:dataLabel>
+  <cs:dataLabelCallout>
+    <cs:lnRef idx="0"/>
+    <cs:fillRef idx="0"/>
+    <cs:effectRef idx="0"/>
+    <cs:fontRef idx="minor">
+      <a:schemeClr val="dk1">
+        <a:lumMod val="65000"/>
+        <a:lumOff val="35000"/>
+      </a:schemeClr>
+    </cs:fontRef>
+    <cs:spPr>
+      <a:solidFill>
+        <a:schemeClr val="lt1"/>
+      </a:solidFill>
+      <a:ln>
+        <a:solidFill>
+          <a:schemeClr val="dk1">
+            <a:lumMod val="25000"/>
+            <a:lumOff val="75000"/>
+          </a:schemeClr>
+        </a:solidFill>
+      </a:ln>
+    </cs:spPr>
+    <cs:defRPr sz="900" kern="1200"/>
+    <cs:bodyPr rot="0" spcFirstLastPara="1" vertOverflow="clip" horzOverflow="clip" vert="horz" wrap="square" lIns="36576" tIns="18288" rIns="36576" bIns="18288" anchor="ctr" anchorCtr="1">
+      <a:spAutoFit/>
+    </cs:bodyPr>
+  </cs:dataLabelCallout>
+  <cs:dataPoint>
+    <cs:lnRef idx="0"/>
+    <cs:fillRef idx="1">
+      <cs:styleClr val="auto"/>
+    </cs:fillRef>
+    <cs:effectRef idx="0"/>
+    <cs:fontRef idx="minor">
+      <a:schemeClr val="tx1"/>
+    </cs:fontRef>
+  </cs:dataPoint>
+  <cs:dataPoint3D>
+    <cs:lnRef idx="0"/>
+    <cs:fillRef idx="1">
+      <cs:styleClr val="auto"/>
+    </cs:fillRef>
+    <cs:effectRef idx="0"/>
+    <cs:fontRef idx="minor">
+      <a:schemeClr val="tx1"/>
+    </cs:fontRef>
+  </cs:dataPoint3D>
+  <cs:dataPointLine>
+    <cs:lnRef idx="0">
+      <cs:styleClr val="auto"/>
+    </cs:lnRef>
+    <cs:fillRef idx="1"/>
+    <cs:effectRef idx="0"/>
+    <cs:fontRef idx="minor">
+      <a:schemeClr val="tx1"/>
+    </cs:fontRef>
+    <cs:spPr>
+      <a:ln w="28575" cap="rnd">
+        <a:solidFill>
+          <a:schemeClr val="phClr"/>
+        </a:solidFill>
+        <a:round/>
+      </a:ln>
+    </cs:spPr>
+  </cs:dataPointLine>
+  <cs:dataPointMarker>
+    <cs:lnRef idx="0">
+      <cs:styleClr val="auto"/>
+    </cs:lnRef>
+    <cs:fillRef idx="1">
+      <cs:styleClr val="auto"/>
+    </cs:fillRef>
+    <cs:effectRef idx="0"/>
+    <cs:fontRef idx="minor">
+      <a:schemeClr val="tx1"/>
+    </cs:fontRef>
+    <cs:spPr>
+      <a:ln w="9525">
+        <a:solidFill>
+          <a:schemeClr val="phClr"/>
+        </a:solidFill>
+      </a:ln>
+    </cs:spPr>
+  </cs:dataPointMarker>
+  <cs:dataPointMarkerLayout symbol="circle" size="5"/>
+  <cs:dataPointWireframe>
+    <cs:lnRef idx="0">
+      <cs:styleClr val="auto"/>
+    </cs:lnRef>
+    <cs:fillRef idx="1"/>
+    <cs:effectRef idx="0"/>
+    <cs:fontRef idx="minor">
+      <a:schemeClr val="tx1"/>
+    </cs:fontRef>
+    <cs:spPr>
+      <a:ln w="9525" cap="rnd">
+        <a:solidFill>
+          <a:schemeClr val="phClr"/>
+        </a:solidFill>
+        <a:round/>
+      </a:ln>
+    </cs:spPr>
+  </cs:dataPointWireframe>
+  <cs:dataTable>
+    <cs:lnRef idx="0"/>
+    <cs:fillRef idx="0"/>
+    <cs:effectRef idx="0"/>
+    <cs:fontRef idx="minor">
+      <a:schemeClr val="tx1">
+        <a:lumMod val="65000"/>
+        <a:lumOff val="35000"/>
+      </a:schemeClr>
+    </cs:fontRef>
+    <cs:spPr>
+      <a:noFill/>
+      <a:ln w="9525" cap="flat" cmpd="sng" algn="ctr">
+        <a:solidFill>
+          <a:schemeClr val="tx1">
+            <a:lumMod val="15000"/>
+            <a:lumOff val="85000"/>
+          </a:schemeClr>
+        </a:solidFill>
+        <a:round/>
+      </a:ln>
+    </cs:spPr>
+    <cs:defRPr sz="900" kern="1200"/>
+  </cs:dataTable>
+  <cs:downBar>
+    <cs:lnRef idx="0"/>
+    <cs:fillRef idx="0"/>
+    <cs:effectRef idx="0"/>
+    <cs:fontRef idx="minor">
+      <a:schemeClr val="dk1"/>
+    </cs:fontRef>
+    <cs:spPr>
+      <a:solidFill>
+        <a:schemeClr val="dk1">
+          <a:lumMod val="65000"/>
+          <a:lumOff val="35000"/>
+        </a:schemeClr>
+      </a:solidFill>
+      <a:ln w="9525">
+        <a:solidFill>
+          <a:schemeClr val="tx1">
+            <a:lumMod val="65000"/>
+            <a:lumOff val="35000"/>
+          </a:schemeClr>
+        </a:solidFill>
+      </a:ln>
+    </cs:spPr>
+  </cs:downBar>
+  <cs:dropLine>
+    <cs:lnRef idx="0"/>
+    <cs:fillRef idx="0"/>
+    <cs:effectRef idx="0"/>
+    <cs:fontRef idx="minor">
+      <a:schemeClr val="tx1"/>
+    </cs:fontRef>
+    <cs:spPr>
+      <a:ln w="9525" cap="flat" cmpd="sng" algn="ctr">
+        <a:solidFill>
+          <a:schemeClr val="tx1">
+            <a:lumMod val="35000"/>
+            <a:lumOff val="65000"/>
+          </a:schemeClr>
+        </a:solidFill>
+        <a:round/>
+      </a:ln>
+    </cs:spPr>
+  </cs:dropLine>
+  <cs:errorBar>
+    <cs:lnRef idx="0"/>
+    <cs:fillRef idx="0"/>
+    <cs:effectRef idx="0"/>
+    <cs:fontRef idx="minor">
+      <a:schemeClr val="tx1"/>
+    </cs:fontRef>
+    <cs:spPr>
+      <a:ln w="9525" cap="flat" cmpd="sng" algn="ctr">
+        <a:solidFill>
+          <a:schemeClr val="tx1">
+            <a:lumMod val="65000"/>
+            <a:lumOff val="35000"/>
+          </a:schemeClr>
+        </a:solidFill>
+        <a:round/>
+      </a:ln>
+    </cs:spPr>
+  </cs:errorBar>
+  <cs:floor>
+    <cs:lnRef idx="0"/>
+    <cs:fillRef idx="0"/>
+    <cs:effectRef idx="0"/>
+    <cs:fontRef idx="minor">
+      <a:schemeClr val="tx1"/>
+    </cs:fontRef>
+    <cs:spPr>
+      <a:noFill/>
+      <a:ln>
+        <a:noFill/>
+      </a:ln>
+    </cs:spPr>
+  </cs:floor>
+  <cs:gridlineMajor>
+    <cs:lnRef idx="0"/>
+    <cs:fillRef idx="0"/>
+    <cs:effectRef idx="0"/>
+    <cs:fontRef idx="minor">
+      <a:schemeClr val="tx1"/>
+    </cs:fontRef>
+    <cs:spPr>
+      <a:ln w="9525" cap="flat" cmpd="sng" algn="ctr">
+        <a:solidFill>
+          <a:schemeClr val="tx1">
+            <a:lumMod val="15000"/>
+            <a:lumOff val="85000"/>
+          </a:schemeClr>
+        </a:solidFill>
+        <a:round/>
+      </a:ln>
+    </cs:spPr>
+  </cs:gridlineMajor>
+  <cs:gridlineMinor>
+    <cs:lnRef idx="0"/>
+    <cs:fillRef idx="0"/>
+    <cs:effectRef idx="0"/>
+    <cs:fontRef idx="minor">
+      <a:schemeClr val="tx1"/>
+    </cs:fontRef>
+    <cs:spPr>
+      <a:ln w="9525" cap="flat" cmpd="sng" algn="ctr">
+        <a:solidFill>
+          <a:schemeClr val="tx1">
+            <a:lumMod val="5000"/>
+            <a:lumOff val="95000"/>
+          </a:schemeClr>
+        </a:solidFill>
+        <a:round/>
+      </a:ln>
+    </cs:spPr>
+  </cs:gridlineMinor>
+  <cs:hiLoLine>
+    <cs:lnRef idx="0"/>
+    <cs:fillRef idx="0"/>
+    <cs:effectRef idx="0"/>
+    <cs:fontRef idx="minor">
+      <a:schemeClr val="tx1"/>
+    </cs:fontRef>
+    <cs:spPr>
+      <a:ln w="9525" cap="flat" cmpd="sng" algn="ctr">
+        <a:solidFill>
+          <a:schemeClr val="tx1">
+            <a:lumMod val="75000"/>
+            <a:lumOff val="25000"/>
+          </a:schemeClr>
+        </a:solidFill>
+        <a:round/>
+      </a:ln>
+    </cs:spPr>
+  </cs:hiLoLine>
+  <cs:leaderLine>
+    <cs:lnRef idx="0"/>
+    <cs:fillRef idx="0"/>
+    <cs:effectRef idx="0"/>
+    <cs:fontRef idx="minor">
+      <a:schemeClr val="tx1"/>
+    </cs:fontRef>
+    <cs:spPr>
+      <a:ln w="9525" cap="flat" cmpd="sng" algn="ctr">
+        <a:solidFill>
+          <a:schemeClr val="tx1">
+            <a:lumMod val="35000"/>
+            <a:lumOff val="65000"/>
+          </a:schemeClr>
+        </a:solidFill>
+        <a:round/>
+      </a:ln>
+    </cs:spPr>
+  </cs:leaderLine>
+  <cs:legend>
+    <cs:lnRef idx="0"/>
+    <cs:fillRef idx="0"/>
+    <cs:effectRef idx="0"/>
+    <cs:fontRef idx="minor">
+      <a:schemeClr val="tx1">
+        <a:lumMod val="65000"/>
+        <a:lumOff val="35000"/>
+      </a:schemeClr>
+    </cs:fontRef>
+    <cs:defRPr sz="900" kern="1200"/>
+  </cs:legend>
+  <cs:plotArea mods="allowNoFillOverride allowNoLineOverride">
+    <cs:lnRef idx="0"/>
+    <cs:fillRef idx="0"/>
+    <cs:effectRef idx="0"/>
+    <cs:fontRef idx="minor">
+      <a:schemeClr val="tx1"/>
+    </cs:fontRef>
+  </cs:plotArea>
+  <cs:plotArea3D mods="allowNoFillOverride allowNoLineOverride">
+    <cs:lnRef idx="0"/>
+    <cs:fillRef idx="0"/>
+    <cs:effectRef idx="0"/>
+    <cs:fontRef idx="minor">
+      <a:schemeClr val="tx1"/>
+    </cs:fontRef>
+  </cs:plotArea3D>
+  <cs:seriesAxis>
+    <cs:lnRef idx="0"/>
+    <cs:fillRef idx="0"/>
+    <cs:effectRef idx="0"/>
+    <cs:fontRef idx="minor">
+      <a:schemeClr val="tx1">
+        <a:lumMod val="65000"/>
+        <a:lumOff val="35000"/>
+      </a:schemeClr>
+    </cs:fontRef>
+    <cs:defRPr sz="900" kern="1200"/>
+  </cs:seriesAxis>
+  <cs:seriesLine>
+    <cs:lnRef idx="0"/>
+    <cs:fillRef idx="0"/>
+    <cs:effectRef idx="0"/>
+    <cs:fontRef idx="minor">
+      <a:schemeClr val="tx1"/>
+    </cs:fontRef>
+    <cs:spPr>
+      <a:ln w="9525" cap="flat" cmpd="sng" algn="ctr">
+        <a:solidFill>
+          <a:schemeClr val="tx1">
+            <a:lumMod val="35000"/>
+            <a:lumOff val="65000"/>
+          </a:schemeClr>
+        </a:solidFill>
+        <a:round/>
+      </a:ln>
+    </cs:spPr>
+  </cs:seriesLine>
+  <cs:title>
+    <cs:lnRef idx="0"/>
+    <cs:fillRef idx="0"/>
+    <cs:effectRef idx="0"/>
+    <cs:fontRef idx="minor">
+      <a:schemeClr val="tx1">
+        <a:lumMod val="65000"/>
+        <a:lumOff val="35000"/>
+      </a:schemeClr>
+    </cs:fontRef>
+    <cs:defRPr sz="1400" b="0" kern="1200" spc="0" baseline="0"/>
+  </cs:title>
+  <cs:trendline>
+    <cs:lnRef idx="0">
+      <cs:styleClr val="auto"/>
+    </cs:lnRef>
+    <cs:fillRef idx="0"/>
+    <cs:effectRef idx="0"/>
+    <cs:fontRef idx="minor">
+      <a:schemeClr val="tx1"/>
+    </cs:fontRef>
+    <cs:spPr>
+      <a:ln w="19050" cap="rnd">
+        <a:solidFill>
+          <a:schemeClr val="phClr"/>
+        </a:solidFill>
+        <a:prstDash val="sysDot"/>
+      </a:ln>
+    </cs:spPr>
+  </cs:trendline>
+  <cs:trendlineLabel>
+    <cs:lnRef idx="0"/>
+    <cs:fillRef idx="0"/>
+    <cs:effectRef idx="0"/>
+    <cs:fontRef idx="minor">
+      <a:schemeClr val="tx1">
+        <a:lumMod val="65000"/>
+        <a:lumOff val="35000"/>
+      </a:schemeClr>
+    </cs:fontRef>
+    <cs:defRPr sz="900" kern="1200"/>
+  </cs:trendlineLabel>
+  <cs:upBar>
+    <cs:lnRef idx="0"/>
+    <cs:fillRef idx="0"/>
+    <cs:effectRef idx="0"/>
+    <cs:fontRef idx="minor">
+      <a:schemeClr val="dk1"/>
+    </cs:fontRef>
+    <cs:spPr>
+      <a:solidFill>
+        <a:schemeClr val="lt1"/>
+      </a:solidFill>
+      <a:ln w="9525">
+        <a:solidFill>
+          <a:schemeClr val="tx1">
+            <a:lumMod val="15000"/>
+            <a:lumOff val="85000"/>
+          </a:schemeClr>
+        </a:solidFill>
+      </a:ln>
+    </cs:spPr>
+  </cs:upBar>
+  <cs:valueAxis>
+    <cs:lnRef idx="0"/>
+    <cs:fillRef idx="0"/>
+    <cs:effectRef idx="0"/>
+    <cs:fontRef idx="minor">
+      <a:schemeClr val="tx1">
+        <a:lumMod val="65000"/>
+        <a:lumOff val="35000"/>
+      </a:schemeClr>
+    </cs:fontRef>
+    <cs:defRPr sz="900" kern="1200"/>
+  </cs:valueAxis>
+  <cs:wall>
+    <cs:lnRef idx="0"/>
+    <cs:fillRef idx="0"/>
+    <cs:effectRef idx="0"/>
+    <cs:fontRef idx="minor">
+      <a:schemeClr val="tx1"/>
+    </cs:fontRef>
+    <cs:spPr>
+      <a:noFill/>
+      <a:ln>
+        <a:noFill/>
+      </a:ln>
+    </cs:spPr>
+  </cs:wall>
+</cs:chartStyle>
 </file>
 
 <file path=ppt/slideLayouts/slideLayout1.xml><?xml version="1.0" encoding="utf-8"?>
@@ -3643,6 +9878,2880 @@
       </p:grpSpPr>
       <p:pic>
         <p:nvPicPr>
+          <p:cNvPr id="1028" name="Picture 4" descr="Gold Comedy And Tragedy Theater Masks - Vsual">
+            <a:extLst>
+              <a:ext uri="{FF2B5EF4-FFF2-40B4-BE49-F238E27FC236}">
+                <a16:creationId xmlns:a16="http://schemas.microsoft.com/office/drawing/2014/main" id="{EFB9CCA2-8956-40ED-81E0-D8EA6E198475}"/>
+              </a:ext>
+            </a:extLst>
+          </p:cNvPr>
+          <p:cNvPicPr>
+            <a:picLocks noChangeAspect="1" noChangeArrowheads="1"/>
+          </p:cNvPicPr>
+          <p:nvPr/>
+        </p:nvPicPr>
+        <p:blipFill>
+          <a:blip r:embed="rId2">
+            <a:extLst>
+              <a:ext uri="{28A0092B-C50C-407E-A947-70E740481C1C}">
+                <a14:useLocalDpi xmlns:a14="http://schemas.microsoft.com/office/drawing/2010/main" val="0"/>
+              </a:ext>
+            </a:extLst>
+          </a:blip>
+          <a:srcRect/>
+          <a:stretch>
+            <a:fillRect/>
+          </a:stretch>
+        </p:blipFill>
+        <p:spPr bwMode="auto">
+          <a:xfrm>
+            <a:off x="3499553" y="1170080"/>
+            <a:ext cx="5234131" cy="3483077"/>
+          </a:xfrm>
+          <a:prstGeom prst="rect">
+            <a:avLst/>
+          </a:prstGeom>
+          <a:noFill/>
+          <a:extLst>
+            <a:ext uri="{909E8E84-426E-40DD-AFC4-6F175D3DCCD1}">
+              <a14:hiddenFill xmlns:a14="http://schemas.microsoft.com/office/drawing/2010/main">
+                <a:solidFill>
+                  <a:srgbClr val="FFFFFF"/>
+                </a:solidFill>
+              </a14:hiddenFill>
+            </a:ext>
+          </a:extLst>
+        </p:spPr>
+      </p:pic>
+      <p:sp>
+        <p:nvSpPr>
+          <p:cNvPr id="6" name="Rectangle 5">
+            <a:extLst>
+              <a:ext uri="{FF2B5EF4-FFF2-40B4-BE49-F238E27FC236}">
+                <a16:creationId xmlns:a16="http://schemas.microsoft.com/office/drawing/2014/main" id="{DB1BD6CA-EAB4-45BD-AE36-C9A04990C4DE}"/>
+              </a:ext>
+            </a:extLst>
+          </p:cNvPr>
+          <p:cNvSpPr/>
+          <p:nvPr/>
+        </p:nvSpPr>
+        <p:spPr>
+          <a:xfrm>
+            <a:off x="536777" y="107773"/>
+            <a:ext cx="11179407" cy="584775"/>
+          </a:xfrm>
+          <a:prstGeom prst="rect">
+            <a:avLst/>
+          </a:prstGeom>
+        </p:spPr>
+        <p:txBody>
+          <a:bodyPr wrap="none">
+            <a:spAutoFit/>
+          </a:bodyPr>
+          <a:lstStyle/>
+          <a:p>
+            <a:r>
+              <a:rPr lang="en-US" sz="3200" dirty="0">
+                <a:effectLst>
+                  <a:glow rad="228600">
+                    <a:schemeClr val="accent4">
+                      <a:satMod val="175000"/>
+                      <a:alpha val="40000"/>
+                    </a:schemeClr>
+                  </a:glow>
+                </a:effectLst>
+              </a:rPr>
+              <a:t>World Happiness Index:  Top 10 Low &amp; High Avg Scores 2015-2019</a:t>
+            </a:r>
+          </a:p>
+        </p:txBody>
+      </p:sp>
+      <p:graphicFrame>
+        <p:nvGraphicFramePr>
+          <p:cNvPr id="7" name="Table 6">
+            <a:extLst>
+              <a:ext uri="{FF2B5EF4-FFF2-40B4-BE49-F238E27FC236}">
+                <a16:creationId xmlns:a16="http://schemas.microsoft.com/office/drawing/2014/main" id="{EB25CC48-75ED-4FB5-8FD9-A4D1659E6B4B}"/>
+              </a:ext>
+            </a:extLst>
+          </p:cNvPr>
+          <p:cNvGraphicFramePr>
+            <a:graphicFrameLocks noGrp="1"/>
+          </p:cNvGraphicFramePr>
+          <p:nvPr>
+            <p:extLst/>
+          </p:nvPr>
+        </p:nvGraphicFramePr>
+        <p:xfrm>
+          <a:off x="8835283" y="1240382"/>
+          <a:ext cx="2921877" cy="3483610"/>
+        </p:xfrm>
+        <a:graphic>
+          <a:graphicData uri="http://schemas.openxmlformats.org/drawingml/2006/table">
+            <a:tbl>
+              <a:tblPr/>
+              <a:tblGrid>
+                <a:gridCol w="1725325">
+                  <a:extLst>
+                    <a:ext uri="{9D8B030D-6E8A-4147-A177-3AD203B41FA5}">
+                      <a16:colId xmlns:a16="http://schemas.microsoft.com/office/drawing/2014/main" val="677032538"/>
+                    </a:ext>
+                  </a:extLst>
+                </a:gridCol>
+                <a:gridCol w="1196552">
+                  <a:extLst>
+                    <a:ext uri="{9D8B030D-6E8A-4147-A177-3AD203B41FA5}">
+                      <a16:colId xmlns:a16="http://schemas.microsoft.com/office/drawing/2014/main" val="3137108985"/>
+                    </a:ext>
+                  </a:extLst>
+                </a:gridCol>
+              </a:tblGrid>
+              <a:tr h="184150">
+                <a:tc>
+                  <a:txBody>
+                    <a:bodyPr/>
+                    <a:lstStyle/>
+                    <a:p>
+                      <a:pPr algn="l" fontAlgn="b"/>
+                      <a:r>
+                        <a:rPr lang="en-US" sz="2400" b="0" i="0" u="none" strike="noStrike" dirty="0">
+                          <a:solidFill>
+                            <a:srgbClr val="000000"/>
+                          </a:solidFill>
+                          <a:effectLst/>
+                          <a:latin typeface="Calibri" panose="020F0502020204030204" pitchFamily="34" charset="0"/>
+                        </a:rPr>
+                        <a:t>Country</a:t>
+                      </a:r>
+                    </a:p>
+                  </a:txBody>
+                  <a:tcPr marL="6350" marR="6350" marT="6350" marB="0" anchor="b">
+                    <a:lnL w="12700" cap="flat" cmpd="sng" algn="ctr">
+                      <a:solidFill>
+                        <a:schemeClr val="tx1"/>
+                      </a:solidFill>
+                      <a:prstDash val="solid"/>
+                      <a:round/>
+                      <a:headEnd type="none" w="med" len="med"/>
+                      <a:tailEnd type="none" w="med" len="med"/>
+                    </a:lnL>
+                    <a:lnR>
+                      <a:noFill/>
+                    </a:lnR>
+                    <a:lnT w="12700" cap="flat" cmpd="sng" algn="ctr">
+                      <a:solidFill>
+                        <a:schemeClr val="tx1"/>
+                      </a:solidFill>
+                      <a:prstDash val="solid"/>
+                      <a:round/>
+                      <a:headEnd type="none" w="med" len="med"/>
+                      <a:tailEnd type="none" w="med" len="med"/>
+                    </a:lnT>
+                    <a:lnB>
+                      <a:noFill/>
+                    </a:lnB>
+                    <a:solidFill>
+                      <a:srgbClr val="92D050"/>
+                    </a:solidFill>
+                  </a:tcPr>
+                </a:tc>
+                <a:tc>
+                  <a:txBody>
+                    <a:bodyPr/>
+                    <a:lstStyle/>
+                    <a:p>
+                      <a:pPr algn="ctr" fontAlgn="b"/>
+                      <a:r>
+                        <a:rPr lang="en-US" sz="2400" b="0" i="0" u="none" strike="noStrike" dirty="0">
+                          <a:solidFill>
+                            <a:srgbClr val="000000"/>
+                          </a:solidFill>
+                          <a:effectLst/>
+                          <a:latin typeface="Calibri" panose="020F0502020204030204" pitchFamily="34" charset="0"/>
+                        </a:rPr>
+                        <a:t>Avg</a:t>
+                      </a:r>
+                    </a:p>
+                  </a:txBody>
+                  <a:tcPr marL="6350" marR="6350" marT="6350" marB="0" anchor="b">
+                    <a:lnL>
+                      <a:noFill/>
+                    </a:lnL>
+                    <a:lnR w="12700" cap="flat" cmpd="sng" algn="ctr">
+                      <a:solidFill>
+                        <a:schemeClr val="tx1"/>
+                      </a:solidFill>
+                      <a:prstDash val="solid"/>
+                      <a:round/>
+                      <a:headEnd type="none" w="med" len="med"/>
+                      <a:tailEnd type="none" w="med" len="med"/>
+                    </a:lnR>
+                    <a:lnT w="12700" cap="flat" cmpd="sng" algn="ctr">
+                      <a:solidFill>
+                        <a:schemeClr val="tx1"/>
+                      </a:solidFill>
+                      <a:prstDash val="solid"/>
+                      <a:round/>
+                      <a:headEnd type="none" w="med" len="med"/>
+                      <a:tailEnd type="none" w="med" len="med"/>
+                    </a:lnT>
+                    <a:lnB>
+                      <a:noFill/>
+                    </a:lnB>
+                    <a:solidFill>
+                      <a:srgbClr val="92D050"/>
+                    </a:solidFill>
+                  </a:tcPr>
+                </a:tc>
+                <a:extLst>
+                  <a:ext uri="{0D108BD9-81ED-4DB2-BD59-A6C34878D82A}">
+                    <a16:rowId xmlns:a16="http://schemas.microsoft.com/office/drawing/2014/main" val="1228885964"/>
+                  </a:ext>
+                </a:extLst>
+              </a:tr>
+              <a:tr h="184150">
+                <a:tc>
+                  <a:txBody>
+                    <a:bodyPr/>
+                    <a:lstStyle/>
+                    <a:p>
+                      <a:pPr algn="l" fontAlgn="b"/>
+                      <a:r>
+                        <a:rPr lang="en-US" sz="2000" b="0" i="0" u="none" strike="noStrike" dirty="0">
+                          <a:solidFill>
+                            <a:srgbClr val="000000"/>
+                          </a:solidFill>
+                          <a:effectLst/>
+                          <a:latin typeface="Calibri" panose="020F0502020204030204" pitchFamily="34" charset="0"/>
+                        </a:rPr>
+                        <a:t>Denmark</a:t>
+                      </a:r>
+                    </a:p>
+                  </a:txBody>
+                  <a:tcPr marL="6350" marR="6350" marT="6350" marB="0" anchor="b">
+                    <a:lnL w="12700" cap="flat" cmpd="sng" algn="ctr">
+                      <a:solidFill>
+                        <a:schemeClr val="tx1"/>
+                      </a:solidFill>
+                      <a:prstDash val="solid"/>
+                      <a:round/>
+                      <a:headEnd type="none" w="med" len="med"/>
+                      <a:tailEnd type="none" w="med" len="med"/>
+                    </a:lnL>
+                    <a:lnR>
+                      <a:noFill/>
+                    </a:lnR>
+                    <a:lnT>
+                      <a:noFill/>
+                    </a:lnT>
+                    <a:lnB>
+                      <a:noFill/>
+                    </a:lnB>
+                  </a:tcPr>
+                </a:tc>
+                <a:tc>
+                  <a:txBody>
+                    <a:bodyPr/>
+                    <a:lstStyle/>
+                    <a:p>
+                      <a:pPr algn="ctr" fontAlgn="b"/>
+                      <a:r>
+                        <a:rPr lang="en-US" sz="2000" b="0" i="0" u="none" strike="noStrike" dirty="0">
+                          <a:solidFill>
+                            <a:srgbClr val="000000"/>
+                          </a:solidFill>
+                          <a:effectLst/>
+                          <a:latin typeface="Calibri" panose="020F0502020204030204" pitchFamily="34" charset="0"/>
+                        </a:rPr>
+                        <a:t>7.55</a:t>
+                      </a:r>
+                    </a:p>
+                  </a:txBody>
+                  <a:tcPr marL="6350" marR="6350" marT="6350" marB="0" anchor="b">
+                    <a:lnL>
+                      <a:noFill/>
+                    </a:lnL>
+                    <a:lnR w="12700" cap="flat" cmpd="sng" algn="ctr">
+                      <a:solidFill>
+                        <a:schemeClr val="tx1"/>
+                      </a:solidFill>
+                      <a:prstDash val="solid"/>
+                      <a:round/>
+                      <a:headEnd type="none" w="med" len="med"/>
+                      <a:tailEnd type="none" w="med" len="med"/>
+                    </a:lnR>
+                    <a:lnT>
+                      <a:noFill/>
+                    </a:lnT>
+                    <a:lnB>
+                      <a:noFill/>
+                    </a:lnB>
+                  </a:tcPr>
+                </a:tc>
+                <a:extLst>
+                  <a:ext uri="{0D108BD9-81ED-4DB2-BD59-A6C34878D82A}">
+                    <a16:rowId xmlns:a16="http://schemas.microsoft.com/office/drawing/2014/main" val="3741063425"/>
+                  </a:ext>
+                </a:extLst>
+              </a:tr>
+              <a:tr h="184150">
+                <a:tc>
+                  <a:txBody>
+                    <a:bodyPr/>
+                    <a:lstStyle/>
+                    <a:p>
+                      <a:pPr algn="l" fontAlgn="b"/>
+                      <a:r>
+                        <a:rPr lang="en-US" sz="2000" b="0" i="0" u="none" strike="noStrike" dirty="0">
+                          <a:solidFill>
+                            <a:srgbClr val="000000"/>
+                          </a:solidFill>
+                          <a:effectLst/>
+                          <a:latin typeface="Calibri" panose="020F0502020204030204" pitchFamily="34" charset="0"/>
+                        </a:rPr>
+                        <a:t>Norway</a:t>
+                      </a:r>
+                    </a:p>
+                  </a:txBody>
+                  <a:tcPr marL="6350" marR="6350" marT="6350" marB="0" anchor="b">
+                    <a:lnL w="12700" cap="flat" cmpd="sng" algn="ctr">
+                      <a:solidFill>
+                        <a:schemeClr val="tx1"/>
+                      </a:solidFill>
+                      <a:prstDash val="solid"/>
+                      <a:round/>
+                      <a:headEnd type="none" w="med" len="med"/>
+                      <a:tailEnd type="none" w="med" len="med"/>
+                    </a:lnL>
+                    <a:lnR>
+                      <a:noFill/>
+                    </a:lnR>
+                    <a:lnT>
+                      <a:noFill/>
+                    </a:lnT>
+                    <a:lnB>
+                      <a:noFill/>
+                    </a:lnB>
+                  </a:tcPr>
+                </a:tc>
+                <a:tc>
+                  <a:txBody>
+                    <a:bodyPr/>
+                    <a:lstStyle/>
+                    <a:p>
+                      <a:pPr algn="ctr" fontAlgn="b"/>
+                      <a:r>
+                        <a:rPr lang="en-US" sz="2000" b="0" i="0" u="none" strike="noStrike" dirty="0">
+                          <a:solidFill>
+                            <a:srgbClr val="000000"/>
+                          </a:solidFill>
+                          <a:effectLst/>
+                          <a:latin typeface="Calibri" panose="020F0502020204030204" pitchFamily="34" charset="0"/>
+                        </a:rPr>
+                        <a:t>7.54</a:t>
+                      </a:r>
+                    </a:p>
+                  </a:txBody>
+                  <a:tcPr marL="6350" marR="6350" marT="6350" marB="0" anchor="b">
+                    <a:lnL>
+                      <a:noFill/>
+                    </a:lnL>
+                    <a:lnR w="12700" cap="flat" cmpd="sng" algn="ctr">
+                      <a:solidFill>
+                        <a:schemeClr val="tx1"/>
+                      </a:solidFill>
+                      <a:prstDash val="solid"/>
+                      <a:round/>
+                      <a:headEnd type="none" w="med" len="med"/>
+                      <a:tailEnd type="none" w="med" len="med"/>
+                    </a:lnR>
+                    <a:lnT>
+                      <a:noFill/>
+                    </a:lnT>
+                    <a:lnB>
+                      <a:noFill/>
+                    </a:lnB>
+                  </a:tcPr>
+                </a:tc>
+                <a:extLst>
+                  <a:ext uri="{0D108BD9-81ED-4DB2-BD59-A6C34878D82A}">
+                    <a16:rowId xmlns:a16="http://schemas.microsoft.com/office/drawing/2014/main" val="87997644"/>
+                  </a:ext>
+                </a:extLst>
+              </a:tr>
+              <a:tr h="184150">
+                <a:tc>
+                  <a:txBody>
+                    <a:bodyPr/>
+                    <a:lstStyle/>
+                    <a:p>
+                      <a:pPr algn="l" fontAlgn="b"/>
+                      <a:r>
+                        <a:rPr lang="en-US" sz="2000" b="0" i="0" u="none" strike="noStrike" dirty="0">
+                          <a:solidFill>
+                            <a:srgbClr val="000000"/>
+                          </a:solidFill>
+                          <a:effectLst/>
+                          <a:latin typeface="Calibri" panose="020F0502020204030204" pitchFamily="34" charset="0"/>
+                        </a:rPr>
+                        <a:t>Finland</a:t>
+                      </a:r>
+                    </a:p>
+                  </a:txBody>
+                  <a:tcPr marL="6350" marR="6350" marT="6350" marB="0" anchor="b">
+                    <a:lnL w="12700" cap="flat" cmpd="sng" algn="ctr">
+                      <a:solidFill>
+                        <a:schemeClr val="tx1"/>
+                      </a:solidFill>
+                      <a:prstDash val="solid"/>
+                      <a:round/>
+                      <a:headEnd type="none" w="med" len="med"/>
+                      <a:tailEnd type="none" w="med" len="med"/>
+                    </a:lnL>
+                    <a:lnR>
+                      <a:noFill/>
+                    </a:lnR>
+                    <a:lnT>
+                      <a:noFill/>
+                    </a:lnT>
+                    <a:lnB>
+                      <a:noFill/>
+                    </a:lnB>
+                  </a:tcPr>
+                </a:tc>
+                <a:tc>
+                  <a:txBody>
+                    <a:bodyPr/>
+                    <a:lstStyle/>
+                    <a:p>
+                      <a:pPr algn="ctr" fontAlgn="b"/>
+                      <a:r>
+                        <a:rPr lang="en-US" sz="2000" b="0" i="0" u="none" strike="noStrike" dirty="0">
+                          <a:solidFill>
+                            <a:srgbClr val="000000"/>
+                          </a:solidFill>
+                          <a:effectLst/>
+                          <a:latin typeface="Calibri" panose="020F0502020204030204" pitchFamily="34" charset="0"/>
+                        </a:rPr>
+                        <a:t>7.54</a:t>
+                      </a:r>
+                    </a:p>
+                  </a:txBody>
+                  <a:tcPr marL="6350" marR="6350" marT="6350" marB="0" anchor="b">
+                    <a:lnL>
+                      <a:noFill/>
+                    </a:lnL>
+                    <a:lnR w="12700" cap="flat" cmpd="sng" algn="ctr">
+                      <a:solidFill>
+                        <a:schemeClr val="tx1"/>
+                      </a:solidFill>
+                      <a:prstDash val="solid"/>
+                      <a:round/>
+                      <a:headEnd type="none" w="med" len="med"/>
+                      <a:tailEnd type="none" w="med" len="med"/>
+                    </a:lnR>
+                    <a:lnT>
+                      <a:noFill/>
+                    </a:lnT>
+                    <a:lnB>
+                      <a:noFill/>
+                    </a:lnB>
+                  </a:tcPr>
+                </a:tc>
+                <a:extLst>
+                  <a:ext uri="{0D108BD9-81ED-4DB2-BD59-A6C34878D82A}">
+                    <a16:rowId xmlns:a16="http://schemas.microsoft.com/office/drawing/2014/main" val="1759181083"/>
+                  </a:ext>
+                </a:extLst>
+              </a:tr>
+              <a:tr h="184150">
+                <a:tc>
+                  <a:txBody>
+                    <a:bodyPr/>
+                    <a:lstStyle/>
+                    <a:p>
+                      <a:pPr algn="l" fontAlgn="b"/>
+                      <a:r>
+                        <a:rPr lang="en-US" sz="2000" b="0" i="0" u="none" strike="noStrike" dirty="0">
+                          <a:solidFill>
+                            <a:srgbClr val="000000"/>
+                          </a:solidFill>
+                          <a:effectLst/>
+                          <a:latin typeface="Calibri" panose="020F0502020204030204" pitchFamily="34" charset="0"/>
+                        </a:rPr>
+                        <a:t>Switzerland</a:t>
+                      </a:r>
+                    </a:p>
+                  </a:txBody>
+                  <a:tcPr marL="6350" marR="6350" marT="6350" marB="0" anchor="b">
+                    <a:lnL w="12700" cap="flat" cmpd="sng" algn="ctr">
+                      <a:solidFill>
+                        <a:schemeClr val="tx1"/>
+                      </a:solidFill>
+                      <a:prstDash val="solid"/>
+                      <a:round/>
+                      <a:headEnd type="none" w="med" len="med"/>
+                      <a:tailEnd type="none" w="med" len="med"/>
+                    </a:lnL>
+                    <a:lnR>
+                      <a:noFill/>
+                    </a:lnR>
+                    <a:lnT>
+                      <a:noFill/>
+                    </a:lnT>
+                    <a:lnB>
+                      <a:noFill/>
+                    </a:lnB>
+                  </a:tcPr>
+                </a:tc>
+                <a:tc>
+                  <a:txBody>
+                    <a:bodyPr/>
+                    <a:lstStyle/>
+                    <a:p>
+                      <a:pPr algn="ctr" fontAlgn="b"/>
+                      <a:r>
+                        <a:rPr lang="en-US" sz="2000" b="0" i="0" u="none" strike="noStrike" dirty="0">
+                          <a:solidFill>
+                            <a:srgbClr val="000000"/>
+                          </a:solidFill>
+                          <a:effectLst/>
+                          <a:latin typeface="Calibri" panose="020F0502020204030204" pitchFamily="34" charset="0"/>
+                        </a:rPr>
+                        <a:t>7.51</a:t>
+                      </a:r>
+                    </a:p>
+                  </a:txBody>
+                  <a:tcPr marL="6350" marR="6350" marT="6350" marB="0" anchor="b">
+                    <a:lnL>
+                      <a:noFill/>
+                    </a:lnL>
+                    <a:lnR w="12700" cap="flat" cmpd="sng" algn="ctr">
+                      <a:solidFill>
+                        <a:schemeClr val="tx1"/>
+                      </a:solidFill>
+                      <a:prstDash val="solid"/>
+                      <a:round/>
+                      <a:headEnd type="none" w="med" len="med"/>
+                      <a:tailEnd type="none" w="med" len="med"/>
+                    </a:lnR>
+                    <a:lnT>
+                      <a:noFill/>
+                    </a:lnT>
+                    <a:lnB>
+                      <a:noFill/>
+                    </a:lnB>
+                  </a:tcPr>
+                </a:tc>
+                <a:extLst>
+                  <a:ext uri="{0D108BD9-81ED-4DB2-BD59-A6C34878D82A}">
+                    <a16:rowId xmlns:a16="http://schemas.microsoft.com/office/drawing/2014/main" val="369874298"/>
+                  </a:ext>
+                </a:extLst>
+              </a:tr>
+              <a:tr h="184150">
+                <a:tc>
+                  <a:txBody>
+                    <a:bodyPr/>
+                    <a:lstStyle/>
+                    <a:p>
+                      <a:pPr algn="l" fontAlgn="b"/>
+                      <a:r>
+                        <a:rPr lang="en-US" sz="2000" b="0" i="0" u="none" strike="noStrike" dirty="0">
+                          <a:solidFill>
+                            <a:srgbClr val="000000"/>
+                          </a:solidFill>
+                          <a:effectLst/>
+                          <a:latin typeface="Calibri" panose="020F0502020204030204" pitchFamily="34" charset="0"/>
+                        </a:rPr>
+                        <a:t>Iceland</a:t>
+                      </a:r>
+                    </a:p>
+                  </a:txBody>
+                  <a:tcPr marL="6350" marR="6350" marT="6350" marB="0" anchor="b">
+                    <a:lnL w="12700" cap="flat" cmpd="sng" algn="ctr">
+                      <a:solidFill>
+                        <a:schemeClr val="tx1"/>
+                      </a:solidFill>
+                      <a:prstDash val="solid"/>
+                      <a:round/>
+                      <a:headEnd type="none" w="med" len="med"/>
+                      <a:tailEnd type="none" w="med" len="med"/>
+                    </a:lnL>
+                    <a:lnR>
+                      <a:noFill/>
+                    </a:lnR>
+                    <a:lnT>
+                      <a:noFill/>
+                    </a:lnT>
+                    <a:lnB>
+                      <a:noFill/>
+                    </a:lnB>
+                  </a:tcPr>
+                </a:tc>
+                <a:tc>
+                  <a:txBody>
+                    <a:bodyPr/>
+                    <a:lstStyle/>
+                    <a:p>
+                      <a:pPr algn="ctr" fontAlgn="b"/>
+                      <a:r>
+                        <a:rPr lang="en-US" sz="2000" b="0" i="0" u="none" strike="noStrike" dirty="0">
+                          <a:solidFill>
+                            <a:srgbClr val="000000"/>
+                          </a:solidFill>
+                          <a:effectLst/>
+                          <a:latin typeface="Calibri" panose="020F0502020204030204" pitchFamily="34" charset="0"/>
+                        </a:rPr>
+                        <a:t>7.51</a:t>
+                      </a:r>
+                    </a:p>
+                  </a:txBody>
+                  <a:tcPr marL="6350" marR="6350" marT="6350" marB="0" anchor="b">
+                    <a:lnL>
+                      <a:noFill/>
+                    </a:lnL>
+                    <a:lnR w="12700" cap="flat" cmpd="sng" algn="ctr">
+                      <a:solidFill>
+                        <a:schemeClr val="tx1"/>
+                      </a:solidFill>
+                      <a:prstDash val="solid"/>
+                      <a:round/>
+                      <a:headEnd type="none" w="med" len="med"/>
+                      <a:tailEnd type="none" w="med" len="med"/>
+                    </a:lnR>
+                    <a:lnT>
+                      <a:noFill/>
+                    </a:lnT>
+                    <a:lnB>
+                      <a:noFill/>
+                    </a:lnB>
+                  </a:tcPr>
+                </a:tc>
+                <a:extLst>
+                  <a:ext uri="{0D108BD9-81ED-4DB2-BD59-A6C34878D82A}">
+                    <a16:rowId xmlns:a16="http://schemas.microsoft.com/office/drawing/2014/main" val="219549928"/>
+                  </a:ext>
+                </a:extLst>
+              </a:tr>
+              <a:tr h="184150">
+                <a:tc>
+                  <a:txBody>
+                    <a:bodyPr/>
+                    <a:lstStyle/>
+                    <a:p>
+                      <a:pPr algn="l" fontAlgn="b"/>
+                      <a:r>
+                        <a:rPr lang="en-US" sz="2000" b="0" i="0" u="none" strike="noStrike" dirty="0">
+                          <a:solidFill>
+                            <a:srgbClr val="000000"/>
+                          </a:solidFill>
+                          <a:effectLst/>
+                          <a:latin typeface="Calibri" panose="020F0502020204030204" pitchFamily="34" charset="0"/>
+                        </a:rPr>
+                        <a:t>Netherlands</a:t>
+                      </a:r>
+                    </a:p>
+                  </a:txBody>
+                  <a:tcPr marL="6350" marR="6350" marT="6350" marB="0" anchor="b">
+                    <a:lnL w="12700" cap="flat" cmpd="sng" algn="ctr">
+                      <a:solidFill>
+                        <a:schemeClr val="tx1"/>
+                      </a:solidFill>
+                      <a:prstDash val="solid"/>
+                      <a:round/>
+                      <a:headEnd type="none" w="med" len="med"/>
+                      <a:tailEnd type="none" w="med" len="med"/>
+                    </a:lnL>
+                    <a:lnR>
+                      <a:noFill/>
+                    </a:lnR>
+                    <a:lnT>
+                      <a:noFill/>
+                    </a:lnT>
+                    <a:lnB>
+                      <a:noFill/>
+                    </a:lnB>
+                  </a:tcPr>
+                </a:tc>
+                <a:tc>
+                  <a:txBody>
+                    <a:bodyPr/>
+                    <a:lstStyle/>
+                    <a:p>
+                      <a:pPr algn="ctr" fontAlgn="b"/>
+                      <a:r>
+                        <a:rPr lang="en-US" sz="2000" b="0" i="0" u="none" strike="noStrike" dirty="0">
+                          <a:solidFill>
+                            <a:srgbClr val="000000"/>
+                          </a:solidFill>
+                          <a:effectLst/>
+                          <a:latin typeface="Calibri" panose="020F0502020204030204" pitchFamily="34" charset="0"/>
+                        </a:rPr>
+                        <a:t>7.40</a:t>
+                      </a:r>
+                    </a:p>
+                  </a:txBody>
+                  <a:tcPr marL="6350" marR="6350" marT="6350" marB="0" anchor="b">
+                    <a:lnL>
+                      <a:noFill/>
+                    </a:lnL>
+                    <a:lnR w="12700" cap="flat" cmpd="sng" algn="ctr">
+                      <a:solidFill>
+                        <a:schemeClr val="tx1"/>
+                      </a:solidFill>
+                      <a:prstDash val="solid"/>
+                      <a:round/>
+                      <a:headEnd type="none" w="med" len="med"/>
+                      <a:tailEnd type="none" w="med" len="med"/>
+                    </a:lnR>
+                    <a:lnT>
+                      <a:noFill/>
+                    </a:lnT>
+                    <a:lnB>
+                      <a:noFill/>
+                    </a:lnB>
+                  </a:tcPr>
+                </a:tc>
+                <a:extLst>
+                  <a:ext uri="{0D108BD9-81ED-4DB2-BD59-A6C34878D82A}">
+                    <a16:rowId xmlns:a16="http://schemas.microsoft.com/office/drawing/2014/main" val="216271384"/>
+                  </a:ext>
+                </a:extLst>
+              </a:tr>
+              <a:tr h="184150">
+                <a:tc>
+                  <a:txBody>
+                    <a:bodyPr/>
+                    <a:lstStyle/>
+                    <a:p>
+                      <a:pPr algn="l" fontAlgn="b"/>
+                      <a:r>
+                        <a:rPr lang="en-US" sz="2000" b="0" i="0" u="none" strike="noStrike" dirty="0">
+                          <a:solidFill>
+                            <a:srgbClr val="000000"/>
+                          </a:solidFill>
+                          <a:effectLst/>
+                          <a:latin typeface="Calibri" panose="020F0502020204030204" pitchFamily="34" charset="0"/>
+                        </a:rPr>
+                        <a:t>Canada</a:t>
+                      </a:r>
+                    </a:p>
+                  </a:txBody>
+                  <a:tcPr marL="6350" marR="6350" marT="6350" marB="0" anchor="b">
+                    <a:lnL w="12700" cap="flat" cmpd="sng" algn="ctr">
+                      <a:solidFill>
+                        <a:schemeClr val="tx1"/>
+                      </a:solidFill>
+                      <a:prstDash val="solid"/>
+                      <a:round/>
+                      <a:headEnd type="none" w="med" len="med"/>
+                      <a:tailEnd type="none" w="med" len="med"/>
+                    </a:lnL>
+                    <a:lnR>
+                      <a:noFill/>
+                    </a:lnR>
+                    <a:lnT>
+                      <a:noFill/>
+                    </a:lnT>
+                    <a:lnB>
+                      <a:noFill/>
+                    </a:lnB>
+                  </a:tcPr>
+                </a:tc>
+                <a:tc>
+                  <a:txBody>
+                    <a:bodyPr/>
+                    <a:lstStyle/>
+                    <a:p>
+                      <a:pPr algn="ctr" fontAlgn="b"/>
+                      <a:r>
+                        <a:rPr lang="en-US" sz="2000" b="0" i="0" u="none" strike="noStrike" dirty="0">
+                          <a:solidFill>
+                            <a:srgbClr val="000000"/>
+                          </a:solidFill>
+                          <a:effectLst/>
+                          <a:latin typeface="Calibri" panose="020F0502020204030204" pitchFamily="34" charset="0"/>
+                        </a:rPr>
+                        <a:t>7.35</a:t>
+                      </a:r>
+                    </a:p>
+                  </a:txBody>
+                  <a:tcPr marL="6350" marR="6350" marT="6350" marB="0" anchor="b">
+                    <a:lnL>
+                      <a:noFill/>
+                    </a:lnL>
+                    <a:lnR w="12700" cap="flat" cmpd="sng" algn="ctr">
+                      <a:solidFill>
+                        <a:schemeClr val="tx1"/>
+                      </a:solidFill>
+                      <a:prstDash val="solid"/>
+                      <a:round/>
+                      <a:headEnd type="none" w="med" len="med"/>
+                      <a:tailEnd type="none" w="med" len="med"/>
+                    </a:lnR>
+                    <a:lnT>
+                      <a:noFill/>
+                    </a:lnT>
+                    <a:lnB>
+                      <a:noFill/>
+                    </a:lnB>
+                  </a:tcPr>
+                </a:tc>
+                <a:extLst>
+                  <a:ext uri="{0D108BD9-81ED-4DB2-BD59-A6C34878D82A}">
+                    <a16:rowId xmlns:a16="http://schemas.microsoft.com/office/drawing/2014/main" val="3116962861"/>
+                  </a:ext>
+                </a:extLst>
+              </a:tr>
+              <a:tr h="184150">
+                <a:tc>
+                  <a:txBody>
+                    <a:bodyPr/>
+                    <a:lstStyle/>
+                    <a:p>
+                      <a:pPr algn="l" fontAlgn="b"/>
+                      <a:r>
+                        <a:rPr lang="en-US" sz="2000" b="0" i="0" u="none" strike="noStrike" dirty="0">
+                          <a:solidFill>
+                            <a:srgbClr val="000000"/>
+                          </a:solidFill>
+                          <a:effectLst/>
+                          <a:latin typeface="Calibri" panose="020F0502020204030204" pitchFamily="34" charset="0"/>
+                        </a:rPr>
+                        <a:t>Sweden</a:t>
+                      </a:r>
+                    </a:p>
+                  </a:txBody>
+                  <a:tcPr marL="6350" marR="6350" marT="6350" marB="0" anchor="b">
+                    <a:lnL w="12700" cap="flat" cmpd="sng" algn="ctr">
+                      <a:solidFill>
+                        <a:schemeClr val="tx1"/>
+                      </a:solidFill>
+                      <a:prstDash val="solid"/>
+                      <a:round/>
+                      <a:headEnd type="none" w="med" len="med"/>
+                      <a:tailEnd type="none" w="med" len="med"/>
+                    </a:lnL>
+                    <a:lnR>
+                      <a:noFill/>
+                    </a:lnR>
+                    <a:lnT>
+                      <a:noFill/>
+                    </a:lnT>
+                    <a:lnB>
+                      <a:noFill/>
+                    </a:lnB>
+                  </a:tcPr>
+                </a:tc>
+                <a:tc>
+                  <a:txBody>
+                    <a:bodyPr/>
+                    <a:lstStyle/>
+                    <a:p>
+                      <a:pPr algn="ctr" fontAlgn="b"/>
+                      <a:r>
+                        <a:rPr lang="en-US" sz="2000" b="0" i="0" u="none" strike="noStrike" dirty="0">
+                          <a:solidFill>
+                            <a:srgbClr val="000000"/>
+                          </a:solidFill>
+                          <a:effectLst/>
+                          <a:latin typeface="Calibri" panose="020F0502020204030204" pitchFamily="34" charset="0"/>
+                        </a:rPr>
+                        <a:t>7.32</a:t>
+                      </a:r>
+                    </a:p>
+                  </a:txBody>
+                  <a:tcPr marL="6350" marR="6350" marT="6350" marB="0" anchor="b">
+                    <a:lnL>
+                      <a:noFill/>
+                    </a:lnL>
+                    <a:lnR w="12700" cap="flat" cmpd="sng" algn="ctr">
+                      <a:solidFill>
+                        <a:schemeClr val="tx1"/>
+                      </a:solidFill>
+                      <a:prstDash val="solid"/>
+                      <a:round/>
+                      <a:headEnd type="none" w="med" len="med"/>
+                      <a:tailEnd type="none" w="med" len="med"/>
+                    </a:lnR>
+                    <a:lnT>
+                      <a:noFill/>
+                    </a:lnT>
+                    <a:lnB>
+                      <a:noFill/>
+                    </a:lnB>
+                  </a:tcPr>
+                </a:tc>
+                <a:extLst>
+                  <a:ext uri="{0D108BD9-81ED-4DB2-BD59-A6C34878D82A}">
+                    <a16:rowId xmlns:a16="http://schemas.microsoft.com/office/drawing/2014/main" val="402694925"/>
+                  </a:ext>
+                </a:extLst>
+              </a:tr>
+              <a:tr h="184150">
+                <a:tc>
+                  <a:txBody>
+                    <a:bodyPr/>
+                    <a:lstStyle/>
+                    <a:p>
+                      <a:pPr algn="l" fontAlgn="b"/>
+                      <a:r>
+                        <a:rPr lang="en-US" sz="2000" b="0" i="0" u="none" strike="noStrike" dirty="0">
+                          <a:solidFill>
+                            <a:srgbClr val="000000"/>
+                          </a:solidFill>
+                          <a:effectLst/>
+                          <a:latin typeface="Calibri" panose="020F0502020204030204" pitchFamily="34" charset="0"/>
+                        </a:rPr>
+                        <a:t>New Zealand</a:t>
+                      </a:r>
+                    </a:p>
+                  </a:txBody>
+                  <a:tcPr marL="6350" marR="6350" marT="6350" marB="0" anchor="b">
+                    <a:lnL w="12700" cap="flat" cmpd="sng" algn="ctr">
+                      <a:solidFill>
+                        <a:schemeClr val="tx1"/>
+                      </a:solidFill>
+                      <a:prstDash val="solid"/>
+                      <a:round/>
+                      <a:headEnd type="none" w="med" len="med"/>
+                      <a:tailEnd type="none" w="med" len="med"/>
+                    </a:lnL>
+                    <a:lnR>
+                      <a:noFill/>
+                    </a:lnR>
+                    <a:lnT>
+                      <a:noFill/>
+                    </a:lnT>
+                    <a:lnB>
+                      <a:noFill/>
+                    </a:lnB>
+                  </a:tcPr>
+                </a:tc>
+                <a:tc>
+                  <a:txBody>
+                    <a:bodyPr/>
+                    <a:lstStyle/>
+                    <a:p>
+                      <a:pPr algn="ctr" fontAlgn="b"/>
+                      <a:r>
+                        <a:rPr lang="en-US" sz="2000" b="0" i="0" u="none" strike="noStrike" dirty="0">
+                          <a:solidFill>
+                            <a:srgbClr val="000000"/>
+                          </a:solidFill>
+                          <a:effectLst/>
+                          <a:latin typeface="Calibri" panose="020F0502020204030204" pitchFamily="34" charset="0"/>
+                        </a:rPr>
+                        <a:t>7.31</a:t>
+                      </a:r>
+                    </a:p>
+                  </a:txBody>
+                  <a:tcPr marL="6350" marR="6350" marT="6350" marB="0" anchor="b">
+                    <a:lnL>
+                      <a:noFill/>
+                    </a:lnL>
+                    <a:lnR w="12700" cap="flat" cmpd="sng" algn="ctr">
+                      <a:solidFill>
+                        <a:schemeClr val="tx1"/>
+                      </a:solidFill>
+                      <a:prstDash val="solid"/>
+                      <a:round/>
+                      <a:headEnd type="none" w="med" len="med"/>
+                      <a:tailEnd type="none" w="med" len="med"/>
+                    </a:lnR>
+                    <a:lnT>
+                      <a:noFill/>
+                    </a:lnT>
+                    <a:lnB>
+                      <a:noFill/>
+                    </a:lnB>
+                  </a:tcPr>
+                </a:tc>
+                <a:extLst>
+                  <a:ext uri="{0D108BD9-81ED-4DB2-BD59-A6C34878D82A}">
+                    <a16:rowId xmlns:a16="http://schemas.microsoft.com/office/drawing/2014/main" val="616764775"/>
+                  </a:ext>
+                </a:extLst>
+              </a:tr>
+              <a:tr h="184150">
+                <a:tc>
+                  <a:txBody>
+                    <a:bodyPr/>
+                    <a:lstStyle/>
+                    <a:p>
+                      <a:pPr algn="l" fontAlgn="b"/>
+                      <a:r>
+                        <a:rPr lang="en-US" sz="2000" b="0" i="0" u="none" strike="noStrike" dirty="0">
+                          <a:solidFill>
+                            <a:srgbClr val="000000"/>
+                          </a:solidFill>
+                          <a:effectLst/>
+                          <a:latin typeface="Calibri" panose="020F0502020204030204" pitchFamily="34" charset="0"/>
+                        </a:rPr>
+                        <a:t>Australia</a:t>
+                      </a:r>
+                    </a:p>
+                  </a:txBody>
+                  <a:tcPr marL="6350" marR="6350" marT="6350" marB="0" anchor="b">
+                    <a:lnL w="12700" cap="flat" cmpd="sng" algn="ctr">
+                      <a:solidFill>
+                        <a:schemeClr val="tx1"/>
+                      </a:solidFill>
+                      <a:prstDash val="solid"/>
+                      <a:round/>
+                      <a:headEnd type="none" w="med" len="med"/>
+                      <a:tailEnd type="none" w="med" len="med"/>
+                    </a:lnL>
+                    <a:lnR>
+                      <a:noFill/>
+                    </a:lnR>
+                    <a:lnT>
+                      <a:noFill/>
+                    </a:lnT>
+                    <a:lnB w="12700" cap="flat" cmpd="sng" algn="ctr">
+                      <a:solidFill>
+                        <a:schemeClr val="tx1"/>
+                      </a:solidFill>
+                      <a:prstDash val="solid"/>
+                      <a:round/>
+                      <a:headEnd type="none" w="med" len="med"/>
+                      <a:tailEnd type="none" w="med" len="med"/>
+                    </a:lnB>
+                  </a:tcPr>
+                </a:tc>
+                <a:tc>
+                  <a:txBody>
+                    <a:bodyPr/>
+                    <a:lstStyle/>
+                    <a:p>
+                      <a:pPr algn="ctr" fontAlgn="b"/>
+                      <a:r>
+                        <a:rPr lang="en-US" sz="2000" b="0" i="0" u="none" strike="noStrike" dirty="0">
+                          <a:solidFill>
+                            <a:srgbClr val="000000"/>
+                          </a:solidFill>
+                          <a:effectLst/>
+                          <a:latin typeface="Calibri" panose="020F0502020204030204" pitchFamily="34" charset="0"/>
+                        </a:rPr>
+                        <a:t>7.28</a:t>
+                      </a:r>
+                    </a:p>
+                  </a:txBody>
+                  <a:tcPr marL="6350" marR="6350" marT="6350" marB="0" anchor="b">
+                    <a:lnL>
+                      <a:noFill/>
+                    </a:lnL>
+                    <a:lnR w="12700" cap="flat" cmpd="sng" algn="ctr">
+                      <a:solidFill>
+                        <a:schemeClr val="tx1"/>
+                      </a:solidFill>
+                      <a:prstDash val="solid"/>
+                      <a:round/>
+                      <a:headEnd type="none" w="med" len="med"/>
+                      <a:tailEnd type="none" w="med" len="med"/>
+                    </a:lnR>
+                    <a:lnT>
+                      <a:noFill/>
+                    </a:lnT>
+                    <a:lnB w="12700" cap="flat" cmpd="sng" algn="ctr">
+                      <a:solidFill>
+                        <a:schemeClr val="tx1"/>
+                      </a:solidFill>
+                      <a:prstDash val="solid"/>
+                      <a:round/>
+                      <a:headEnd type="none" w="med" len="med"/>
+                      <a:tailEnd type="none" w="med" len="med"/>
+                    </a:lnB>
+                  </a:tcPr>
+                </a:tc>
+                <a:extLst>
+                  <a:ext uri="{0D108BD9-81ED-4DB2-BD59-A6C34878D82A}">
+                    <a16:rowId xmlns:a16="http://schemas.microsoft.com/office/drawing/2014/main" val="1661165616"/>
+                  </a:ext>
+                </a:extLst>
+              </a:tr>
+            </a:tbl>
+          </a:graphicData>
+        </a:graphic>
+      </p:graphicFrame>
+      <p:graphicFrame>
+        <p:nvGraphicFramePr>
+          <p:cNvPr id="9" name="Table 8">
+            <a:extLst>
+              <a:ext uri="{FF2B5EF4-FFF2-40B4-BE49-F238E27FC236}">
+                <a16:creationId xmlns:a16="http://schemas.microsoft.com/office/drawing/2014/main" id="{EC647B37-211F-4971-B193-276F7779AC6D}"/>
+              </a:ext>
+            </a:extLst>
+          </p:cNvPr>
+          <p:cNvGraphicFramePr>
+            <a:graphicFrameLocks noGrp="1"/>
+          </p:cNvGraphicFramePr>
+          <p:nvPr>
+            <p:extLst/>
+          </p:nvPr>
+        </p:nvGraphicFramePr>
+        <p:xfrm>
+          <a:off x="497840" y="1290907"/>
+          <a:ext cx="2921877" cy="3483610"/>
+        </p:xfrm>
+        <a:graphic>
+          <a:graphicData uri="http://schemas.openxmlformats.org/drawingml/2006/table">
+            <a:tbl>
+              <a:tblPr/>
+              <a:tblGrid>
+                <a:gridCol w="2006672">
+                  <a:extLst>
+                    <a:ext uri="{9D8B030D-6E8A-4147-A177-3AD203B41FA5}">
+                      <a16:colId xmlns:a16="http://schemas.microsoft.com/office/drawing/2014/main" val="677032538"/>
+                    </a:ext>
+                  </a:extLst>
+                </a:gridCol>
+                <a:gridCol w="915205">
+                  <a:extLst>
+                    <a:ext uri="{9D8B030D-6E8A-4147-A177-3AD203B41FA5}">
+                      <a16:colId xmlns:a16="http://schemas.microsoft.com/office/drawing/2014/main" val="3137108985"/>
+                    </a:ext>
+                  </a:extLst>
+                </a:gridCol>
+              </a:tblGrid>
+              <a:tr h="258218">
+                <a:tc>
+                  <a:txBody>
+                    <a:bodyPr/>
+                    <a:lstStyle/>
+                    <a:p>
+                      <a:pPr algn="l" fontAlgn="b"/>
+                      <a:r>
+                        <a:rPr lang="en-US" sz="2400" b="0" i="0" u="none" strike="noStrike" dirty="0">
+                          <a:solidFill>
+                            <a:srgbClr val="000000"/>
+                          </a:solidFill>
+                          <a:effectLst/>
+                          <a:latin typeface="Calibri" panose="020F0502020204030204" pitchFamily="34" charset="0"/>
+                        </a:rPr>
+                        <a:t>Country</a:t>
+                      </a:r>
+                    </a:p>
+                  </a:txBody>
+                  <a:tcPr marL="6350" marR="6350" marT="6350" marB="0" anchor="b">
+                    <a:lnL w="12700" cap="flat" cmpd="sng" algn="ctr">
+                      <a:solidFill>
+                        <a:schemeClr val="tx1"/>
+                      </a:solidFill>
+                      <a:prstDash val="solid"/>
+                      <a:round/>
+                      <a:headEnd type="none" w="med" len="med"/>
+                      <a:tailEnd type="none" w="med" len="med"/>
+                    </a:lnL>
+                    <a:lnR>
+                      <a:noFill/>
+                    </a:lnR>
+                    <a:lnT w="12700" cap="flat" cmpd="sng" algn="ctr">
+                      <a:solidFill>
+                        <a:schemeClr val="tx1"/>
+                      </a:solidFill>
+                      <a:prstDash val="solid"/>
+                      <a:round/>
+                      <a:headEnd type="none" w="med" len="med"/>
+                      <a:tailEnd type="none" w="med" len="med"/>
+                    </a:lnT>
+                    <a:lnB>
+                      <a:noFill/>
+                    </a:lnB>
+                    <a:solidFill>
+                      <a:srgbClr val="F22E90"/>
+                    </a:solidFill>
+                  </a:tcPr>
+                </a:tc>
+                <a:tc>
+                  <a:txBody>
+                    <a:bodyPr/>
+                    <a:lstStyle/>
+                    <a:p>
+                      <a:pPr algn="ctr" fontAlgn="b"/>
+                      <a:r>
+                        <a:rPr lang="en-US" sz="2400" b="0" i="0" u="none" strike="noStrike" dirty="0">
+                          <a:solidFill>
+                            <a:srgbClr val="000000"/>
+                          </a:solidFill>
+                          <a:effectLst/>
+                          <a:latin typeface="Calibri" panose="020F0502020204030204" pitchFamily="34" charset="0"/>
+                        </a:rPr>
+                        <a:t>Avg</a:t>
+                      </a:r>
+                    </a:p>
+                  </a:txBody>
+                  <a:tcPr marL="6350" marR="6350" marT="6350" marB="0" anchor="b">
+                    <a:lnL>
+                      <a:noFill/>
+                    </a:lnL>
+                    <a:lnR w="12700" cap="flat" cmpd="sng" algn="ctr">
+                      <a:solidFill>
+                        <a:schemeClr val="tx1"/>
+                      </a:solidFill>
+                      <a:prstDash val="solid"/>
+                      <a:round/>
+                      <a:headEnd type="none" w="med" len="med"/>
+                      <a:tailEnd type="none" w="med" len="med"/>
+                    </a:lnR>
+                    <a:lnT w="12700" cap="flat" cmpd="sng" algn="ctr">
+                      <a:solidFill>
+                        <a:schemeClr val="tx1"/>
+                      </a:solidFill>
+                      <a:prstDash val="solid"/>
+                      <a:round/>
+                      <a:headEnd type="none" w="med" len="med"/>
+                      <a:tailEnd type="none" w="med" len="med"/>
+                    </a:lnT>
+                    <a:lnB>
+                      <a:noFill/>
+                    </a:lnB>
+                    <a:solidFill>
+                      <a:srgbClr val="F22E90"/>
+                    </a:solidFill>
+                  </a:tcPr>
+                </a:tc>
+                <a:extLst>
+                  <a:ext uri="{0D108BD9-81ED-4DB2-BD59-A6C34878D82A}">
+                    <a16:rowId xmlns:a16="http://schemas.microsoft.com/office/drawing/2014/main" val="1228885964"/>
+                  </a:ext>
+                </a:extLst>
+              </a:tr>
+              <a:tr h="175668">
+                <a:tc>
+                  <a:txBody>
+                    <a:bodyPr/>
+                    <a:lstStyle/>
+                    <a:p>
+                      <a:pPr algn="l" fontAlgn="b"/>
+                      <a:r>
+                        <a:rPr lang="en-US" sz="2000" b="0" i="0" u="none" strike="noStrike" dirty="0">
+                          <a:solidFill>
+                            <a:srgbClr val="000000"/>
+                          </a:solidFill>
+                          <a:effectLst/>
+                          <a:latin typeface="Calibri" panose="020F0502020204030204" pitchFamily="34" charset="0"/>
+                        </a:rPr>
+                        <a:t>Burundi</a:t>
+                      </a:r>
+                    </a:p>
+                  </a:txBody>
+                  <a:tcPr marL="6350" marR="6350" marT="6350" marB="0" anchor="b">
+                    <a:lnL w="12700" cap="flat" cmpd="sng" algn="ctr">
+                      <a:solidFill>
+                        <a:schemeClr val="tx1"/>
+                      </a:solidFill>
+                      <a:prstDash val="solid"/>
+                      <a:round/>
+                      <a:headEnd type="none" w="med" len="med"/>
+                      <a:tailEnd type="none" w="med" len="med"/>
+                    </a:lnL>
+                    <a:lnR>
+                      <a:noFill/>
+                    </a:lnR>
+                    <a:lnT>
+                      <a:noFill/>
+                    </a:lnT>
+                    <a:lnB>
+                      <a:noFill/>
+                    </a:lnB>
+                  </a:tcPr>
+                </a:tc>
+                <a:tc>
+                  <a:txBody>
+                    <a:bodyPr/>
+                    <a:lstStyle/>
+                    <a:p>
+                      <a:pPr algn="ctr" fontAlgn="b"/>
+                      <a:r>
+                        <a:rPr lang="en-US" sz="2000" b="0" i="0" u="none" strike="noStrike" dirty="0">
+                          <a:solidFill>
+                            <a:srgbClr val="000000"/>
+                          </a:solidFill>
+                          <a:effectLst/>
+                          <a:latin typeface="Calibri" panose="020F0502020204030204" pitchFamily="34" charset="0"/>
+                        </a:rPr>
+                        <a:t>3.08</a:t>
+                      </a:r>
+                    </a:p>
+                  </a:txBody>
+                  <a:tcPr marL="6350" marR="6350" marT="6350" marB="0" anchor="b">
+                    <a:lnL>
+                      <a:noFill/>
+                    </a:lnL>
+                    <a:lnR w="12700" cap="flat" cmpd="sng" algn="ctr">
+                      <a:solidFill>
+                        <a:schemeClr val="tx1"/>
+                      </a:solidFill>
+                      <a:prstDash val="solid"/>
+                      <a:round/>
+                      <a:headEnd type="none" w="med" len="med"/>
+                      <a:tailEnd type="none" w="med" len="med"/>
+                    </a:lnR>
+                    <a:lnT>
+                      <a:noFill/>
+                    </a:lnT>
+                    <a:lnB>
+                      <a:noFill/>
+                    </a:lnB>
+                  </a:tcPr>
+                </a:tc>
+                <a:extLst>
+                  <a:ext uri="{0D108BD9-81ED-4DB2-BD59-A6C34878D82A}">
+                    <a16:rowId xmlns:a16="http://schemas.microsoft.com/office/drawing/2014/main" val="3741063425"/>
+                  </a:ext>
+                </a:extLst>
+              </a:tr>
+              <a:tr h="184150">
+                <a:tc>
+                  <a:txBody>
+                    <a:bodyPr/>
+                    <a:lstStyle/>
+                    <a:p>
+                      <a:pPr algn="l" fontAlgn="b"/>
+                      <a:r>
+                        <a:rPr lang="en-US" sz="2000" b="0" i="0" u="none" strike="noStrike" dirty="0">
+                          <a:solidFill>
+                            <a:srgbClr val="000000"/>
+                          </a:solidFill>
+                          <a:effectLst/>
+                          <a:latin typeface="Calibri" panose="020F0502020204030204" pitchFamily="34" charset="0"/>
+                        </a:rPr>
+                        <a:t>Cent. Afr. Republic</a:t>
+                      </a:r>
+                    </a:p>
+                  </a:txBody>
+                  <a:tcPr marL="6350" marR="6350" marT="6350" marB="0" anchor="b">
+                    <a:lnL w="12700" cap="flat" cmpd="sng" algn="ctr">
+                      <a:solidFill>
+                        <a:schemeClr val="tx1"/>
+                      </a:solidFill>
+                      <a:prstDash val="solid"/>
+                      <a:round/>
+                      <a:headEnd type="none" w="med" len="med"/>
+                      <a:tailEnd type="none" w="med" len="med"/>
+                    </a:lnL>
+                    <a:lnR>
+                      <a:noFill/>
+                    </a:lnR>
+                    <a:lnT>
+                      <a:noFill/>
+                    </a:lnT>
+                    <a:lnB>
+                      <a:noFill/>
+                    </a:lnB>
+                  </a:tcPr>
+                </a:tc>
+                <a:tc>
+                  <a:txBody>
+                    <a:bodyPr/>
+                    <a:lstStyle/>
+                    <a:p>
+                      <a:pPr algn="ctr" fontAlgn="b"/>
+                      <a:r>
+                        <a:rPr lang="en-US" sz="2000" b="0" i="0" u="none" strike="noStrike" dirty="0">
+                          <a:solidFill>
+                            <a:srgbClr val="000000"/>
+                          </a:solidFill>
+                          <a:effectLst/>
+                          <a:latin typeface="Calibri" panose="020F0502020204030204" pitchFamily="34" charset="0"/>
+                        </a:rPr>
+                        <a:t>3.21</a:t>
+                      </a:r>
+                    </a:p>
+                  </a:txBody>
+                  <a:tcPr marL="6350" marR="6350" marT="6350" marB="0" anchor="b">
+                    <a:lnL>
+                      <a:noFill/>
+                    </a:lnL>
+                    <a:lnR w="12700" cap="flat" cmpd="sng" algn="ctr">
+                      <a:solidFill>
+                        <a:schemeClr val="tx1"/>
+                      </a:solidFill>
+                      <a:prstDash val="solid"/>
+                      <a:round/>
+                      <a:headEnd type="none" w="med" len="med"/>
+                      <a:tailEnd type="none" w="med" len="med"/>
+                    </a:lnR>
+                    <a:lnT>
+                      <a:noFill/>
+                    </a:lnT>
+                    <a:lnB>
+                      <a:noFill/>
+                    </a:lnB>
+                  </a:tcPr>
+                </a:tc>
+                <a:extLst>
+                  <a:ext uri="{0D108BD9-81ED-4DB2-BD59-A6C34878D82A}">
+                    <a16:rowId xmlns:a16="http://schemas.microsoft.com/office/drawing/2014/main" val="87997644"/>
+                  </a:ext>
+                </a:extLst>
+              </a:tr>
+              <a:tr h="184150">
+                <a:tc>
+                  <a:txBody>
+                    <a:bodyPr/>
+                    <a:lstStyle/>
+                    <a:p>
+                      <a:pPr algn="l" fontAlgn="b"/>
+                      <a:r>
+                        <a:rPr lang="en-US" sz="2000" b="0" i="0" u="none" strike="noStrike" dirty="0">
+                          <a:solidFill>
+                            <a:srgbClr val="000000"/>
+                          </a:solidFill>
+                          <a:effectLst/>
+                          <a:latin typeface="Calibri" panose="020F0502020204030204" pitchFamily="34" charset="0"/>
+                        </a:rPr>
+                        <a:t>Syria</a:t>
+                      </a:r>
+                    </a:p>
+                  </a:txBody>
+                  <a:tcPr marL="6350" marR="6350" marT="6350" marB="0" anchor="b">
+                    <a:lnL w="12700" cap="flat" cmpd="sng" algn="ctr">
+                      <a:solidFill>
+                        <a:schemeClr val="tx1"/>
+                      </a:solidFill>
+                      <a:prstDash val="solid"/>
+                      <a:round/>
+                      <a:headEnd type="none" w="med" len="med"/>
+                      <a:tailEnd type="none" w="med" len="med"/>
+                    </a:lnL>
+                    <a:lnR>
+                      <a:noFill/>
+                    </a:lnR>
+                    <a:lnT>
+                      <a:noFill/>
+                    </a:lnT>
+                    <a:lnB>
+                      <a:noFill/>
+                    </a:lnB>
+                  </a:tcPr>
+                </a:tc>
+                <a:tc>
+                  <a:txBody>
+                    <a:bodyPr/>
+                    <a:lstStyle/>
+                    <a:p>
+                      <a:pPr algn="ctr" fontAlgn="b"/>
+                      <a:r>
+                        <a:rPr lang="en-US" sz="2000" b="0" i="0" u="none" strike="noStrike" dirty="0">
+                          <a:solidFill>
+                            <a:srgbClr val="000000"/>
+                          </a:solidFill>
+                          <a:effectLst/>
+                          <a:latin typeface="Calibri" panose="020F0502020204030204" pitchFamily="34" charset="0"/>
+                        </a:rPr>
+                        <a:t>3.29</a:t>
+                      </a:r>
+                    </a:p>
+                  </a:txBody>
+                  <a:tcPr marL="6350" marR="6350" marT="6350" marB="0" anchor="b">
+                    <a:lnL>
+                      <a:noFill/>
+                    </a:lnL>
+                    <a:lnR w="12700" cap="flat" cmpd="sng" algn="ctr">
+                      <a:solidFill>
+                        <a:schemeClr val="tx1"/>
+                      </a:solidFill>
+                      <a:prstDash val="solid"/>
+                      <a:round/>
+                      <a:headEnd type="none" w="med" len="med"/>
+                      <a:tailEnd type="none" w="med" len="med"/>
+                    </a:lnR>
+                    <a:lnT>
+                      <a:noFill/>
+                    </a:lnT>
+                    <a:lnB>
+                      <a:noFill/>
+                    </a:lnB>
+                  </a:tcPr>
+                </a:tc>
+                <a:extLst>
+                  <a:ext uri="{0D108BD9-81ED-4DB2-BD59-A6C34878D82A}">
+                    <a16:rowId xmlns:a16="http://schemas.microsoft.com/office/drawing/2014/main" val="1759181083"/>
+                  </a:ext>
+                </a:extLst>
+              </a:tr>
+              <a:tr h="184150">
+                <a:tc>
+                  <a:txBody>
+                    <a:bodyPr/>
+                    <a:lstStyle/>
+                    <a:p>
+                      <a:pPr algn="l" fontAlgn="b"/>
+                      <a:r>
+                        <a:rPr lang="en-US" sz="2000" b="0" i="0" u="none" strike="noStrike" dirty="0">
+                          <a:solidFill>
+                            <a:srgbClr val="000000"/>
+                          </a:solidFill>
+                          <a:effectLst/>
+                          <a:latin typeface="Calibri" panose="020F0502020204030204" pitchFamily="34" charset="0"/>
+                        </a:rPr>
+                        <a:t>Rwanda</a:t>
+                      </a:r>
+                    </a:p>
+                  </a:txBody>
+                  <a:tcPr marL="6350" marR="6350" marT="6350" marB="0" anchor="b">
+                    <a:lnL w="12700" cap="flat" cmpd="sng" algn="ctr">
+                      <a:solidFill>
+                        <a:schemeClr val="tx1"/>
+                      </a:solidFill>
+                      <a:prstDash val="solid"/>
+                      <a:round/>
+                      <a:headEnd type="none" w="med" len="med"/>
+                      <a:tailEnd type="none" w="med" len="med"/>
+                    </a:lnL>
+                    <a:lnR>
+                      <a:noFill/>
+                    </a:lnR>
+                    <a:lnT>
+                      <a:noFill/>
+                    </a:lnT>
+                    <a:lnB>
+                      <a:noFill/>
+                    </a:lnB>
+                  </a:tcPr>
+                </a:tc>
+                <a:tc>
+                  <a:txBody>
+                    <a:bodyPr/>
+                    <a:lstStyle/>
+                    <a:p>
+                      <a:pPr algn="ctr" fontAlgn="b"/>
+                      <a:r>
+                        <a:rPr lang="en-US" sz="2000" b="0" i="0" u="none" strike="noStrike" dirty="0">
+                          <a:solidFill>
+                            <a:srgbClr val="000000"/>
+                          </a:solidFill>
+                          <a:effectLst/>
+                          <a:latin typeface="Calibri" panose="020F0502020204030204" pitchFamily="34" charset="0"/>
+                        </a:rPr>
+                        <a:t>3.44</a:t>
+                      </a:r>
+                    </a:p>
+                  </a:txBody>
+                  <a:tcPr marL="6350" marR="6350" marT="6350" marB="0" anchor="b">
+                    <a:lnL>
+                      <a:noFill/>
+                    </a:lnL>
+                    <a:lnR w="12700" cap="flat" cmpd="sng" algn="ctr">
+                      <a:solidFill>
+                        <a:schemeClr val="tx1"/>
+                      </a:solidFill>
+                      <a:prstDash val="solid"/>
+                      <a:round/>
+                      <a:headEnd type="none" w="med" len="med"/>
+                      <a:tailEnd type="none" w="med" len="med"/>
+                    </a:lnR>
+                    <a:lnT>
+                      <a:noFill/>
+                    </a:lnT>
+                    <a:lnB>
+                      <a:noFill/>
+                    </a:lnB>
+                  </a:tcPr>
+                </a:tc>
+                <a:extLst>
+                  <a:ext uri="{0D108BD9-81ED-4DB2-BD59-A6C34878D82A}">
+                    <a16:rowId xmlns:a16="http://schemas.microsoft.com/office/drawing/2014/main" val="369874298"/>
+                  </a:ext>
+                </a:extLst>
+              </a:tr>
+              <a:tr h="184150">
+                <a:tc>
+                  <a:txBody>
+                    <a:bodyPr/>
+                    <a:lstStyle/>
+                    <a:p>
+                      <a:pPr algn="l" fontAlgn="b"/>
+                      <a:r>
+                        <a:rPr lang="en-US" sz="2000" b="0" i="0" u="none" strike="noStrike">
+                          <a:solidFill>
+                            <a:srgbClr val="000000"/>
+                          </a:solidFill>
+                          <a:effectLst/>
+                          <a:latin typeface="Calibri" panose="020F0502020204030204" pitchFamily="34" charset="0"/>
+                        </a:rPr>
+                        <a:t>Tanzania</a:t>
+                      </a:r>
+                    </a:p>
+                  </a:txBody>
+                  <a:tcPr marL="6350" marR="6350" marT="6350" marB="0" anchor="b">
+                    <a:lnL w="12700" cap="flat" cmpd="sng" algn="ctr">
+                      <a:solidFill>
+                        <a:schemeClr val="tx1"/>
+                      </a:solidFill>
+                      <a:prstDash val="solid"/>
+                      <a:round/>
+                      <a:headEnd type="none" w="med" len="med"/>
+                      <a:tailEnd type="none" w="med" len="med"/>
+                    </a:lnL>
+                    <a:lnR>
+                      <a:noFill/>
+                    </a:lnR>
+                    <a:lnT>
+                      <a:noFill/>
+                    </a:lnT>
+                    <a:lnB>
+                      <a:noFill/>
+                    </a:lnB>
+                  </a:tcPr>
+                </a:tc>
+                <a:tc>
+                  <a:txBody>
+                    <a:bodyPr/>
+                    <a:lstStyle/>
+                    <a:p>
+                      <a:pPr algn="ctr" fontAlgn="b"/>
+                      <a:r>
+                        <a:rPr lang="en-US" sz="2000" b="0" i="0" u="none" strike="noStrike" dirty="0">
+                          <a:solidFill>
+                            <a:srgbClr val="000000"/>
+                          </a:solidFill>
+                          <a:effectLst/>
+                          <a:latin typeface="Calibri" panose="020F0502020204030204" pitchFamily="34" charset="0"/>
+                        </a:rPr>
+                        <a:t>3.47</a:t>
+                      </a:r>
+                    </a:p>
+                  </a:txBody>
+                  <a:tcPr marL="6350" marR="6350" marT="6350" marB="0" anchor="b">
+                    <a:lnL>
+                      <a:noFill/>
+                    </a:lnL>
+                    <a:lnR w="12700" cap="flat" cmpd="sng" algn="ctr">
+                      <a:solidFill>
+                        <a:schemeClr val="tx1"/>
+                      </a:solidFill>
+                      <a:prstDash val="solid"/>
+                      <a:round/>
+                      <a:headEnd type="none" w="med" len="med"/>
+                      <a:tailEnd type="none" w="med" len="med"/>
+                    </a:lnR>
+                    <a:lnT>
+                      <a:noFill/>
+                    </a:lnT>
+                    <a:lnB>
+                      <a:noFill/>
+                    </a:lnB>
+                  </a:tcPr>
+                </a:tc>
+                <a:extLst>
+                  <a:ext uri="{0D108BD9-81ED-4DB2-BD59-A6C34878D82A}">
+                    <a16:rowId xmlns:a16="http://schemas.microsoft.com/office/drawing/2014/main" val="219549928"/>
+                  </a:ext>
+                </a:extLst>
+              </a:tr>
+              <a:tr h="184150">
+                <a:tc>
+                  <a:txBody>
+                    <a:bodyPr/>
+                    <a:lstStyle/>
+                    <a:p>
+                      <a:pPr algn="l" fontAlgn="b"/>
+                      <a:r>
+                        <a:rPr lang="en-US" sz="2000" b="0" i="0" u="none" strike="noStrike">
+                          <a:solidFill>
+                            <a:srgbClr val="000000"/>
+                          </a:solidFill>
+                          <a:effectLst/>
+                          <a:latin typeface="Calibri" panose="020F0502020204030204" pitchFamily="34" charset="0"/>
+                        </a:rPr>
+                        <a:t>Afghanistan</a:t>
+                      </a:r>
+                    </a:p>
+                  </a:txBody>
+                  <a:tcPr marL="6350" marR="6350" marT="6350" marB="0" anchor="b">
+                    <a:lnL w="12700" cap="flat" cmpd="sng" algn="ctr">
+                      <a:solidFill>
+                        <a:schemeClr val="tx1"/>
+                      </a:solidFill>
+                      <a:prstDash val="solid"/>
+                      <a:round/>
+                      <a:headEnd type="none" w="med" len="med"/>
+                      <a:tailEnd type="none" w="med" len="med"/>
+                    </a:lnL>
+                    <a:lnR>
+                      <a:noFill/>
+                    </a:lnR>
+                    <a:lnT>
+                      <a:noFill/>
+                    </a:lnT>
+                    <a:lnB>
+                      <a:noFill/>
+                    </a:lnB>
+                  </a:tcPr>
+                </a:tc>
+                <a:tc>
+                  <a:txBody>
+                    <a:bodyPr/>
+                    <a:lstStyle/>
+                    <a:p>
+                      <a:pPr algn="ctr" fontAlgn="b"/>
+                      <a:r>
+                        <a:rPr lang="en-US" sz="2000" b="0" i="0" u="none" strike="noStrike" dirty="0">
+                          <a:solidFill>
+                            <a:srgbClr val="000000"/>
+                          </a:solidFill>
+                          <a:effectLst/>
+                          <a:latin typeface="Calibri" panose="020F0502020204030204" pitchFamily="34" charset="0"/>
+                        </a:rPr>
+                        <a:t>3.51</a:t>
+                      </a:r>
+                    </a:p>
+                  </a:txBody>
+                  <a:tcPr marL="6350" marR="6350" marT="6350" marB="0" anchor="b">
+                    <a:lnL>
+                      <a:noFill/>
+                    </a:lnL>
+                    <a:lnR w="12700" cap="flat" cmpd="sng" algn="ctr">
+                      <a:solidFill>
+                        <a:schemeClr val="tx1"/>
+                      </a:solidFill>
+                      <a:prstDash val="solid"/>
+                      <a:round/>
+                      <a:headEnd type="none" w="med" len="med"/>
+                      <a:tailEnd type="none" w="med" len="med"/>
+                    </a:lnR>
+                    <a:lnT>
+                      <a:noFill/>
+                    </a:lnT>
+                    <a:lnB>
+                      <a:noFill/>
+                    </a:lnB>
+                  </a:tcPr>
+                </a:tc>
+                <a:extLst>
+                  <a:ext uri="{0D108BD9-81ED-4DB2-BD59-A6C34878D82A}">
+                    <a16:rowId xmlns:a16="http://schemas.microsoft.com/office/drawing/2014/main" val="216271384"/>
+                  </a:ext>
+                </a:extLst>
+              </a:tr>
+              <a:tr h="184150">
+                <a:tc>
+                  <a:txBody>
+                    <a:bodyPr/>
+                    <a:lstStyle/>
+                    <a:p>
+                      <a:pPr algn="l" fontAlgn="b"/>
+                      <a:r>
+                        <a:rPr lang="en-US" sz="2000" b="0" i="0" u="none" strike="noStrike">
+                          <a:solidFill>
+                            <a:srgbClr val="000000"/>
+                          </a:solidFill>
+                          <a:effectLst/>
+                          <a:latin typeface="Calibri" panose="020F0502020204030204" pitchFamily="34" charset="0"/>
+                        </a:rPr>
+                        <a:t>Togo</a:t>
+                      </a:r>
+                    </a:p>
+                  </a:txBody>
+                  <a:tcPr marL="6350" marR="6350" marT="6350" marB="0" anchor="b">
+                    <a:lnL w="12700" cap="flat" cmpd="sng" algn="ctr">
+                      <a:solidFill>
+                        <a:schemeClr val="tx1"/>
+                      </a:solidFill>
+                      <a:prstDash val="solid"/>
+                      <a:round/>
+                      <a:headEnd type="none" w="med" len="med"/>
+                      <a:tailEnd type="none" w="med" len="med"/>
+                    </a:lnL>
+                    <a:lnR>
+                      <a:noFill/>
+                    </a:lnR>
+                    <a:lnT>
+                      <a:noFill/>
+                    </a:lnT>
+                    <a:lnB>
+                      <a:noFill/>
+                    </a:lnB>
+                  </a:tcPr>
+                </a:tc>
+                <a:tc>
+                  <a:txBody>
+                    <a:bodyPr/>
+                    <a:lstStyle/>
+                    <a:p>
+                      <a:pPr algn="ctr" fontAlgn="b"/>
+                      <a:r>
+                        <a:rPr lang="en-US" sz="2000" b="0" i="0" u="none" strike="noStrike" dirty="0">
+                          <a:solidFill>
+                            <a:srgbClr val="000000"/>
+                          </a:solidFill>
+                          <a:effectLst/>
+                          <a:latin typeface="Calibri" panose="020F0502020204030204" pitchFamily="34" charset="0"/>
+                        </a:rPr>
+                        <a:t>3.54</a:t>
+                      </a:r>
+                    </a:p>
+                  </a:txBody>
+                  <a:tcPr marL="6350" marR="6350" marT="6350" marB="0" anchor="b">
+                    <a:lnL>
+                      <a:noFill/>
+                    </a:lnL>
+                    <a:lnR w="12700" cap="flat" cmpd="sng" algn="ctr">
+                      <a:solidFill>
+                        <a:schemeClr val="tx1"/>
+                      </a:solidFill>
+                      <a:prstDash val="solid"/>
+                      <a:round/>
+                      <a:headEnd type="none" w="med" len="med"/>
+                      <a:tailEnd type="none" w="med" len="med"/>
+                    </a:lnR>
+                    <a:lnT>
+                      <a:noFill/>
+                    </a:lnT>
+                    <a:lnB>
+                      <a:noFill/>
+                    </a:lnB>
+                  </a:tcPr>
+                </a:tc>
+                <a:extLst>
+                  <a:ext uri="{0D108BD9-81ED-4DB2-BD59-A6C34878D82A}">
+                    <a16:rowId xmlns:a16="http://schemas.microsoft.com/office/drawing/2014/main" val="3116962861"/>
+                  </a:ext>
+                </a:extLst>
+              </a:tr>
+              <a:tr h="184150">
+                <a:tc>
+                  <a:txBody>
+                    <a:bodyPr/>
+                    <a:lstStyle/>
+                    <a:p>
+                      <a:pPr algn="l" fontAlgn="b"/>
+                      <a:r>
+                        <a:rPr lang="en-US" sz="2000" b="0" i="0" u="none" strike="noStrike">
+                          <a:solidFill>
+                            <a:srgbClr val="000000"/>
+                          </a:solidFill>
+                          <a:effectLst/>
+                          <a:latin typeface="Calibri" panose="020F0502020204030204" pitchFamily="34" charset="0"/>
+                        </a:rPr>
+                        <a:t>Yemen</a:t>
+                      </a:r>
+                    </a:p>
+                  </a:txBody>
+                  <a:tcPr marL="6350" marR="6350" marT="6350" marB="0" anchor="b">
+                    <a:lnL w="12700" cap="flat" cmpd="sng" algn="ctr">
+                      <a:solidFill>
+                        <a:schemeClr val="tx1"/>
+                      </a:solidFill>
+                      <a:prstDash val="solid"/>
+                      <a:round/>
+                      <a:headEnd type="none" w="med" len="med"/>
+                      <a:tailEnd type="none" w="med" len="med"/>
+                    </a:lnL>
+                    <a:lnR>
+                      <a:noFill/>
+                    </a:lnR>
+                    <a:lnT>
+                      <a:noFill/>
+                    </a:lnT>
+                    <a:lnB>
+                      <a:noFill/>
+                    </a:lnB>
+                  </a:tcPr>
+                </a:tc>
+                <a:tc>
+                  <a:txBody>
+                    <a:bodyPr/>
+                    <a:lstStyle/>
+                    <a:p>
+                      <a:pPr algn="ctr" fontAlgn="b"/>
+                      <a:r>
+                        <a:rPr lang="en-US" sz="2000" b="0" i="0" u="none" strike="noStrike" dirty="0">
+                          <a:solidFill>
+                            <a:srgbClr val="000000"/>
+                          </a:solidFill>
+                          <a:effectLst/>
+                          <a:latin typeface="Calibri" panose="020F0502020204030204" pitchFamily="34" charset="0"/>
+                        </a:rPr>
+                        <a:t>3.63</a:t>
+                      </a:r>
+                    </a:p>
+                  </a:txBody>
+                  <a:tcPr marL="6350" marR="6350" marT="6350" marB="0" anchor="b">
+                    <a:lnL>
+                      <a:noFill/>
+                    </a:lnL>
+                    <a:lnR w="12700" cap="flat" cmpd="sng" algn="ctr">
+                      <a:solidFill>
+                        <a:schemeClr val="tx1"/>
+                      </a:solidFill>
+                      <a:prstDash val="solid"/>
+                      <a:round/>
+                      <a:headEnd type="none" w="med" len="med"/>
+                      <a:tailEnd type="none" w="med" len="med"/>
+                    </a:lnR>
+                    <a:lnT>
+                      <a:noFill/>
+                    </a:lnT>
+                    <a:lnB>
+                      <a:noFill/>
+                    </a:lnB>
+                  </a:tcPr>
+                </a:tc>
+                <a:extLst>
+                  <a:ext uri="{0D108BD9-81ED-4DB2-BD59-A6C34878D82A}">
+                    <a16:rowId xmlns:a16="http://schemas.microsoft.com/office/drawing/2014/main" val="402694925"/>
+                  </a:ext>
+                </a:extLst>
+              </a:tr>
+              <a:tr h="184150">
+                <a:tc>
+                  <a:txBody>
+                    <a:bodyPr/>
+                    <a:lstStyle/>
+                    <a:p>
+                      <a:pPr algn="l" fontAlgn="b"/>
+                      <a:r>
+                        <a:rPr lang="en-US" sz="2000" b="0" i="0" u="none" strike="noStrike">
+                          <a:solidFill>
+                            <a:srgbClr val="000000"/>
+                          </a:solidFill>
+                          <a:effectLst/>
+                          <a:latin typeface="Calibri" panose="020F0502020204030204" pitchFamily="34" charset="0"/>
+                        </a:rPr>
+                        <a:t>Madagascar</a:t>
+                      </a:r>
+                    </a:p>
+                  </a:txBody>
+                  <a:tcPr marL="6350" marR="6350" marT="6350" marB="0" anchor="b">
+                    <a:lnL w="12700" cap="flat" cmpd="sng" algn="ctr">
+                      <a:solidFill>
+                        <a:schemeClr val="tx1"/>
+                      </a:solidFill>
+                      <a:prstDash val="solid"/>
+                      <a:round/>
+                      <a:headEnd type="none" w="med" len="med"/>
+                      <a:tailEnd type="none" w="med" len="med"/>
+                    </a:lnL>
+                    <a:lnR>
+                      <a:noFill/>
+                    </a:lnR>
+                    <a:lnT>
+                      <a:noFill/>
+                    </a:lnT>
+                    <a:lnB>
+                      <a:noFill/>
+                    </a:lnB>
+                  </a:tcPr>
+                </a:tc>
+                <a:tc>
+                  <a:txBody>
+                    <a:bodyPr/>
+                    <a:lstStyle/>
+                    <a:p>
+                      <a:pPr algn="ctr" fontAlgn="b"/>
+                      <a:r>
+                        <a:rPr lang="en-US" sz="2000" b="0" i="0" u="none" strike="noStrike" dirty="0">
+                          <a:solidFill>
+                            <a:srgbClr val="000000"/>
+                          </a:solidFill>
+                          <a:effectLst/>
+                          <a:latin typeface="Calibri" panose="020F0502020204030204" pitchFamily="34" charset="0"/>
+                        </a:rPr>
+                        <a:t>3.75</a:t>
+                      </a:r>
+                    </a:p>
+                  </a:txBody>
+                  <a:tcPr marL="6350" marR="6350" marT="6350" marB="0" anchor="b">
+                    <a:lnL>
+                      <a:noFill/>
+                    </a:lnL>
+                    <a:lnR w="12700" cap="flat" cmpd="sng" algn="ctr">
+                      <a:solidFill>
+                        <a:schemeClr val="tx1"/>
+                      </a:solidFill>
+                      <a:prstDash val="solid"/>
+                      <a:round/>
+                      <a:headEnd type="none" w="med" len="med"/>
+                      <a:tailEnd type="none" w="med" len="med"/>
+                    </a:lnR>
+                    <a:lnT>
+                      <a:noFill/>
+                    </a:lnT>
+                    <a:lnB>
+                      <a:noFill/>
+                    </a:lnB>
+                  </a:tcPr>
+                </a:tc>
+                <a:extLst>
+                  <a:ext uri="{0D108BD9-81ED-4DB2-BD59-A6C34878D82A}">
+                    <a16:rowId xmlns:a16="http://schemas.microsoft.com/office/drawing/2014/main" val="616764775"/>
+                  </a:ext>
+                </a:extLst>
+              </a:tr>
+              <a:tr h="184150">
+                <a:tc>
+                  <a:txBody>
+                    <a:bodyPr/>
+                    <a:lstStyle/>
+                    <a:p>
+                      <a:pPr algn="l" fontAlgn="b"/>
+                      <a:r>
+                        <a:rPr lang="en-US" sz="2000" b="0" i="0" u="none" strike="noStrike">
+                          <a:solidFill>
+                            <a:srgbClr val="000000"/>
+                          </a:solidFill>
+                          <a:effectLst/>
+                          <a:latin typeface="Calibri" panose="020F0502020204030204" pitchFamily="34" charset="0"/>
+                        </a:rPr>
+                        <a:t>Botswana</a:t>
+                      </a:r>
+                    </a:p>
+                  </a:txBody>
+                  <a:tcPr marL="6350" marR="6350" marT="6350" marB="0" anchor="b">
+                    <a:lnL w="12700" cap="flat" cmpd="sng" algn="ctr">
+                      <a:solidFill>
+                        <a:schemeClr val="tx1"/>
+                      </a:solidFill>
+                      <a:prstDash val="solid"/>
+                      <a:round/>
+                      <a:headEnd type="none" w="med" len="med"/>
+                      <a:tailEnd type="none" w="med" len="med"/>
+                    </a:lnL>
+                    <a:lnR>
+                      <a:noFill/>
+                    </a:lnR>
+                    <a:lnT>
+                      <a:noFill/>
+                    </a:lnT>
+                    <a:lnB w="12700" cap="flat" cmpd="sng" algn="ctr">
+                      <a:solidFill>
+                        <a:schemeClr val="tx1"/>
+                      </a:solidFill>
+                      <a:prstDash val="solid"/>
+                      <a:round/>
+                      <a:headEnd type="none" w="med" len="med"/>
+                      <a:tailEnd type="none" w="med" len="med"/>
+                    </a:lnB>
+                  </a:tcPr>
+                </a:tc>
+                <a:tc>
+                  <a:txBody>
+                    <a:bodyPr/>
+                    <a:lstStyle/>
+                    <a:p>
+                      <a:pPr algn="ctr" fontAlgn="b"/>
+                      <a:r>
+                        <a:rPr lang="en-US" sz="2000" b="0" i="0" u="none" strike="noStrike" dirty="0">
+                          <a:solidFill>
+                            <a:srgbClr val="000000"/>
+                          </a:solidFill>
+                          <a:effectLst/>
+                          <a:latin typeface="Calibri" panose="020F0502020204030204" pitchFamily="34" charset="0"/>
+                        </a:rPr>
+                        <a:t>3.83</a:t>
+                      </a:r>
+                    </a:p>
+                  </a:txBody>
+                  <a:tcPr marL="6350" marR="6350" marT="6350" marB="0" anchor="b">
+                    <a:lnL>
+                      <a:noFill/>
+                    </a:lnL>
+                    <a:lnR w="12700" cap="flat" cmpd="sng" algn="ctr">
+                      <a:solidFill>
+                        <a:schemeClr val="tx1"/>
+                      </a:solidFill>
+                      <a:prstDash val="solid"/>
+                      <a:round/>
+                      <a:headEnd type="none" w="med" len="med"/>
+                      <a:tailEnd type="none" w="med" len="med"/>
+                    </a:lnR>
+                    <a:lnT>
+                      <a:noFill/>
+                    </a:lnT>
+                    <a:lnB w="12700" cap="flat" cmpd="sng" algn="ctr">
+                      <a:solidFill>
+                        <a:schemeClr val="tx1"/>
+                      </a:solidFill>
+                      <a:prstDash val="solid"/>
+                      <a:round/>
+                      <a:headEnd type="none" w="med" len="med"/>
+                      <a:tailEnd type="none" w="med" len="med"/>
+                    </a:lnB>
+                  </a:tcPr>
+                </a:tc>
+                <a:extLst>
+                  <a:ext uri="{0D108BD9-81ED-4DB2-BD59-A6C34878D82A}">
+                    <a16:rowId xmlns:a16="http://schemas.microsoft.com/office/drawing/2014/main" val="1661165616"/>
+                  </a:ext>
+                </a:extLst>
+              </a:tr>
+            </a:tbl>
+          </a:graphicData>
+        </a:graphic>
+      </p:graphicFrame>
+      <mc:AlternateContent xmlns:mc="http://schemas.openxmlformats.org/markup-compatibility/2006" xmlns:cx1="http://schemas.microsoft.com/office/drawing/2015/9/8/chartex">
+        <mc:Choice Requires="cx1">
+          <p:graphicFrame>
+            <p:nvGraphicFramePr>
+              <p:cNvPr id="10" name="Chart 9">
+                <a:extLst>
+                  <a:ext uri="{FF2B5EF4-FFF2-40B4-BE49-F238E27FC236}">
+                    <a16:creationId xmlns:a16="http://schemas.microsoft.com/office/drawing/2014/main" id="{81EEAC3C-101E-4D2E-B567-2FE21D24C9EA}"/>
+                  </a:ext>
+                </a:extLst>
+              </p:cNvPr>
+              <p:cNvGraphicFramePr/>
+              <p:nvPr>
+                <p:extLst/>
+              </p:nvPr>
+            </p:nvGraphicFramePr>
+            <p:xfrm>
+              <a:off x="497840" y="4226683"/>
+              <a:ext cx="11541759" cy="2743200"/>
+            </p:xfrm>
+            <a:graphic>
+              <a:graphicData uri="http://schemas.microsoft.com/office/drawing/2014/chartex">
+                <cx:chart xmlns:cx="http://schemas.microsoft.com/office/drawing/2014/chartex" xmlns:r="http://schemas.openxmlformats.org/officeDocument/2006/relationships" r:id="rId3"/>
+              </a:graphicData>
+            </a:graphic>
+          </p:graphicFrame>
+        </mc:Choice>
+        <mc:Fallback xmlns="">
+          <p:pic>
+            <p:nvPicPr>
+              <p:cNvPr id="10" name="Chart 9">
+                <a:extLst>
+                  <a:ext uri="{FF2B5EF4-FFF2-40B4-BE49-F238E27FC236}">
+                    <a16:creationId xmlns:a16="http://schemas.microsoft.com/office/drawing/2014/main" id="{81EEAC3C-101E-4D2E-B567-2FE21D24C9EA}"/>
+                  </a:ext>
+                </a:extLst>
+              </p:cNvPr>
+              <p:cNvPicPr>
+                <a:picLocks noGrp="1" noRot="1" noChangeAspect="1" noMove="1" noResize="1" noEditPoints="1" noAdjustHandles="1" noChangeArrowheads="1" noChangeShapeType="1"/>
+              </p:cNvPicPr>
+              <p:nvPr/>
+            </p:nvPicPr>
+            <p:blipFill>
+              <a:blip r:embed="rId4"/>
+              <a:stretch>
+                <a:fillRect/>
+              </a:stretch>
+            </p:blipFill>
+            <p:spPr>
+              <a:xfrm>
+                <a:off x="497840" y="4226683"/>
+                <a:ext cx="11541759" cy="2743200"/>
+              </a:xfrm>
+              <a:prstGeom prst="rect">
+                <a:avLst/>
+              </a:prstGeom>
+            </p:spPr>
+          </p:pic>
+        </mc:Fallback>
+      </mc:AlternateContent>
+      <p:graphicFrame>
+        <p:nvGraphicFramePr>
+          <p:cNvPr id="11" name="Chart 10">
+            <a:extLst>
+              <a:ext uri="{FF2B5EF4-FFF2-40B4-BE49-F238E27FC236}">
+                <a16:creationId xmlns:a16="http://schemas.microsoft.com/office/drawing/2014/main" id="{DB5249A1-66A1-472F-9636-F1B5DB803F1D}"/>
+              </a:ext>
+            </a:extLst>
+          </p:cNvPr>
+          <p:cNvGraphicFramePr>
+            <a:graphicFrameLocks/>
+          </p:cNvGraphicFramePr>
+          <p:nvPr>
+            <p:extLst/>
+          </p:nvPr>
+        </p:nvGraphicFramePr>
+        <p:xfrm>
+          <a:off x="294642" y="4643120"/>
+          <a:ext cx="11663678" cy="2373857"/>
+        </p:xfrm>
+        <a:graphic>
+          <a:graphicData uri="http://schemas.openxmlformats.org/drawingml/2006/chart">
+            <c:chart xmlns:c="http://schemas.openxmlformats.org/drawingml/2006/chart" xmlns:r="http://schemas.openxmlformats.org/officeDocument/2006/relationships" r:id="rId5"/>
+          </a:graphicData>
+        </a:graphic>
+      </p:graphicFrame>
+      <p:sp>
+        <p:nvSpPr>
+          <p:cNvPr id="8" name="TextBox 7">
+            <a:extLst>
+              <a:ext uri="{FF2B5EF4-FFF2-40B4-BE49-F238E27FC236}">
+                <a16:creationId xmlns:a16="http://schemas.microsoft.com/office/drawing/2014/main" id="{99AA33E3-C40B-487B-8051-2B8435E9BDF3}"/>
+              </a:ext>
+            </a:extLst>
+          </p:cNvPr>
+          <p:cNvSpPr txBox="1"/>
+          <p:nvPr/>
+        </p:nvSpPr>
+        <p:spPr>
+          <a:xfrm flipH="1">
+            <a:off x="1681479" y="778717"/>
+            <a:ext cx="1275081" cy="461665"/>
+          </a:xfrm>
+          <a:prstGeom prst="rect">
+            <a:avLst/>
+          </a:prstGeom>
+          <a:noFill/>
+        </p:spPr>
+        <p:txBody>
+          <a:bodyPr wrap="square" rtlCol="0">
+            <a:spAutoFit/>
+          </a:bodyPr>
+          <a:lstStyle/>
+          <a:p>
+            <a:r>
+              <a:rPr lang="en-US" sz="2400" b="1" dirty="0"/>
+              <a:t>Lowest</a:t>
+            </a:r>
+          </a:p>
+        </p:txBody>
+      </p:sp>
+      <p:sp>
+        <p:nvSpPr>
+          <p:cNvPr id="13" name="TextBox 12">
+            <a:extLst>
+              <a:ext uri="{FF2B5EF4-FFF2-40B4-BE49-F238E27FC236}">
+                <a16:creationId xmlns:a16="http://schemas.microsoft.com/office/drawing/2014/main" id="{C490A76C-563E-483A-9F51-AF0B683D8BE7}"/>
+              </a:ext>
+            </a:extLst>
+          </p:cNvPr>
+          <p:cNvSpPr txBox="1"/>
+          <p:nvPr/>
+        </p:nvSpPr>
+        <p:spPr>
+          <a:xfrm flipH="1">
+            <a:off x="9507220" y="778717"/>
+            <a:ext cx="1275081" cy="461665"/>
+          </a:xfrm>
+          <a:prstGeom prst="rect">
+            <a:avLst/>
+          </a:prstGeom>
+          <a:noFill/>
+        </p:spPr>
+        <p:txBody>
+          <a:bodyPr wrap="square" rtlCol="0">
+            <a:spAutoFit/>
+          </a:bodyPr>
+          <a:lstStyle/>
+          <a:p>
+            <a:r>
+              <a:rPr lang="en-US" sz="2400" b="1" dirty="0"/>
+              <a:t>Highest</a:t>
+            </a:r>
+          </a:p>
+        </p:txBody>
+      </p:sp>
+      <p:sp>
+        <p:nvSpPr>
+          <p:cNvPr id="2" name="Rectangle 1">
+            <a:extLst>
+              <a:ext uri="{FF2B5EF4-FFF2-40B4-BE49-F238E27FC236}">
+                <a16:creationId xmlns:a16="http://schemas.microsoft.com/office/drawing/2014/main" id="{3EA17E43-3757-497D-A2E5-1433FD922747}"/>
+              </a:ext>
+            </a:extLst>
+          </p:cNvPr>
+          <p:cNvSpPr/>
+          <p:nvPr/>
+        </p:nvSpPr>
+        <p:spPr>
+          <a:xfrm>
+            <a:off x="497840" y="5372876"/>
+            <a:ext cx="1342823" cy="1213027"/>
+          </a:xfrm>
+          <a:prstGeom prst="rect">
+            <a:avLst/>
+          </a:prstGeom>
+          <a:noFill/>
+          <a:ln w="28575">
+            <a:solidFill>
+              <a:srgbClr val="FF0000"/>
+            </a:solidFill>
+          </a:ln>
+        </p:spPr>
+        <p:style>
+          <a:lnRef idx="2">
+            <a:schemeClr val="accent1">
+              <a:shade val="50000"/>
+            </a:schemeClr>
+          </a:lnRef>
+          <a:fillRef idx="1">
+            <a:schemeClr val="accent1"/>
+          </a:fillRef>
+          <a:effectRef idx="0">
+            <a:schemeClr val="accent1"/>
+          </a:effectRef>
+          <a:fontRef idx="minor">
+            <a:schemeClr val="lt1"/>
+          </a:fontRef>
+        </p:style>
+        <p:txBody>
+          <a:bodyPr rtlCol="0" anchor="ctr"/>
+          <a:lstStyle/>
+          <a:p>
+            <a:pPr algn="ctr"/>
+            <a:endParaRPr lang="en-US" dirty="0"/>
+          </a:p>
+        </p:txBody>
+      </p:sp>
+      <p:sp>
+        <p:nvSpPr>
+          <p:cNvPr id="14" name="Rectangle 13">
+            <a:extLst>
+              <a:ext uri="{FF2B5EF4-FFF2-40B4-BE49-F238E27FC236}">
+                <a16:creationId xmlns:a16="http://schemas.microsoft.com/office/drawing/2014/main" id="{EA2EAC8A-88CB-4DC2-99EA-A138FA8B0B41}"/>
+              </a:ext>
+            </a:extLst>
+          </p:cNvPr>
+          <p:cNvSpPr/>
+          <p:nvPr/>
+        </p:nvSpPr>
+        <p:spPr>
+          <a:xfrm>
+            <a:off x="10505777" y="4805679"/>
+            <a:ext cx="1342823" cy="1749157"/>
+          </a:xfrm>
+          <a:prstGeom prst="rect">
+            <a:avLst/>
+          </a:prstGeom>
+          <a:noFill/>
+          <a:ln w="28575">
+            <a:solidFill>
+              <a:srgbClr val="00B050"/>
+            </a:solidFill>
+          </a:ln>
+        </p:spPr>
+        <p:style>
+          <a:lnRef idx="2">
+            <a:schemeClr val="accent1">
+              <a:shade val="50000"/>
+            </a:schemeClr>
+          </a:lnRef>
+          <a:fillRef idx="1">
+            <a:schemeClr val="accent1"/>
+          </a:fillRef>
+          <a:effectRef idx="0">
+            <a:schemeClr val="accent1"/>
+          </a:effectRef>
+          <a:fontRef idx="minor">
+            <a:schemeClr val="lt1"/>
+          </a:fontRef>
+        </p:style>
+        <p:txBody>
+          <a:bodyPr rtlCol="0" anchor="ctr"/>
+          <a:lstStyle/>
+          <a:p>
+            <a:pPr algn="ctr"/>
+            <a:endParaRPr lang="en-US" dirty="0"/>
+          </a:p>
+        </p:txBody>
+      </p:sp>
+    </p:spTree>
+    <p:extLst>
+      <p:ext uri="{BB962C8B-B14F-4D97-AF65-F5344CB8AC3E}">
+        <p14:creationId xmlns:p14="http://schemas.microsoft.com/office/powerpoint/2010/main" val="2412029250"/>
+      </p:ext>
+    </p:extLst>
+  </p:cSld>
+  <p:clrMapOvr>
+    <a:masterClrMapping/>
+  </p:clrMapOvr>
+</p:sld>
+</file>
+
+<file path=ppt/slides/slide4.xml><?xml version="1.0" encoding="utf-8"?>
+<p:sld xmlns:a="http://schemas.openxmlformats.org/drawingml/2006/main" xmlns:r="http://schemas.openxmlformats.org/officeDocument/2006/relationships" xmlns:p="http://schemas.openxmlformats.org/presentationml/2006/main">
+  <p:cSld>
+    <p:spTree>
+      <p:nvGrpSpPr>
+        <p:cNvPr id="1" name=""/>
+        <p:cNvGrpSpPr/>
+        <p:nvPr/>
+      </p:nvGrpSpPr>
+      <p:grpSpPr>
+        <a:xfrm>
+          <a:off x="0" y="0"/>
+          <a:ext cx="0" cy="0"/>
+          <a:chOff x="0" y="0"/>
+          <a:chExt cx="0" cy="0"/>
+        </a:xfrm>
+      </p:grpSpPr>
+      <p:graphicFrame>
+        <p:nvGraphicFramePr>
+          <p:cNvPr id="4" name="Chart 3">
+            <a:extLst>
+              <a:ext uri="{FF2B5EF4-FFF2-40B4-BE49-F238E27FC236}">
+                <a16:creationId xmlns:a16="http://schemas.microsoft.com/office/drawing/2014/main" id="{74D4C117-28FA-4329-B1CC-9C064EAC8F8E}"/>
+              </a:ext>
+            </a:extLst>
+          </p:cNvPr>
+          <p:cNvGraphicFramePr>
+            <a:graphicFrameLocks/>
+          </p:cNvGraphicFramePr>
+          <p:nvPr>
+            <p:extLst/>
+          </p:nvPr>
+        </p:nvGraphicFramePr>
+        <p:xfrm>
+          <a:off x="792480" y="685800"/>
+          <a:ext cx="4592320" cy="2250437"/>
+        </p:xfrm>
+        <a:graphic>
+          <a:graphicData uri="http://schemas.openxmlformats.org/drawingml/2006/chart">
+            <c:chart xmlns:c="http://schemas.openxmlformats.org/drawingml/2006/chart" xmlns:r="http://schemas.openxmlformats.org/officeDocument/2006/relationships" r:id="rId2"/>
+          </a:graphicData>
+        </a:graphic>
+      </p:graphicFrame>
+      <p:graphicFrame>
+        <p:nvGraphicFramePr>
+          <p:cNvPr id="5" name="Chart 4">
+            <a:extLst>
+              <a:ext uri="{FF2B5EF4-FFF2-40B4-BE49-F238E27FC236}">
+                <a16:creationId xmlns:a16="http://schemas.microsoft.com/office/drawing/2014/main" id="{3D22E7B9-07F1-47E5-B519-097DB1811227}"/>
+              </a:ext>
+            </a:extLst>
+          </p:cNvPr>
+          <p:cNvGraphicFramePr>
+            <a:graphicFrameLocks/>
+          </p:cNvGraphicFramePr>
+          <p:nvPr>
+            <p:extLst/>
+          </p:nvPr>
+        </p:nvGraphicFramePr>
+        <p:xfrm>
+          <a:off x="792480" y="3561080"/>
+          <a:ext cx="4592320" cy="2250437"/>
+        </p:xfrm>
+        <a:graphic>
+          <a:graphicData uri="http://schemas.openxmlformats.org/drawingml/2006/chart">
+            <c:chart xmlns:c="http://schemas.openxmlformats.org/drawingml/2006/chart" xmlns:r="http://schemas.openxmlformats.org/officeDocument/2006/relationships" r:id="rId3"/>
+          </a:graphicData>
+        </a:graphic>
+      </p:graphicFrame>
+      <p:graphicFrame>
+        <p:nvGraphicFramePr>
+          <p:cNvPr id="6" name="Chart 5">
+            <a:extLst>
+              <a:ext uri="{FF2B5EF4-FFF2-40B4-BE49-F238E27FC236}">
+                <a16:creationId xmlns:a16="http://schemas.microsoft.com/office/drawing/2014/main" id="{28545D30-62D8-4506-811C-31E5C4402857}"/>
+              </a:ext>
+            </a:extLst>
+          </p:cNvPr>
+          <p:cNvGraphicFramePr>
+            <a:graphicFrameLocks/>
+          </p:cNvGraphicFramePr>
+          <p:nvPr>
+            <p:extLst/>
+          </p:nvPr>
+        </p:nvGraphicFramePr>
+        <p:xfrm>
+          <a:off x="6827520" y="685800"/>
+          <a:ext cx="4592320" cy="2250437"/>
+        </p:xfrm>
+        <a:graphic>
+          <a:graphicData uri="http://schemas.openxmlformats.org/drawingml/2006/chart">
+            <c:chart xmlns:c="http://schemas.openxmlformats.org/drawingml/2006/chart" xmlns:r="http://schemas.openxmlformats.org/officeDocument/2006/relationships" r:id="rId4"/>
+          </a:graphicData>
+        </a:graphic>
+      </p:graphicFrame>
+      <p:sp>
+        <p:nvSpPr>
+          <p:cNvPr id="7" name="TextBox 6">
+            <a:extLst>
+              <a:ext uri="{FF2B5EF4-FFF2-40B4-BE49-F238E27FC236}">
+                <a16:creationId xmlns:a16="http://schemas.microsoft.com/office/drawing/2014/main" id="{CC73E663-C549-440D-8F93-B936D6CD25DB}"/>
+              </a:ext>
+            </a:extLst>
+          </p:cNvPr>
+          <p:cNvSpPr txBox="1"/>
+          <p:nvPr/>
+        </p:nvSpPr>
+        <p:spPr>
+          <a:xfrm>
+            <a:off x="254000" y="178415"/>
+            <a:ext cx="7231018" cy="461665"/>
+          </a:xfrm>
+          <a:prstGeom prst="rect">
+            <a:avLst/>
+          </a:prstGeom>
+          <a:noFill/>
+        </p:spPr>
+        <p:txBody>
+          <a:bodyPr wrap="none" rtlCol="0">
+            <a:spAutoFit/>
+          </a:bodyPr>
+          <a:lstStyle/>
+          <a:p>
+            <a:r>
+              <a:rPr lang="en-US" sz="2400" dirty="0"/>
+              <a:t>Top 5 Countries by 2019 Happiness Index vs. Key Metrics</a:t>
+            </a:r>
+          </a:p>
+        </p:txBody>
+      </p:sp>
+      <p:cxnSp>
+        <p:nvCxnSpPr>
+          <p:cNvPr id="9" name="Straight Connector 8">
+            <a:extLst>
+              <a:ext uri="{FF2B5EF4-FFF2-40B4-BE49-F238E27FC236}">
+                <a16:creationId xmlns:a16="http://schemas.microsoft.com/office/drawing/2014/main" id="{86266801-8ABF-4F07-BDF1-0C7A2AB4FD78}"/>
+              </a:ext>
+            </a:extLst>
+          </p:cNvPr>
+          <p:cNvCxnSpPr/>
+          <p:nvPr/>
+        </p:nvCxnSpPr>
+        <p:spPr>
+          <a:xfrm>
+            <a:off x="50800" y="640080"/>
+            <a:ext cx="12110720" cy="0"/>
+          </a:xfrm>
+          <a:prstGeom prst="line">
+            <a:avLst/>
+          </a:prstGeom>
+        </p:spPr>
+        <p:style>
+          <a:lnRef idx="1">
+            <a:schemeClr val="accent1"/>
+          </a:lnRef>
+          <a:fillRef idx="0">
+            <a:schemeClr val="accent1"/>
+          </a:fillRef>
+          <a:effectRef idx="0">
+            <a:schemeClr val="accent1"/>
+          </a:effectRef>
+          <a:fontRef idx="minor">
+            <a:schemeClr val="tx1"/>
+          </a:fontRef>
+        </p:style>
+      </p:cxnSp>
+      <p:cxnSp>
+        <p:nvCxnSpPr>
+          <p:cNvPr id="11" name="Straight Connector 10">
+            <a:extLst>
+              <a:ext uri="{FF2B5EF4-FFF2-40B4-BE49-F238E27FC236}">
+                <a16:creationId xmlns:a16="http://schemas.microsoft.com/office/drawing/2014/main" id="{67837282-FC5E-420A-8352-5A2A6493A803}"/>
+              </a:ext>
+            </a:extLst>
+          </p:cNvPr>
+          <p:cNvCxnSpPr>
+            <a:cxnSpLocks/>
+          </p:cNvCxnSpPr>
+          <p:nvPr/>
+        </p:nvCxnSpPr>
+        <p:spPr>
+          <a:xfrm>
+            <a:off x="0" y="3429000"/>
+            <a:ext cx="12192000" cy="0"/>
+          </a:xfrm>
+          <a:prstGeom prst="line">
+            <a:avLst/>
+          </a:prstGeom>
+        </p:spPr>
+        <p:style>
+          <a:lnRef idx="1">
+            <a:schemeClr val="accent1"/>
+          </a:lnRef>
+          <a:fillRef idx="0">
+            <a:schemeClr val="accent1"/>
+          </a:fillRef>
+          <a:effectRef idx="0">
+            <a:schemeClr val="accent1"/>
+          </a:effectRef>
+          <a:fontRef idx="minor">
+            <a:schemeClr val="tx1"/>
+          </a:fontRef>
+        </p:style>
+      </p:cxnSp>
+      <p:graphicFrame>
+        <p:nvGraphicFramePr>
+          <p:cNvPr id="13" name="Chart 12">
+            <a:extLst>
+              <a:ext uri="{FF2B5EF4-FFF2-40B4-BE49-F238E27FC236}">
+                <a16:creationId xmlns:a16="http://schemas.microsoft.com/office/drawing/2014/main" id="{5C56DEE6-E982-48BF-8DC3-35A3185314D7}"/>
+              </a:ext>
+            </a:extLst>
+          </p:cNvPr>
+          <p:cNvGraphicFramePr>
+            <a:graphicFrameLocks/>
+          </p:cNvGraphicFramePr>
+          <p:nvPr>
+            <p:extLst/>
+          </p:nvPr>
+        </p:nvGraphicFramePr>
+        <p:xfrm>
+          <a:off x="6827520" y="3713480"/>
+          <a:ext cx="4592320" cy="2250437"/>
+        </p:xfrm>
+        <a:graphic>
+          <a:graphicData uri="http://schemas.openxmlformats.org/drawingml/2006/chart">
+            <c:chart xmlns:c="http://schemas.openxmlformats.org/drawingml/2006/chart" xmlns:r="http://schemas.openxmlformats.org/officeDocument/2006/relationships" r:id="rId5"/>
+          </a:graphicData>
+        </a:graphic>
+      </p:graphicFrame>
+      <p:cxnSp>
+        <p:nvCxnSpPr>
+          <p:cNvPr id="14" name="Straight Connector 13">
+            <a:extLst>
+              <a:ext uri="{FF2B5EF4-FFF2-40B4-BE49-F238E27FC236}">
+                <a16:creationId xmlns:a16="http://schemas.microsoft.com/office/drawing/2014/main" id="{2613C655-53E0-459D-9423-F79ED01F30DC}"/>
+              </a:ext>
+            </a:extLst>
+          </p:cNvPr>
+          <p:cNvCxnSpPr/>
+          <p:nvPr/>
+        </p:nvCxnSpPr>
+        <p:spPr>
+          <a:xfrm>
+            <a:off x="6096000" y="853440"/>
+            <a:ext cx="0" cy="5811520"/>
+          </a:xfrm>
+          <a:prstGeom prst="line">
+            <a:avLst/>
+          </a:prstGeom>
+        </p:spPr>
+        <p:style>
+          <a:lnRef idx="1">
+            <a:schemeClr val="accent1"/>
+          </a:lnRef>
+          <a:fillRef idx="0">
+            <a:schemeClr val="accent1"/>
+          </a:fillRef>
+          <a:effectRef idx="0">
+            <a:schemeClr val="accent1"/>
+          </a:effectRef>
+          <a:fontRef idx="minor">
+            <a:schemeClr val="tx1"/>
+          </a:fontRef>
+        </p:style>
+      </p:cxnSp>
+      <p:sp>
+        <p:nvSpPr>
+          <p:cNvPr id="15" name="TextBox 14">
+            <a:extLst>
+              <a:ext uri="{FF2B5EF4-FFF2-40B4-BE49-F238E27FC236}">
+                <a16:creationId xmlns:a16="http://schemas.microsoft.com/office/drawing/2014/main" id="{05B4592F-9E4B-4CFC-B5B3-88313F50B368}"/>
+              </a:ext>
+            </a:extLst>
+          </p:cNvPr>
+          <p:cNvSpPr txBox="1"/>
+          <p:nvPr/>
+        </p:nvSpPr>
+        <p:spPr>
+          <a:xfrm>
+            <a:off x="1589351" y="2987032"/>
+            <a:ext cx="2998578" cy="276999"/>
+          </a:xfrm>
+          <a:prstGeom prst="rect">
+            <a:avLst/>
+          </a:prstGeom>
+          <a:noFill/>
+          <a:ln>
+            <a:solidFill>
+              <a:schemeClr val="tx2"/>
+            </a:solidFill>
+          </a:ln>
+        </p:spPr>
+        <p:txBody>
+          <a:bodyPr wrap="none" rtlCol="0">
+            <a:spAutoFit/>
+          </a:bodyPr>
+          <a:lstStyle/>
+          <a:p>
+            <a:r>
+              <a:rPr lang="en-US" sz="1200" dirty="0"/>
+              <a:t>All but Finland rank below the 50</a:t>
+            </a:r>
+            <a:r>
+              <a:rPr lang="en-US" sz="1200" baseline="30000" dirty="0"/>
+              <a:t>th</a:t>
+            </a:r>
+            <a:r>
+              <a:rPr lang="en-US" sz="1200" dirty="0"/>
+              <a:t> percentile</a:t>
+            </a:r>
+          </a:p>
+        </p:txBody>
+      </p:sp>
+      <p:sp>
+        <p:nvSpPr>
+          <p:cNvPr id="17" name="TextBox 16">
+            <a:extLst>
+              <a:ext uri="{FF2B5EF4-FFF2-40B4-BE49-F238E27FC236}">
+                <a16:creationId xmlns:a16="http://schemas.microsoft.com/office/drawing/2014/main" id="{0D344195-34EB-4484-BF82-FA713E8D4502}"/>
+              </a:ext>
+            </a:extLst>
+          </p:cNvPr>
+          <p:cNvSpPr txBox="1"/>
+          <p:nvPr/>
+        </p:nvSpPr>
+        <p:spPr>
+          <a:xfrm>
+            <a:off x="7612112" y="2987032"/>
+            <a:ext cx="3023135" cy="276999"/>
+          </a:xfrm>
+          <a:prstGeom prst="rect">
+            <a:avLst/>
+          </a:prstGeom>
+          <a:solidFill>
+            <a:schemeClr val="accent6">
+              <a:lumMod val="20000"/>
+              <a:lumOff val="80000"/>
+            </a:schemeClr>
+          </a:solidFill>
+          <a:ln>
+            <a:solidFill>
+              <a:schemeClr val="tx2"/>
+            </a:solidFill>
+          </a:ln>
+        </p:spPr>
+        <p:txBody>
+          <a:bodyPr wrap="none" rtlCol="0">
+            <a:spAutoFit/>
+          </a:bodyPr>
+          <a:lstStyle/>
+          <a:p>
+            <a:r>
+              <a:rPr lang="en-US" sz="1200" dirty="0"/>
+              <a:t>All 5 countries rank above the 75</a:t>
+            </a:r>
+            <a:r>
+              <a:rPr lang="en-US" sz="1200" baseline="30000" dirty="0"/>
+              <a:t>th</a:t>
+            </a:r>
+            <a:r>
+              <a:rPr lang="en-US" sz="1200" dirty="0"/>
+              <a:t> percentile </a:t>
+            </a:r>
+          </a:p>
+        </p:txBody>
+      </p:sp>
+      <p:sp>
+        <p:nvSpPr>
+          <p:cNvPr id="19" name="TextBox 18">
+            <a:extLst>
+              <a:ext uri="{FF2B5EF4-FFF2-40B4-BE49-F238E27FC236}">
+                <a16:creationId xmlns:a16="http://schemas.microsoft.com/office/drawing/2014/main" id="{F44188A0-C7C6-4A26-8488-E0227A091A60}"/>
+              </a:ext>
+            </a:extLst>
+          </p:cNvPr>
+          <p:cNvSpPr txBox="1"/>
+          <p:nvPr/>
+        </p:nvSpPr>
+        <p:spPr>
+          <a:xfrm>
+            <a:off x="1581311" y="5952417"/>
+            <a:ext cx="2998578" cy="276999"/>
+          </a:xfrm>
+          <a:prstGeom prst="rect">
+            <a:avLst/>
+          </a:prstGeom>
+          <a:noFill/>
+          <a:ln>
+            <a:solidFill>
+              <a:schemeClr val="tx2"/>
+            </a:solidFill>
+          </a:ln>
+        </p:spPr>
+        <p:txBody>
+          <a:bodyPr wrap="none" rtlCol="0">
+            <a:spAutoFit/>
+          </a:bodyPr>
+          <a:lstStyle/>
+          <a:p>
+            <a:r>
+              <a:rPr lang="en-US" sz="1200" dirty="0"/>
+              <a:t>All but Finland rank below the 50</a:t>
+            </a:r>
+            <a:r>
+              <a:rPr lang="en-US" sz="1200" baseline="30000" dirty="0"/>
+              <a:t>th</a:t>
+            </a:r>
+            <a:r>
+              <a:rPr lang="en-US" sz="1200" dirty="0"/>
+              <a:t> percentile</a:t>
+            </a:r>
+          </a:p>
+        </p:txBody>
+      </p:sp>
+      <p:sp>
+        <p:nvSpPr>
+          <p:cNvPr id="20" name="TextBox 19">
+            <a:extLst>
+              <a:ext uri="{FF2B5EF4-FFF2-40B4-BE49-F238E27FC236}">
+                <a16:creationId xmlns:a16="http://schemas.microsoft.com/office/drawing/2014/main" id="{0F1DDEF4-7641-409A-AA3F-57824CED39F3}"/>
+              </a:ext>
+            </a:extLst>
+          </p:cNvPr>
+          <p:cNvSpPr txBox="1"/>
+          <p:nvPr/>
+        </p:nvSpPr>
+        <p:spPr>
+          <a:xfrm>
+            <a:off x="6950936" y="5952417"/>
+            <a:ext cx="4345485" cy="276999"/>
+          </a:xfrm>
+          <a:prstGeom prst="rect">
+            <a:avLst/>
+          </a:prstGeom>
+          <a:noFill/>
+          <a:ln>
+            <a:solidFill>
+              <a:schemeClr val="tx2"/>
+            </a:solidFill>
+          </a:ln>
+        </p:spPr>
+        <p:txBody>
+          <a:bodyPr wrap="none" rtlCol="0">
+            <a:spAutoFit/>
+          </a:bodyPr>
+          <a:lstStyle/>
+          <a:p>
+            <a:r>
+              <a:rPr lang="en-US" sz="1200" dirty="0"/>
+              <a:t>The 5 Countries are widely spread above/below the 50</a:t>
+            </a:r>
+            <a:r>
+              <a:rPr lang="en-US" sz="1200" baseline="30000" dirty="0"/>
+              <a:t>th</a:t>
+            </a:r>
+            <a:r>
+              <a:rPr lang="en-US" sz="1200" dirty="0"/>
+              <a:t> Percentile</a:t>
+            </a:r>
+          </a:p>
+        </p:txBody>
+      </p:sp>
+    </p:spTree>
+    <p:extLst>
+      <p:ext uri="{BB962C8B-B14F-4D97-AF65-F5344CB8AC3E}">
+        <p14:creationId xmlns:p14="http://schemas.microsoft.com/office/powerpoint/2010/main" val="4125946197"/>
+      </p:ext>
+    </p:extLst>
+  </p:cSld>
+  <p:clrMapOvr>
+    <a:masterClrMapping/>
+  </p:clrMapOvr>
+</p:sld>
+</file>
+
+<file path=ppt/slides/slide5.xml><?xml version="1.0" encoding="utf-8"?>
+<p:sld xmlns:a="http://schemas.openxmlformats.org/drawingml/2006/main" xmlns:r="http://schemas.openxmlformats.org/officeDocument/2006/relationships" xmlns:p="http://schemas.openxmlformats.org/presentationml/2006/main">
+  <p:cSld>
+    <p:spTree>
+      <p:nvGrpSpPr>
+        <p:cNvPr id="1" name=""/>
+        <p:cNvGrpSpPr/>
+        <p:nvPr/>
+      </p:nvGrpSpPr>
+      <p:grpSpPr>
+        <a:xfrm>
+          <a:off x="0" y="0"/>
+          <a:ext cx="0" cy="0"/>
+          <a:chOff x="0" y="0"/>
+          <a:chExt cx="0" cy="0"/>
+        </a:xfrm>
+      </p:grpSpPr>
+      <p:pic>
+        <p:nvPicPr>
           <p:cNvPr id="1026" name="Picture 2">
             <a:extLst>
               <a:ext uri="{FF2B5EF4-FFF2-40B4-BE49-F238E27FC236}">
